--- a/Term6/CIS/task6.pptx
+++ b/Term6/CIS/task6.pptx
@@ -1,21 +1,24 @@
 
 <file path=ppt/presentation.xml><?xml version="1.0" encoding="utf-8"?>
-<p:presentation xmlns:a="http://schemas.openxmlformats.org/drawingml/2006/main" xmlns:r="http://schemas.openxmlformats.org/officeDocument/2006/relationships" xmlns:p="http://schemas.openxmlformats.org/presentationml/2006/main" saveSubsetFonts="1">
+<p:presentation xmlns:a="http://schemas.openxmlformats.org/drawingml/2006/main" xmlns:r="http://schemas.openxmlformats.org/officeDocument/2006/relationships" xmlns:p="http://schemas.openxmlformats.org/presentationml/2006/main" xmlns:m="http://schemas.openxmlformats.org/officeDocument/2006/math" xmlns:w="http://schemas.openxmlformats.org/wordprocessingml/2006/main" saveSubsetFonts="1">
   <p:sldMasterIdLst>
-    <p:sldMasterId id="2147483684" r:id="rId1"/>
+    <p:sldMasterId id="2147483648" r:id="rId1"/>
   </p:sldMasterIdLst>
+  <p:notesMasterIdLst>
+    <p:notesMasterId r:id="rId15"/>
+  </p:notesMasterIdLst>
   <p:sldIdLst>
-    <p:sldId id="256" r:id="rId2"/>
-    <p:sldId id="258" r:id="rId3"/>
-    <p:sldId id="259" r:id="rId4"/>
-    <p:sldId id="262" r:id="rId5"/>
-    <p:sldId id="260" r:id="rId6"/>
-    <p:sldId id="263" r:id="rId7"/>
-    <p:sldId id="261" r:id="rId8"/>
-    <p:sldId id="264" r:id="rId9"/>
-    <p:sldId id="266" r:id="rId10"/>
-    <p:sldId id="267" r:id="rId11"/>
-    <p:sldId id="265" r:id="rId12"/>
+    <p:sldId id="256" r:id="rId4"/>
+    <p:sldId id="257" r:id="rId5"/>
+    <p:sldId id="258" r:id="rId6"/>
+    <p:sldId id="259" r:id="rId7"/>
+    <p:sldId id="260" r:id="rId8"/>
+    <p:sldId id="261" r:id="rId9"/>
+    <p:sldId id="262" r:id="rId10"/>
+    <p:sldId id="263" r:id="rId11"/>
+    <p:sldId id="264" r:id="rId12"/>
+    <p:sldId id="265" r:id="rId13"/>
+    <p:sldId id="266" r:id="rId14"/>
   </p:sldIdLst>
   <p:sldSz cx="12192000" cy="6858000"/>
   <p:notesSz cx="6858000" cy="9144000"/>
@@ -23,8 +26,8 @@
     <a:defPPr>
       <a:defRPr lang="ru-RU"/>
     </a:defPPr>
-    <a:lvl1pPr marL="0" algn="l" defTabSz="914400" rtl="0" eaLnBrk="1" latinLnBrk="0" hangingPunct="1">
-      <a:defRPr sz="1800" kern="1200">
+    <a:lvl1pPr marL="0" algn="l" defTabSz="914400">
+      <a:defRPr sz="1800">
         <a:solidFill>
           <a:schemeClr val="tx1"/>
         </a:solidFill>
@@ -33,8 +36,8 @@
         <a:cs typeface="+mn-cs"/>
       </a:defRPr>
     </a:lvl1pPr>
-    <a:lvl2pPr marL="457200" algn="l" defTabSz="914400" rtl="0" eaLnBrk="1" latinLnBrk="0" hangingPunct="1">
-      <a:defRPr sz="1800" kern="1200">
+    <a:lvl2pPr marL="457200" algn="l" defTabSz="914400">
+      <a:defRPr sz="1800">
         <a:solidFill>
           <a:schemeClr val="tx1"/>
         </a:solidFill>
@@ -43,8 +46,8 @@
         <a:cs typeface="+mn-cs"/>
       </a:defRPr>
     </a:lvl2pPr>
-    <a:lvl3pPr marL="914400" algn="l" defTabSz="914400" rtl="0" eaLnBrk="1" latinLnBrk="0" hangingPunct="1">
-      <a:defRPr sz="1800" kern="1200">
+    <a:lvl3pPr marL="914400" algn="l" defTabSz="914400">
+      <a:defRPr sz="1800">
         <a:solidFill>
           <a:schemeClr val="tx1"/>
         </a:solidFill>
@@ -53,8 +56,8 @@
         <a:cs typeface="+mn-cs"/>
       </a:defRPr>
     </a:lvl3pPr>
-    <a:lvl4pPr marL="1371600" algn="l" defTabSz="914400" rtl="0" eaLnBrk="1" latinLnBrk="0" hangingPunct="1">
-      <a:defRPr sz="1800" kern="1200">
+    <a:lvl4pPr marL="1371600" algn="l" defTabSz="914400">
+      <a:defRPr sz="1800">
         <a:solidFill>
           <a:schemeClr val="tx1"/>
         </a:solidFill>
@@ -63,8 +66,8 @@
         <a:cs typeface="+mn-cs"/>
       </a:defRPr>
     </a:lvl4pPr>
-    <a:lvl5pPr marL="1828800" algn="l" defTabSz="914400" rtl="0" eaLnBrk="1" latinLnBrk="0" hangingPunct="1">
-      <a:defRPr sz="1800" kern="1200">
+    <a:lvl5pPr marL="1828800" algn="l" defTabSz="914400">
+      <a:defRPr sz="1800">
         <a:solidFill>
           <a:schemeClr val="tx1"/>
         </a:solidFill>
@@ -73,8 +76,8 @@
         <a:cs typeface="+mn-cs"/>
       </a:defRPr>
     </a:lvl5pPr>
-    <a:lvl6pPr marL="2286000" algn="l" defTabSz="914400" rtl="0" eaLnBrk="1" latinLnBrk="0" hangingPunct="1">
-      <a:defRPr sz="1800" kern="1200">
+    <a:lvl6pPr marL="2286000" algn="l" defTabSz="914400">
+      <a:defRPr sz="1800">
         <a:solidFill>
           <a:schemeClr val="tx1"/>
         </a:solidFill>
@@ -83,8 +86,8 @@
         <a:cs typeface="+mn-cs"/>
       </a:defRPr>
     </a:lvl6pPr>
-    <a:lvl7pPr marL="2743200" algn="l" defTabSz="914400" rtl="0" eaLnBrk="1" latinLnBrk="0" hangingPunct="1">
-      <a:defRPr sz="1800" kern="1200">
+    <a:lvl7pPr marL="2743200" algn="l" defTabSz="914400">
+      <a:defRPr sz="1800">
         <a:solidFill>
           <a:schemeClr val="tx1"/>
         </a:solidFill>
@@ -93,8 +96,8 @@
         <a:cs typeface="+mn-cs"/>
       </a:defRPr>
     </a:lvl7pPr>
-    <a:lvl8pPr marL="3200400" algn="l" defTabSz="914400" rtl="0" eaLnBrk="1" latinLnBrk="0" hangingPunct="1">
-      <a:defRPr sz="1800" kern="1200">
+    <a:lvl8pPr marL="3200400" algn="l" defTabSz="914400">
+      <a:defRPr sz="1800">
         <a:solidFill>
           <a:schemeClr val="tx1"/>
         </a:solidFill>
@@ -103,8 +106,8 @@
         <a:cs typeface="+mn-cs"/>
       </a:defRPr>
     </a:lvl8pPr>
-    <a:lvl9pPr marL="3657600" algn="l" defTabSz="914400" rtl="0" eaLnBrk="1" latinLnBrk="0" hangingPunct="1">
-      <a:defRPr sz="1800" kern="1200">
+    <a:lvl9pPr marL="3657600" algn="l" defTabSz="914400">
+      <a:defRPr sz="1800">
         <a:solidFill>
           <a:schemeClr val="tx1"/>
         </a:solidFill>
@@ -114,23 +117,1239 @@
       </a:defRPr>
     </a:lvl9pPr>
   </p:defaultTextStyle>
-  <p:extLst>
-    <p:ext uri="{EFAFB233-063F-42B5-8137-9DF3F51BA10A}">
-      <p15:sldGuideLst xmlns:p15="http://schemas.microsoft.com/office/powerpoint/2012/main"/>
-    </p:ext>
-  </p:extLst>
 </p:presentation>
 </file>
 
+<file path=ppt/notesMasters/notesMaster1.xml><?xml version="1.0" encoding="utf-8"?>
+<p:notesMaster xmlns:a="http://schemas.openxmlformats.org/drawingml/2006/main" xmlns:r="http://schemas.openxmlformats.org/officeDocument/2006/relationships" xmlns:p="http://schemas.openxmlformats.org/presentationml/2006/main">
+  <p:cSld name="">
+    <p:bg>
+      <p:bgRef idx="1001">
+        <a:schemeClr val="bg1"/>
+      </p:bgRef>
+    </p:bg>
+    <p:spTree>
+      <p:nvGrpSpPr>
+        <p:cNvPr id="1" name=""/>
+        <p:cNvGrpSpPr/>
+        <p:nvPr/>
+      </p:nvGrpSpPr>
+      <p:grpSpPr bwMode="auto">
+        <a:xfrm>
+          <a:off x="0" y="0"/>
+          <a:ext cx="0" cy="0"/>
+          <a:chOff x="0" y="0"/>
+          <a:chExt cx="0" cy="0"/>
+        </a:xfrm>
+      </p:grpSpPr>
+      <p:sp>
+        <p:nvSpPr>
+          <p:cNvPr id="2" name="Header Placeholder 1"/>
+          <p:cNvSpPr>
+            <a:spLocks noGrp="1"/>
+          </p:cNvSpPr>
+          <p:nvPr>
+            <p:ph type="hdr" sz="quarter"/>
+          </p:nvPr>
+        </p:nvSpPr>
+        <p:spPr bwMode="auto">
+          <a:xfrm>
+            <a:off x="0" y="0"/>
+            <a:ext cx="2971800" cy="458788"/>
+          </a:xfrm>
+          <a:prstGeom prst="rect">
+            <a:avLst/>
+          </a:prstGeom>
+        </p:spPr>
+        <p:txBody>
+          <a:bodyPr vert="horz" lIns="91440" tIns="45720" rIns="91440" bIns="45720" rtlCol="0" anchor="ctr"/>
+          <a:lstStyle>
+            <a:lvl1pPr algn="l">
+              <a:defRPr sz="1200"/>
+            </a:lvl1pPr>
+          </a:lstStyle>
+          <a:p>
+            <a:pPr>
+              <a:defRPr/>
+            </a:pPr>
+            <a:endParaRPr/>
+          </a:p>
+        </p:txBody>
+      </p:sp>
+      <p:sp>
+        <p:nvSpPr>
+          <p:cNvPr id="3" name="Date Placeholder 2"/>
+          <p:cNvSpPr>
+            <a:spLocks noGrp="1"/>
+          </p:cNvSpPr>
+          <p:nvPr>
+            <p:ph type="dt" idx="2"/>
+          </p:nvPr>
+        </p:nvSpPr>
+        <p:spPr bwMode="auto">
+          <a:xfrm>
+            <a:off x="3884613" y="0"/>
+            <a:ext cx="2971800" cy="458788"/>
+          </a:xfrm>
+          <a:prstGeom prst="rect">
+            <a:avLst/>
+          </a:prstGeom>
+        </p:spPr>
+        <p:txBody>
+          <a:bodyPr vert="horz" lIns="91440" tIns="45720" rIns="91440" bIns="45720" rtlCol="0" anchor="ctr"/>
+          <a:lstStyle>
+            <a:lvl1pPr algn="r">
+              <a:defRPr sz="1200"/>
+            </a:lvl1pPr>
+          </a:lstStyle>
+          <a:p>
+            <a:pPr>
+              <a:defRPr/>
+            </a:pPr>
+            <a:endParaRPr/>
+          </a:p>
+        </p:txBody>
+      </p:sp>
+      <p:sp>
+        <p:nvSpPr>
+          <p:cNvPr id="3" name="Date Placeholder 2"/>
+          <p:cNvSpPr>
+            <a:spLocks noGrp="1"/>
+          </p:cNvSpPr>
+          <p:nvPr>
+            <p:ph type="dt" idx="3"/>
+          </p:nvPr>
+        </p:nvSpPr>
+        <p:spPr bwMode="auto">
+          <a:xfrm>
+            <a:off x="3884613" y="0"/>
+            <a:ext cx="2971800" cy="458788"/>
+          </a:xfrm>
+          <a:prstGeom prst="rect">
+            <a:avLst/>
+          </a:prstGeom>
+        </p:spPr>
+        <p:txBody>
+          <a:bodyPr vert="horz" lIns="91440" tIns="45720" rIns="91440" bIns="45720" rtlCol="0" anchor="ctr"/>
+          <a:lstStyle>
+            <a:lvl1pPr algn="r">
+              <a:defRPr sz="1200"/>
+            </a:lvl1pPr>
+          </a:lstStyle>
+          <a:p>
+            <a:pPr>
+              <a:defRPr/>
+            </a:pPr>
+            <a:endParaRPr/>
+          </a:p>
+        </p:txBody>
+      </p:sp>
+      <p:sp>
+        <p:nvSpPr>
+          <p:cNvPr id="5" name="Notes Placeholder 4"/>
+          <p:cNvSpPr>
+            <a:spLocks noGrp="1"/>
+          </p:cNvSpPr>
+          <p:nvPr>
+            <p:ph type="body" sz="quarter" idx="1"/>
+          </p:nvPr>
+        </p:nvSpPr>
+        <p:spPr bwMode="auto">
+          <a:xfrm>
+            <a:off x="685800" y="4400550"/>
+            <a:ext cx="5486400" cy="3600450"/>
+          </a:xfrm>
+          <a:prstGeom prst="rect">
+            <a:avLst/>
+          </a:prstGeom>
+        </p:spPr>
+        <p:txBody>
+          <a:bodyPr vert="horz" lIns="91440" tIns="45720" rIns="91440" bIns="45720" rtlCol="0" anchor="ctr"/>
+          <a:lstStyle/>
+          <a:p>
+            <a:pPr>
+              <a:defRPr/>
+            </a:pPr>
+            <a:endParaRPr/>
+          </a:p>
+        </p:txBody>
+      </p:sp>
+      <p:sp>
+        <p:nvSpPr>
+          <p:cNvPr id="6" name="Footer Placeholder 5"/>
+          <p:cNvSpPr>
+            <a:spLocks noGrp="1"/>
+          </p:cNvSpPr>
+          <p:nvPr>
+            <p:ph type="ftr" sz="quarter" idx="4"/>
+          </p:nvPr>
+        </p:nvSpPr>
+        <p:spPr bwMode="auto">
+          <a:xfrm>
+            <a:off x="0" y="8685213"/>
+            <a:ext cx="2971800" cy="458787"/>
+          </a:xfrm>
+          <a:prstGeom prst="rect">
+            <a:avLst/>
+          </a:prstGeom>
+        </p:spPr>
+        <p:txBody>
+          <a:bodyPr vert="horz" lIns="91440" tIns="45720" rIns="91440" bIns="45720" rtlCol="0" anchor="b"/>
+          <a:lstStyle>
+            <a:lvl1pPr algn="l">
+              <a:defRPr sz="1200"/>
+            </a:lvl1pPr>
+          </a:lstStyle>
+          <a:p>
+            <a:pPr>
+              <a:defRPr/>
+            </a:pPr>
+            <a:endParaRPr/>
+          </a:p>
+        </p:txBody>
+      </p:sp>
+      <p:sp>
+        <p:nvSpPr>
+          <p:cNvPr id="7" name="Slide Number Placeholder 6"/>
+          <p:cNvSpPr>
+            <a:spLocks noGrp="1"/>
+          </p:cNvSpPr>
+          <p:nvPr>
+            <p:ph type="sldNum" sz="quarter" idx="10"/>
+          </p:nvPr>
+        </p:nvSpPr>
+        <p:spPr bwMode="auto">
+          <a:xfrm>
+            <a:off x="3884613" y="8685213"/>
+            <a:ext cx="2971800" cy="458787"/>
+          </a:xfrm>
+          <a:prstGeom prst="rect">
+            <a:avLst/>
+          </a:prstGeom>
+        </p:spPr>
+        <p:txBody>
+          <a:bodyPr vert="horz" lIns="91440" tIns="45720" rIns="91440" bIns="45720" rtlCol="0" anchor="b"/>
+          <a:lstStyle>
+            <a:lvl1pPr algn="r">
+              <a:defRPr sz="1200"/>
+            </a:lvl1pPr>
+          </a:lstStyle>
+          <a:p>
+            <a:pPr>
+              <a:defRPr/>
+            </a:pPr>
+            <a:endParaRPr/>
+          </a:p>
+        </p:txBody>
+      </p:sp>
+    </p:spTree>
+  </p:cSld>
+  <p:clrMap bg1="lt1" tx1="dk1" bg2="lt2" tx2="dk2" accent1="accent1" accent2="accent2" accent3="accent3" accent4="accent4" accent5="accent5" accent6="accent6" hlink="hlink" folHlink="folHlink"/>
+  <p:notesStyle>
+    <a:lvl1pPr marL="0" algn="l" defTabSz="914400">
+      <a:defRPr sz="1200">
+        <a:solidFill>
+          <a:schemeClr val="tx1"/>
+        </a:solidFill>
+        <a:latin typeface="+mn-lt"/>
+        <a:ea typeface="+mn-ea"/>
+        <a:cs typeface="+mn-cs"/>
+      </a:defRPr>
+    </a:lvl1pPr>
+    <a:lvl2pPr marL="457200" algn="l" defTabSz="914400">
+      <a:defRPr sz="1200">
+        <a:solidFill>
+          <a:schemeClr val="tx1"/>
+        </a:solidFill>
+        <a:latin typeface="+mn-lt"/>
+        <a:ea typeface="+mn-ea"/>
+        <a:cs typeface="+mn-cs"/>
+      </a:defRPr>
+    </a:lvl2pPr>
+    <a:lvl3pPr marL="914400" algn="l" defTabSz="914400">
+      <a:defRPr sz="1200">
+        <a:solidFill>
+          <a:schemeClr val="tx1"/>
+        </a:solidFill>
+        <a:latin typeface="+mn-lt"/>
+        <a:ea typeface="+mn-ea"/>
+        <a:cs typeface="+mn-cs"/>
+      </a:defRPr>
+    </a:lvl3pPr>
+    <a:lvl4pPr marL="1371600" algn="l" defTabSz="914400">
+      <a:defRPr sz="1200">
+        <a:solidFill>
+          <a:schemeClr val="tx1"/>
+        </a:solidFill>
+        <a:latin typeface="+mn-lt"/>
+        <a:ea typeface="+mn-ea"/>
+        <a:cs typeface="+mn-cs"/>
+      </a:defRPr>
+    </a:lvl4pPr>
+    <a:lvl5pPr marL="1828800" algn="l" defTabSz="914400">
+      <a:defRPr sz="1200">
+        <a:solidFill>
+          <a:schemeClr val="tx1"/>
+        </a:solidFill>
+        <a:latin typeface="+mn-lt"/>
+        <a:ea typeface="+mn-ea"/>
+        <a:cs typeface="+mn-cs"/>
+      </a:defRPr>
+    </a:lvl5pPr>
+    <a:lvl6pPr marL="2286000" algn="l" defTabSz="914400">
+      <a:defRPr sz="1200">
+        <a:solidFill>
+          <a:schemeClr val="tx1"/>
+        </a:solidFill>
+        <a:latin typeface="+mn-lt"/>
+        <a:ea typeface="+mn-ea"/>
+        <a:cs typeface="+mn-cs"/>
+      </a:defRPr>
+    </a:lvl6pPr>
+    <a:lvl7pPr marL="2743200" algn="l" defTabSz="914400">
+      <a:defRPr sz="1200">
+        <a:solidFill>
+          <a:schemeClr val="tx1"/>
+        </a:solidFill>
+        <a:latin typeface="+mn-lt"/>
+        <a:ea typeface="+mn-ea"/>
+        <a:cs typeface="+mn-cs"/>
+      </a:defRPr>
+    </a:lvl7pPr>
+    <a:lvl8pPr marL="3200400" algn="l" defTabSz="914400">
+      <a:defRPr sz="1200">
+        <a:solidFill>
+          <a:schemeClr val="tx1"/>
+        </a:solidFill>
+        <a:latin typeface="+mn-lt"/>
+        <a:ea typeface="+mn-ea"/>
+        <a:cs typeface="+mn-cs"/>
+      </a:defRPr>
+    </a:lvl8pPr>
+    <a:lvl9pPr marL="3657600" algn="l" defTabSz="914400">
+      <a:defRPr sz="1200">
+        <a:solidFill>
+          <a:schemeClr val="tx1"/>
+        </a:solidFill>
+        <a:latin typeface="+mn-lt"/>
+        <a:ea typeface="+mn-ea"/>
+        <a:cs typeface="+mn-cs"/>
+      </a:defRPr>
+    </a:lvl9pPr>
+  </p:notesStyle>
+</p:notesMaster>
+</file>
+
+<file path=ppt/notesSlides/notesSlide1.xml><?xml version="1.0" encoding="utf-8"?>
+<p:notes xmlns:a="http://schemas.openxmlformats.org/drawingml/2006/main" xmlns:r="http://schemas.openxmlformats.org/officeDocument/2006/relationships" xmlns:p="http://schemas.openxmlformats.org/presentationml/2006/main" xmlns:m="http://schemas.openxmlformats.org/officeDocument/2006/math" xmlns:w="http://schemas.openxmlformats.org/wordprocessingml/2006/main">
+  <p:cSld name="">
+    <p:spTree>
+      <p:nvGrpSpPr>
+        <p:cNvPr id="1" name=""/>
+        <p:cNvGrpSpPr/>
+        <p:nvPr/>
+      </p:nvGrpSpPr>
+      <p:grpSpPr bwMode="auto">
+        <a:xfrm>
+          <a:off x="0" y="0"/>
+          <a:ext cx="0" cy="0"/>
+          <a:chOff x="0" y="0"/>
+          <a:chExt cx="0" cy="0"/>
+        </a:xfrm>
+      </p:grpSpPr>
+      <p:sp>
+        <p:nvSpPr>
+          <p:cNvPr id="2" name="Slide Image Placeholder 1"/>
+          <p:cNvSpPr>
+            <a:spLocks noChangeAspect="1" noGrp="1" noRot="1"/>
+          </p:cNvSpPr>
+          <p:nvPr>
+            <p:ph type="sldImg"/>
+          </p:nvPr>
+        </p:nvSpPr>
+        <p:spPr bwMode="auto"/>
+      </p:sp>
+      <p:sp>
+        <p:nvSpPr>
+          <p:cNvPr id="3" name="Notes Placeholder 2"/>
+          <p:cNvSpPr>
+            <a:spLocks noGrp="1"/>
+          </p:cNvSpPr>
+          <p:nvPr>
+            <p:ph type="body" idx="1"/>
+          </p:nvPr>
+        </p:nvSpPr>
+        <p:spPr bwMode="auto"/>
+        <p:txBody>
+          <a:bodyPr/>
+          <a:lstStyle/>
+          <a:p>
+            <a:pPr>
+              <a:defRPr/>
+            </a:pPr>
+            <a:endParaRPr/>
+          </a:p>
+        </p:txBody>
+      </p:sp>
+      <p:sp>
+        <p:nvSpPr>
+          <p:cNvPr id="4" name="Slide Number Placeholder 3"/>
+          <p:cNvSpPr>
+            <a:spLocks noGrp="1"/>
+          </p:cNvSpPr>
+          <p:nvPr>
+            <p:ph type="sldNum" sz="quarter" idx="10"/>
+          </p:nvPr>
+        </p:nvSpPr>
+        <p:spPr bwMode="auto"/>
+        <p:txBody>
+          <a:bodyPr/>
+          <a:lstStyle/>
+          <a:p>
+            <a:pPr>
+              <a:defRPr/>
+            </a:pPr>
+            <a:fld id="{69C4BFCB-9E58-81D3-E9EE-4C5ED7A031DA}" type="slidenum">
+              <a:rPr/>
+              <a:t/>
+            </a:fld>
+            <a:endParaRPr/>
+          </a:p>
+        </p:txBody>
+      </p:sp>
+    </p:spTree>
+  </p:cSld>
+</p:notes>
+</file>
+
+<file path=ppt/notesSlides/notesSlide10.xml><?xml version="1.0" encoding="utf-8"?>
+<p:notes xmlns:a="http://schemas.openxmlformats.org/drawingml/2006/main" xmlns:r="http://schemas.openxmlformats.org/officeDocument/2006/relationships" xmlns:p="http://schemas.openxmlformats.org/presentationml/2006/main" xmlns:m="http://schemas.openxmlformats.org/officeDocument/2006/math" xmlns:w="http://schemas.openxmlformats.org/wordprocessingml/2006/main">
+  <p:cSld name="">
+    <p:spTree>
+      <p:nvGrpSpPr>
+        <p:cNvPr id="1" name=""/>
+        <p:cNvGrpSpPr/>
+        <p:nvPr/>
+      </p:nvGrpSpPr>
+      <p:grpSpPr bwMode="auto">
+        <a:xfrm>
+          <a:off x="0" y="0"/>
+          <a:ext cx="0" cy="0"/>
+          <a:chOff x="0" y="0"/>
+          <a:chExt cx="0" cy="0"/>
+        </a:xfrm>
+      </p:grpSpPr>
+      <p:sp>
+        <p:nvSpPr>
+          <p:cNvPr id="2" name="Slide Image Placeholder 1"/>
+          <p:cNvSpPr>
+            <a:spLocks noChangeAspect="1" noGrp="1" noRot="1"/>
+          </p:cNvSpPr>
+          <p:nvPr>
+            <p:ph type="sldImg"/>
+          </p:nvPr>
+        </p:nvSpPr>
+        <p:spPr bwMode="auto"/>
+      </p:sp>
+      <p:sp>
+        <p:nvSpPr>
+          <p:cNvPr id="3" name="Notes Placeholder 2"/>
+          <p:cNvSpPr>
+            <a:spLocks noGrp="1"/>
+          </p:cNvSpPr>
+          <p:nvPr>
+            <p:ph type="body" idx="1"/>
+          </p:nvPr>
+        </p:nvSpPr>
+        <p:spPr bwMode="auto"/>
+        <p:txBody>
+          <a:bodyPr/>
+          <a:lstStyle/>
+          <a:p>
+            <a:pPr>
+              <a:defRPr/>
+            </a:pPr>
+            <a:endParaRPr/>
+          </a:p>
+        </p:txBody>
+      </p:sp>
+      <p:sp>
+        <p:nvSpPr>
+          <p:cNvPr id="4" name="Slide Number Placeholder 3"/>
+          <p:cNvSpPr>
+            <a:spLocks noGrp="1"/>
+          </p:cNvSpPr>
+          <p:nvPr>
+            <p:ph type="sldNum" sz="quarter" idx="10"/>
+          </p:nvPr>
+        </p:nvSpPr>
+        <p:spPr bwMode="auto"/>
+        <p:txBody>
+          <a:bodyPr/>
+          <a:lstStyle/>
+          <a:p>
+            <a:pPr>
+              <a:defRPr/>
+            </a:pPr>
+            <a:fld id="{0881F6C2-40E2-E88F-8D80-E8CAE52CA819}" type="slidenum">
+              <a:rPr/>
+              <a:t/>
+            </a:fld>
+            <a:endParaRPr/>
+          </a:p>
+        </p:txBody>
+      </p:sp>
+    </p:spTree>
+  </p:cSld>
+</p:notes>
+</file>
+
+<file path=ppt/notesSlides/notesSlide11.xml><?xml version="1.0" encoding="utf-8"?>
+<p:notes xmlns:a="http://schemas.openxmlformats.org/drawingml/2006/main" xmlns:r="http://schemas.openxmlformats.org/officeDocument/2006/relationships" xmlns:p="http://schemas.openxmlformats.org/presentationml/2006/main" xmlns:m="http://schemas.openxmlformats.org/officeDocument/2006/math" xmlns:w="http://schemas.openxmlformats.org/wordprocessingml/2006/main">
+  <p:cSld name="">
+    <p:spTree>
+      <p:nvGrpSpPr>
+        <p:cNvPr id="1" name=""/>
+        <p:cNvGrpSpPr/>
+        <p:nvPr/>
+      </p:nvGrpSpPr>
+      <p:grpSpPr bwMode="auto">
+        <a:xfrm>
+          <a:off x="0" y="0"/>
+          <a:ext cx="0" cy="0"/>
+          <a:chOff x="0" y="0"/>
+          <a:chExt cx="0" cy="0"/>
+        </a:xfrm>
+      </p:grpSpPr>
+      <p:sp>
+        <p:nvSpPr>
+          <p:cNvPr id="2" name="Slide Image Placeholder 1"/>
+          <p:cNvSpPr>
+            <a:spLocks noChangeAspect="1" noGrp="1" noRot="1"/>
+          </p:cNvSpPr>
+          <p:nvPr>
+            <p:ph type="sldImg"/>
+          </p:nvPr>
+        </p:nvSpPr>
+        <p:spPr bwMode="auto"/>
+      </p:sp>
+      <p:sp>
+        <p:nvSpPr>
+          <p:cNvPr id="3" name="Notes Placeholder 2"/>
+          <p:cNvSpPr>
+            <a:spLocks noGrp="1"/>
+          </p:cNvSpPr>
+          <p:nvPr>
+            <p:ph type="body" idx="1"/>
+          </p:nvPr>
+        </p:nvSpPr>
+        <p:spPr bwMode="auto"/>
+        <p:txBody>
+          <a:bodyPr/>
+          <a:lstStyle/>
+          <a:p>
+            <a:pPr>
+              <a:defRPr/>
+            </a:pPr>
+            <a:endParaRPr/>
+          </a:p>
+        </p:txBody>
+      </p:sp>
+      <p:sp>
+        <p:nvSpPr>
+          <p:cNvPr id="4" name="Slide Number Placeholder 3"/>
+          <p:cNvSpPr>
+            <a:spLocks noGrp="1"/>
+          </p:cNvSpPr>
+          <p:nvPr>
+            <p:ph type="sldNum" sz="quarter" idx="10"/>
+          </p:nvPr>
+        </p:nvSpPr>
+        <p:spPr bwMode="auto"/>
+        <p:txBody>
+          <a:bodyPr/>
+          <a:lstStyle/>
+          <a:p>
+            <a:pPr>
+              <a:defRPr/>
+            </a:pPr>
+            <a:fld id="{D2501BFE-D889-911C-4FF6-DE0BF084EB67}" type="slidenum">
+              <a:rPr/>
+              <a:t/>
+            </a:fld>
+            <a:endParaRPr/>
+          </a:p>
+        </p:txBody>
+      </p:sp>
+    </p:spTree>
+  </p:cSld>
+</p:notes>
+</file>
+
+<file path=ppt/notesSlides/notesSlide2.xml><?xml version="1.0" encoding="utf-8"?>
+<p:notes xmlns:a="http://schemas.openxmlformats.org/drawingml/2006/main" xmlns:r="http://schemas.openxmlformats.org/officeDocument/2006/relationships" xmlns:p="http://schemas.openxmlformats.org/presentationml/2006/main" xmlns:m="http://schemas.openxmlformats.org/officeDocument/2006/math" xmlns:w="http://schemas.openxmlformats.org/wordprocessingml/2006/main">
+  <p:cSld name="">
+    <p:spTree>
+      <p:nvGrpSpPr>
+        <p:cNvPr id="1" name=""/>
+        <p:cNvGrpSpPr/>
+        <p:nvPr/>
+      </p:nvGrpSpPr>
+      <p:grpSpPr bwMode="auto">
+        <a:xfrm>
+          <a:off x="0" y="0"/>
+          <a:ext cx="0" cy="0"/>
+          <a:chOff x="0" y="0"/>
+          <a:chExt cx="0" cy="0"/>
+        </a:xfrm>
+      </p:grpSpPr>
+      <p:sp>
+        <p:nvSpPr>
+          <p:cNvPr id="2" name="Slide Image Placeholder 1"/>
+          <p:cNvSpPr>
+            <a:spLocks noChangeAspect="1" noGrp="1" noRot="1"/>
+          </p:cNvSpPr>
+          <p:nvPr>
+            <p:ph type="sldImg"/>
+          </p:nvPr>
+        </p:nvSpPr>
+        <p:spPr bwMode="auto"/>
+      </p:sp>
+      <p:sp>
+        <p:nvSpPr>
+          <p:cNvPr id="3" name="Notes Placeholder 2"/>
+          <p:cNvSpPr>
+            <a:spLocks noGrp="1"/>
+          </p:cNvSpPr>
+          <p:nvPr>
+            <p:ph type="body" idx="1"/>
+          </p:nvPr>
+        </p:nvSpPr>
+        <p:spPr bwMode="auto"/>
+        <p:txBody>
+          <a:bodyPr/>
+          <a:lstStyle/>
+          <a:p>
+            <a:pPr>
+              <a:defRPr/>
+            </a:pPr>
+            <a:endParaRPr/>
+          </a:p>
+        </p:txBody>
+      </p:sp>
+      <p:sp>
+        <p:nvSpPr>
+          <p:cNvPr id="4" name="Slide Number Placeholder 3"/>
+          <p:cNvSpPr>
+            <a:spLocks noGrp="1"/>
+          </p:cNvSpPr>
+          <p:nvPr>
+            <p:ph type="sldNum" sz="quarter" idx="10"/>
+          </p:nvPr>
+        </p:nvSpPr>
+        <p:spPr bwMode="auto"/>
+        <p:txBody>
+          <a:bodyPr/>
+          <a:lstStyle/>
+          <a:p>
+            <a:pPr>
+              <a:defRPr/>
+            </a:pPr>
+            <a:fld id="{F457C773-F35E-D3C6-A5F0-B06D03BEC48D}" type="slidenum">
+              <a:rPr/>
+              <a:t/>
+            </a:fld>
+            <a:endParaRPr/>
+          </a:p>
+        </p:txBody>
+      </p:sp>
+    </p:spTree>
+  </p:cSld>
+</p:notes>
+</file>
+
+<file path=ppt/notesSlides/notesSlide3.xml><?xml version="1.0" encoding="utf-8"?>
+<p:notes xmlns:a="http://schemas.openxmlformats.org/drawingml/2006/main" xmlns:r="http://schemas.openxmlformats.org/officeDocument/2006/relationships" xmlns:p="http://schemas.openxmlformats.org/presentationml/2006/main" xmlns:m="http://schemas.openxmlformats.org/officeDocument/2006/math" xmlns:w="http://schemas.openxmlformats.org/wordprocessingml/2006/main">
+  <p:cSld name="">
+    <p:spTree>
+      <p:nvGrpSpPr>
+        <p:cNvPr id="1" name=""/>
+        <p:cNvGrpSpPr/>
+        <p:nvPr/>
+      </p:nvGrpSpPr>
+      <p:grpSpPr bwMode="auto">
+        <a:xfrm>
+          <a:off x="0" y="0"/>
+          <a:ext cx="0" cy="0"/>
+          <a:chOff x="0" y="0"/>
+          <a:chExt cx="0" cy="0"/>
+        </a:xfrm>
+      </p:grpSpPr>
+      <p:sp>
+        <p:nvSpPr>
+          <p:cNvPr id="2" name="Slide Image Placeholder 1"/>
+          <p:cNvSpPr>
+            <a:spLocks noChangeAspect="1" noGrp="1" noRot="1"/>
+          </p:cNvSpPr>
+          <p:nvPr>
+            <p:ph type="sldImg"/>
+          </p:nvPr>
+        </p:nvSpPr>
+        <p:spPr bwMode="auto"/>
+      </p:sp>
+      <p:sp>
+        <p:nvSpPr>
+          <p:cNvPr id="3" name="Notes Placeholder 2"/>
+          <p:cNvSpPr>
+            <a:spLocks noGrp="1"/>
+          </p:cNvSpPr>
+          <p:nvPr>
+            <p:ph type="body" idx="1"/>
+          </p:nvPr>
+        </p:nvSpPr>
+        <p:spPr bwMode="auto"/>
+        <p:txBody>
+          <a:bodyPr/>
+          <a:lstStyle/>
+          <a:p>
+            <a:pPr>
+              <a:defRPr/>
+            </a:pPr>
+            <a:endParaRPr/>
+          </a:p>
+        </p:txBody>
+      </p:sp>
+      <p:sp>
+        <p:nvSpPr>
+          <p:cNvPr id="4" name="Slide Number Placeholder 3"/>
+          <p:cNvSpPr>
+            <a:spLocks noGrp="1"/>
+          </p:cNvSpPr>
+          <p:nvPr>
+            <p:ph type="sldNum" sz="quarter" idx="10"/>
+          </p:nvPr>
+        </p:nvSpPr>
+        <p:spPr bwMode="auto"/>
+        <p:txBody>
+          <a:bodyPr/>
+          <a:lstStyle/>
+          <a:p>
+            <a:pPr>
+              <a:defRPr/>
+            </a:pPr>
+            <a:fld id="{0B096696-A325-3DA8-FF8A-1B4AD68227B5}" type="slidenum">
+              <a:rPr/>
+              <a:t/>
+            </a:fld>
+            <a:endParaRPr/>
+          </a:p>
+        </p:txBody>
+      </p:sp>
+    </p:spTree>
+  </p:cSld>
+</p:notes>
+</file>
+
+<file path=ppt/notesSlides/notesSlide4.xml><?xml version="1.0" encoding="utf-8"?>
+<p:notes xmlns:a="http://schemas.openxmlformats.org/drawingml/2006/main" xmlns:r="http://schemas.openxmlformats.org/officeDocument/2006/relationships" xmlns:p="http://schemas.openxmlformats.org/presentationml/2006/main" xmlns:m="http://schemas.openxmlformats.org/officeDocument/2006/math" xmlns:w="http://schemas.openxmlformats.org/wordprocessingml/2006/main">
+  <p:cSld name="">
+    <p:spTree>
+      <p:nvGrpSpPr>
+        <p:cNvPr id="1" name=""/>
+        <p:cNvGrpSpPr/>
+        <p:nvPr/>
+      </p:nvGrpSpPr>
+      <p:grpSpPr bwMode="auto">
+        <a:xfrm>
+          <a:off x="0" y="0"/>
+          <a:ext cx="0" cy="0"/>
+          <a:chOff x="0" y="0"/>
+          <a:chExt cx="0" cy="0"/>
+        </a:xfrm>
+      </p:grpSpPr>
+      <p:sp>
+        <p:nvSpPr>
+          <p:cNvPr id="2" name="Slide Image Placeholder 1"/>
+          <p:cNvSpPr>
+            <a:spLocks noChangeAspect="1" noGrp="1" noRot="1"/>
+          </p:cNvSpPr>
+          <p:nvPr>
+            <p:ph type="sldImg"/>
+          </p:nvPr>
+        </p:nvSpPr>
+        <p:spPr bwMode="auto"/>
+      </p:sp>
+      <p:sp>
+        <p:nvSpPr>
+          <p:cNvPr id="3" name="Notes Placeholder 2"/>
+          <p:cNvSpPr>
+            <a:spLocks noGrp="1"/>
+          </p:cNvSpPr>
+          <p:nvPr>
+            <p:ph type="body" idx="1"/>
+          </p:nvPr>
+        </p:nvSpPr>
+        <p:spPr bwMode="auto"/>
+        <p:txBody>
+          <a:bodyPr/>
+          <a:lstStyle/>
+          <a:p>
+            <a:pPr>
+              <a:defRPr/>
+            </a:pPr>
+            <a:endParaRPr/>
+          </a:p>
+        </p:txBody>
+      </p:sp>
+      <p:sp>
+        <p:nvSpPr>
+          <p:cNvPr id="4" name="Slide Number Placeholder 3"/>
+          <p:cNvSpPr>
+            <a:spLocks noGrp="1"/>
+          </p:cNvSpPr>
+          <p:nvPr>
+            <p:ph type="sldNum" sz="quarter" idx="10"/>
+          </p:nvPr>
+        </p:nvSpPr>
+        <p:spPr bwMode="auto"/>
+        <p:txBody>
+          <a:bodyPr/>
+          <a:lstStyle/>
+          <a:p>
+            <a:pPr>
+              <a:defRPr/>
+            </a:pPr>
+            <a:fld id="{F5105BD5-E7A1-1CA7-E688-7D9A6BB4E3AE}" type="slidenum">
+              <a:rPr/>
+              <a:t/>
+            </a:fld>
+            <a:endParaRPr/>
+          </a:p>
+        </p:txBody>
+      </p:sp>
+    </p:spTree>
+  </p:cSld>
+</p:notes>
+</file>
+
+<file path=ppt/notesSlides/notesSlide5.xml><?xml version="1.0" encoding="utf-8"?>
+<p:notes xmlns:a="http://schemas.openxmlformats.org/drawingml/2006/main" xmlns:r="http://schemas.openxmlformats.org/officeDocument/2006/relationships" xmlns:p="http://schemas.openxmlformats.org/presentationml/2006/main" xmlns:m="http://schemas.openxmlformats.org/officeDocument/2006/math" xmlns:w="http://schemas.openxmlformats.org/wordprocessingml/2006/main">
+  <p:cSld name="">
+    <p:spTree>
+      <p:nvGrpSpPr>
+        <p:cNvPr id="1" name=""/>
+        <p:cNvGrpSpPr/>
+        <p:nvPr/>
+      </p:nvGrpSpPr>
+      <p:grpSpPr bwMode="auto">
+        <a:xfrm>
+          <a:off x="0" y="0"/>
+          <a:ext cx="0" cy="0"/>
+          <a:chOff x="0" y="0"/>
+          <a:chExt cx="0" cy="0"/>
+        </a:xfrm>
+      </p:grpSpPr>
+      <p:sp>
+        <p:nvSpPr>
+          <p:cNvPr id="2" name="Slide Image Placeholder 1"/>
+          <p:cNvSpPr>
+            <a:spLocks noChangeAspect="1" noGrp="1" noRot="1"/>
+          </p:cNvSpPr>
+          <p:nvPr>
+            <p:ph type="sldImg"/>
+          </p:nvPr>
+        </p:nvSpPr>
+        <p:spPr bwMode="auto"/>
+      </p:sp>
+      <p:sp>
+        <p:nvSpPr>
+          <p:cNvPr id="3" name="Notes Placeholder 2"/>
+          <p:cNvSpPr>
+            <a:spLocks noGrp="1"/>
+          </p:cNvSpPr>
+          <p:nvPr>
+            <p:ph type="body" idx="1"/>
+          </p:nvPr>
+        </p:nvSpPr>
+        <p:spPr bwMode="auto"/>
+        <p:txBody>
+          <a:bodyPr/>
+          <a:lstStyle/>
+          <a:p>
+            <a:pPr>
+              <a:defRPr/>
+            </a:pPr>
+            <a:endParaRPr/>
+          </a:p>
+        </p:txBody>
+      </p:sp>
+      <p:sp>
+        <p:nvSpPr>
+          <p:cNvPr id="4" name="Slide Number Placeholder 3"/>
+          <p:cNvSpPr>
+            <a:spLocks noGrp="1"/>
+          </p:cNvSpPr>
+          <p:nvPr>
+            <p:ph type="sldNum" sz="quarter" idx="10"/>
+          </p:nvPr>
+        </p:nvSpPr>
+        <p:spPr bwMode="auto"/>
+        <p:txBody>
+          <a:bodyPr/>
+          <a:lstStyle/>
+          <a:p>
+            <a:pPr>
+              <a:defRPr/>
+            </a:pPr>
+            <a:fld id="{8EF59869-56C1-3C36-0D2C-0805DE863F24}" type="slidenum">
+              <a:rPr/>
+              <a:t/>
+            </a:fld>
+            <a:endParaRPr/>
+          </a:p>
+        </p:txBody>
+      </p:sp>
+    </p:spTree>
+  </p:cSld>
+</p:notes>
+</file>
+
+<file path=ppt/notesSlides/notesSlide6.xml><?xml version="1.0" encoding="utf-8"?>
+<p:notes xmlns:a="http://schemas.openxmlformats.org/drawingml/2006/main" xmlns:r="http://schemas.openxmlformats.org/officeDocument/2006/relationships" xmlns:p="http://schemas.openxmlformats.org/presentationml/2006/main" xmlns:m="http://schemas.openxmlformats.org/officeDocument/2006/math" xmlns:w="http://schemas.openxmlformats.org/wordprocessingml/2006/main">
+  <p:cSld name="">
+    <p:spTree>
+      <p:nvGrpSpPr>
+        <p:cNvPr id="1" name=""/>
+        <p:cNvGrpSpPr/>
+        <p:nvPr/>
+      </p:nvGrpSpPr>
+      <p:grpSpPr bwMode="auto">
+        <a:xfrm>
+          <a:off x="0" y="0"/>
+          <a:ext cx="0" cy="0"/>
+          <a:chOff x="0" y="0"/>
+          <a:chExt cx="0" cy="0"/>
+        </a:xfrm>
+      </p:grpSpPr>
+      <p:sp>
+        <p:nvSpPr>
+          <p:cNvPr id="2" name="Slide Image Placeholder 1"/>
+          <p:cNvSpPr>
+            <a:spLocks noChangeAspect="1" noGrp="1" noRot="1"/>
+          </p:cNvSpPr>
+          <p:nvPr>
+            <p:ph type="sldImg"/>
+          </p:nvPr>
+        </p:nvSpPr>
+        <p:spPr bwMode="auto"/>
+      </p:sp>
+      <p:sp>
+        <p:nvSpPr>
+          <p:cNvPr id="3" name="Notes Placeholder 2"/>
+          <p:cNvSpPr>
+            <a:spLocks noGrp="1"/>
+          </p:cNvSpPr>
+          <p:nvPr>
+            <p:ph type="body" idx="1"/>
+          </p:nvPr>
+        </p:nvSpPr>
+        <p:spPr bwMode="auto"/>
+        <p:txBody>
+          <a:bodyPr/>
+          <a:lstStyle/>
+          <a:p>
+            <a:pPr>
+              <a:defRPr/>
+            </a:pPr>
+            <a:endParaRPr/>
+          </a:p>
+        </p:txBody>
+      </p:sp>
+      <p:sp>
+        <p:nvSpPr>
+          <p:cNvPr id="4" name="Slide Number Placeholder 3"/>
+          <p:cNvSpPr>
+            <a:spLocks noGrp="1"/>
+          </p:cNvSpPr>
+          <p:nvPr>
+            <p:ph type="sldNum" sz="quarter" idx="10"/>
+          </p:nvPr>
+        </p:nvSpPr>
+        <p:spPr bwMode="auto"/>
+        <p:txBody>
+          <a:bodyPr/>
+          <a:lstStyle/>
+          <a:p>
+            <a:pPr>
+              <a:defRPr/>
+            </a:pPr>
+            <a:fld id="{D8E17AB9-6B9E-298C-740C-F1E242D6C286}" type="slidenum">
+              <a:rPr/>
+              <a:t/>
+            </a:fld>
+            <a:endParaRPr/>
+          </a:p>
+        </p:txBody>
+      </p:sp>
+    </p:spTree>
+  </p:cSld>
+</p:notes>
+</file>
+
+<file path=ppt/notesSlides/notesSlide7.xml><?xml version="1.0" encoding="utf-8"?>
+<p:notes xmlns:a="http://schemas.openxmlformats.org/drawingml/2006/main" xmlns:r="http://schemas.openxmlformats.org/officeDocument/2006/relationships" xmlns:p="http://schemas.openxmlformats.org/presentationml/2006/main" xmlns:m="http://schemas.openxmlformats.org/officeDocument/2006/math" xmlns:w="http://schemas.openxmlformats.org/wordprocessingml/2006/main">
+  <p:cSld name="">
+    <p:spTree>
+      <p:nvGrpSpPr>
+        <p:cNvPr id="1" name=""/>
+        <p:cNvGrpSpPr/>
+        <p:nvPr/>
+      </p:nvGrpSpPr>
+      <p:grpSpPr bwMode="auto">
+        <a:xfrm>
+          <a:off x="0" y="0"/>
+          <a:ext cx="0" cy="0"/>
+          <a:chOff x="0" y="0"/>
+          <a:chExt cx="0" cy="0"/>
+        </a:xfrm>
+      </p:grpSpPr>
+      <p:sp>
+        <p:nvSpPr>
+          <p:cNvPr id="2" name="Slide Image Placeholder 1"/>
+          <p:cNvSpPr>
+            <a:spLocks noChangeAspect="1" noGrp="1" noRot="1"/>
+          </p:cNvSpPr>
+          <p:nvPr>
+            <p:ph type="sldImg"/>
+          </p:nvPr>
+        </p:nvSpPr>
+        <p:spPr bwMode="auto"/>
+      </p:sp>
+      <p:sp>
+        <p:nvSpPr>
+          <p:cNvPr id="3" name="Notes Placeholder 2"/>
+          <p:cNvSpPr>
+            <a:spLocks noGrp="1"/>
+          </p:cNvSpPr>
+          <p:nvPr>
+            <p:ph type="body" idx="1"/>
+          </p:nvPr>
+        </p:nvSpPr>
+        <p:spPr bwMode="auto"/>
+        <p:txBody>
+          <a:bodyPr/>
+          <a:lstStyle/>
+          <a:p>
+            <a:pPr>
+              <a:defRPr/>
+            </a:pPr>
+            <a:endParaRPr/>
+          </a:p>
+        </p:txBody>
+      </p:sp>
+      <p:sp>
+        <p:nvSpPr>
+          <p:cNvPr id="4" name="Slide Number Placeholder 3"/>
+          <p:cNvSpPr>
+            <a:spLocks noGrp="1"/>
+          </p:cNvSpPr>
+          <p:nvPr>
+            <p:ph type="sldNum" sz="quarter" idx="10"/>
+          </p:nvPr>
+        </p:nvSpPr>
+        <p:spPr bwMode="auto"/>
+        <p:txBody>
+          <a:bodyPr/>
+          <a:lstStyle/>
+          <a:p>
+            <a:pPr>
+              <a:defRPr/>
+            </a:pPr>
+            <a:fld id="{DE315BC6-3C35-7581-480D-5F673783B39E}" type="slidenum">
+              <a:rPr/>
+              <a:t/>
+            </a:fld>
+            <a:endParaRPr/>
+          </a:p>
+        </p:txBody>
+      </p:sp>
+    </p:spTree>
+  </p:cSld>
+</p:notes>
+</file>
+
+<file path=ppt/notesSlides/notesSlide8.xml><?xml version="1.0" encoding="utf-8"?>
+<p:notes xmlns:a="http://schemas.openxmlformats.org/drawingml/2006/main" xmlns:r="http://schemas.openxmlformats.org/officeDocument/2006/relationships" xmlns:p="http://schemas.openxmlformats.org/presentationml/2006/main" xmlns:m="http://schemas.openxmlformats.org/officeDocument/2006/math" xmlns:w="http://schemas.openxmlformats.org/wordprocessingml/2006/main">
+  <p:cSld name="">
+    <p:spTree>
+      <p:nvGrpSpPr>
+        <p:cNvPr id="1" name=""/>
+        <p:cNvGrpSpPr/>
+        <p:nvPr/>
+      </p:nvGrpSpPr>
+      <p:grpSpPr bwMode="auto">
+        <a:xfrm>
+          <a:off x="0" y="0"/>
+          <a:ext cx="0" cy="0"/>
+          <a:chOff x="0" y="0"/>
+          <a:chExt cx="0" cy="0"/>
+        </a:xfrm>
+      </p:grpSpPr>
+      <p:sp>
+        <p:nvSpPr>
+          <p:cNvPr id="2" name="Slide Image Placeholder 1"/>
+          <p:cNvSpPr>
+            <a:spLocks noChangeAspect="1" noGrp="1" noRot="1"/>
+          </p:cNvSpPr>
+          <p:nvPr>
+            <p:ph type="sldImg"/>
+          </p:nvPr>
+        </p:nvSpPr>
+        <p:spPr bwMode="auto"/>
+      </p:sp>
+      <p:sp>
+        <p:nvSpPr>
+          <p:cNvPr id="3" name="Notes Placeholder 2"/>
+          <p:cNvSpPr>
+            <a:spLocks noGrp="1"/>
+          </p:cNvSpPr>
+          <p:nvPr>
+            <p:ph type="body" idx="1"/>
+          </p:nvPr>
+        </p:nvSpPr>
+        <p:spPr bwMode="auto"/>
+        <p:txBody>
+          <a:bodyPr/>
+          <a:lstStyle/>
+          <a:p>
+            <a:pPr>
+              <a:defRPr/>
+            </a:pPr>
+            <a:endParaRPr/>
+          </a:p>
+        </p:txBody>
+      </p:sp>
+      <p:sp>
+        <p:nvSpPr>
+          <p:cNvPr id="4" name="Slide Number Placeholder 3"/>
+          <p:cNvSpPr>
+            <a:spLocks noGrp="1"/>
+          </p:cNvSpPr>
+          <p:nvPr>
+            <p:ph type="sldNum" sz="quarter" idx="10"/>
+          </p:nvPr>
+        </p:nvSpPr>
+        <p:spPr bwMode="auto"/>
+        <p:txBody>
+          <a:bodyPr/>
+          <a:lstStyle/>
+          <a:p>
+            <a:pPr>
+              <a:defRPr/>
+            </a:pPr>
+            <a:fld id="{55FB7BBB-2307-E4F3-31A1-398B42190546}" type="slidenum">
+              <a:rPr/>
+              <a:t/>
+            </a:fld>
+            <a:endParaRPr/>
+          </a:p>
+        </p:txBody>
+      </p:sp>
+    </p:spTree>
+  </p:cSld>
+</p:notes>
+</file>
+
+<file path=ppt/notesSlides/notesSlide9.xml><?xml version="1.0" encoding="utf-8"?>
+<p:notes xmlns:a="http://schemas.openxmlformats.org/drawingml/2006/main" xmlns:r="http://schemas.openxmlformats.org/officeDocument/2006/relationships" xmlns:p="http://schemas.openxmlformats.org/presentationml/2006/main" xmlns:m="http://schemas.openxmlformats.org/officeDocument/2006/math" xmlns:w="http://schemas.openxmlformats.org/wordprocessingml/2006/main">
+  <p:cSld name="">
+    <p:spTree>
+      <p:nvGrpSpPr>
+        <p:cNvPr id="1" name=""/>
+        <p:cNvGrpSpPr/>
+        <p:nvPr/>
+      </p:nvGrpSpPr>
+      <p:grpSpPr bwMode="auto">
+        <a:xfrm>
+          <a:off x="0" y="0"/>
+          <a:ext cx="0" cy="0"/>
+          <a:chOff x="0" y="0"/>
+          <a:chExt cx="0" cy="0"/>
+        </a:xfrm>
+      </p:grpSpPr>
+      <p:sp>
+        <p:nvSpPr>
+          <p:cNvPr id="2" name="Slide Image Placeholder 1"/>
+          <p:cNvSpPr>
+            <a:spLocks noChangeAspect="1" noGrp="1" noRot="1"/>
+          </p:cNvSpPr>
+          <p:nvPr>
+            <p:ph type="sldImg"/>
+          </p:nvPr>
+        </p:nvSpPr>
+        <p:spPr bwMode="auto"/>
+      </p:sp>
+      <p:sp>
+        <p:nvSpPr>
+          <p:cNvPr id="3" name="Notes Placeholder 2"/>
+          <p:cNvSpPr>
+            <a:spLocks noGrp="1"/>
+          </p:cNvSpPr>
+          <p:nvPr>
+            <p:ph type="body" idx="1"/>
+          </p:nvPr>
+        </p:nvSpPr>
+        <p:spPr bwMode="auto"/>
+        <p:txBody>
+          <a:bodyPr/>
+          <a:lstStyle/>
+          <a:p>
+            <a:pPr>
+              <a:defRPr/>
+            </a:pPr>
+            <a:endParaRPr/>
+          </a:p>
+        </p:txBody>
+      </p:sp>
+      <p:sp>
+        <p:nvSpPr>
+          <p:cNvPr id="4" name="Slide Number Placeholder 3"/>
+          <p:cNvSpPr>
+            <a:spLocks noGrp="1"/>
+          </p:cNvSpPr>
+          <p:nvPr>
+            <p:ph type="sldNum" sz="quarter" idx="10"/>
+          </p:nvPr>
+        </p:nvSpPr>
+        <p:spPr bwMode="auto"/>
+        <p:txBody>
+          <a:bodyPr/>
+          <a:lstStyle/>
+          <a:p>
+            <a:pPr>
+              <a:defRPr/>
+            </a:pPr>
+            <a:fld id="{37FD0974-8A07-753C-A028-7E4F259A5663}" type="slidenum">
+              <a:rPr/>
+              <a:t/>
+            </a:fld>
+            <a:endParaRPr/>
+          </a:p>
+        </p:txBody>
+      </p:sp>
+    </p:spTree>
+  </p:cSld>
+</p:notes>
+</file>
+
 <file path=ppt/slideLayouts/slideLayout1.xml><?xml version="1.0" encoding="utf-8"?>
-<p:sldLayout xmlns:a="http://schemas.openxmlformats.org/drawingml/2006/main" xmlns:r="http://schemas.openxmlformats.org/officeDocument/2006/relationships" xmlns:p="http://schemas.openxmlformats.org/presentationml/2006/main" showMasterSp="0" type="title" preserve="1">
+<p:sldLayout xmlns:a="http://schemas.openxmlformats.org/drawingml/2006/main" xmlns:r="http://schemas.openxmlformats.org/officeDocument/2006/relationships" xmlns:p="http://schemas.openxmlformats.org/presentationml/2006/main" xmlns:m="http://schemas.openxmlformats.org/officeDocument/2006/math" xmlns:w="http://schemas.openxmlformats.org/wordprocessingml/2006/main" matchingName="" preserve="1" showMasterPhAnim="0" showMasterSp="0" type="title" userDrawn="1">
   <p:cSld name="Титульный слайд">
     <p:bg>
-      <p:bgPr>
+      <p:bgPr shadeToTitle="0">
         <a:solidFill>
           <a:schemeClr val="bg2"/>
         </a:solidFill>
-        <a:effectLst/>
       </p:bgPr>
     </p:bg>
     <p:spTree>
@@ -139,7 +1358,7 @@
         <p:cNvGrpSpPr/>
         <p:nvPr/>
       </p:nvGrpSpPr>
-      <p:grpSpPr>
+      <p:grpSpPr bwMode="auto">
         <a:xfrm>
           <a:off x="0" y="0"/>
           <a:ext cx="0" cy="0"/>
@@ -149,7 +1368,7 @@
       </p:grpSpPr>
       <p:sp>
         <p:nvSpPr>
-          <p:cNvPr id="2" name="Title 1"/>
+          <p:cNvPr id="839567980" name="Title 1"/>
           <p:cNvSpPr>
             <a:spLocks noGrp="1"/>
           </p:cNvSpPr>
@@ -157,7 +1376,7 @@
             <p:ph type="ctrTitle"/>
           </p:nvPr>
         </p:nvSpPr>
-        <p:spPr>
+        <p:spPr bwMode="auto">
           <a:xfrm>
             <a:off x="1915128" y="1788454"/>
             <a:ext cx="8361229" cy="2098226"/>
@@ -169,7 +1388,7 @@
           </a:bodyPr>
           <a:lstStyle>
             <a:lvl1pPr algn="ctr">
-              <a:defRPr sz="7200" cap="all" baseline="0">
+              <a:defRPr sz="7200" cap="all">
                 <a:solidFill>
                   <a:schemeClr val="tx2"/>
                 </a:solidFill>
@@ -177,17 +1396,20 @@
             </a:lvl1pPr>
           </a:lstStyle>
           <a:p>
-            <a:r>
-              <a:rPr lang="ru-RU" smtClean="0"/>
+            <a:pPr>
+              <a:defRPr/>
+            </a:pPr>
+            <a:r>
+              <a:rPr lang="ru-RU"/>
               <a:t>Образец заголовка</a:t>
             </a:r>
-            <a:endParaRPr lang="en-US" dirty="0"/>
-          </a:p>
-        </p:txBody>
-      </p:sp>
-      <p:sp>
-        <p:nvSpPr>
-          <p:cNvPr id="3" name="Subtitle 2"/>
+            <a:endParaRPr lang="en-US"/>
+          </a:p>
+        </p:txBody>
+      </p:sp>
+      <p:sp>
+        <p:nvSpPr>
+          <p:cNvPr id="474227994" name="Subtitle 2"/>
           <p:cNvSpPr>
             <a:spLocks noGrp="1"/>
           </p:cNvSpPr>
@@ -195,7 +1417,7 @@
             <p:ph type="subTitle" idx="1"/>
           </p:nvPr>
         </p:nvSpPr>
-        <p:spPr>
+        <p:spPr bwMode="auto">
           <a:xfrm>
             <a:off x="2679906" y="3956279"/>
             <a:ext cx="6831673" cy="1086237"/>
@@ -253,17 +1475,20 @@
             </a:lvl9pPr>
           </a:lstStyle>
           <a:p>
-            <a:r>
-              <a:rPr lang="ru-RU" smtClean="0"/>
+            <a:pPr>
+              <a:defRPr/>
+            </a:pPr>
+            <a:r>
+              <a:rPr lang="ru-RU"/>
               <a:t>Образец подзаголовка</a:t>
             </a:r>
-            <a:endParaRPr lang="en-US" dirty="0"/>
-          </a:p>
-        </p:txBody>
-      </p:sp>
-      <p:sp>
-        <p:nvSpPr>
-          <p:cNvPr id="4" name="Date Placeholder 3"/>
+            <a:endParaRPr lang="en-US"/>
+          </a:p>
+        </p:txBody>
+      </p:sp>
+      <p:sp>
+        <p:nvSpPr>
+          <p:cNvPr id="1221862062" name="Date Placeholder 3"/>
           <p:cNvSpPr>
             <a:spLocks noGrp="1"/>
           </p:cNvSpPr>
@@ -271,7 +1496,7 @@
             <p:ph type="dt" sz="half" idx="10"/>
           </p:nvPr>
         </p:nvSpPr>
-        <p:spPr>
+        <p:spPr bwMode="auto">
           <a:xfrm>
             <a:off x="752858" y="6453386"/>
             <a:ext cx="1607944" cy="404614"/>
@@ -281,7 +1506,7 @@
           <a:bodyPr/>
           <a:lstStyle>
             <a:lvl1pPr>
-              <a:defRPr baseline="0">
+              <a:defRPr>
                 <a:solidFill>
                   <a:schemeClr val="tx2"/>
                 </a:solidFill>
@@ -289,8 +1514,11 @@
             </a:lvl1pPr>
           </a:lstStyle>
           <a:p>
+            <a:pPr>
+              <a:defRPr/>
+            </a:pPr>
             <a:fld id="{B0182CC0-7576-4DBC-A383-03CB729E3741}" type="datetimeFigureOut">
-              <a:rPr lang="ru-RU" smtClean="0"/>
+              <a:rPr lang="ru-RU"/>
               <a:t>13.05.2025</a:t>
             </a:fld>
             <a:endParaRPr lang="ru-RU"/>
@@ -299,7 +1527,7 @@
       </p:sp>
       <p:sp>
         <p:nvSpPr>
-          <p:cNvPr id="5" name="Footer Placeholder 4"/>
+          <p:cNvPr id="1138935224" name="Footer Placeholder 4"/>
           <p:cNvSpPr>
             <a:spLocks noGrp="1"/>
           </p:cNvSpPr>
@@ -307,7 +1535,7 @@
             <p:ph type="ftr" sz="quarter" idx="11"/>
           </p:nvPr>
         </p:nvSpPr>
-        <p:spPr>
+        <p:spPr bwMode="auto">
           <a:xfrm>
             <a:off x="2584054" y="6453386"/>
             <a:ext cx="7023377" cy="404614"/>
@@ -317,7 +1545,7 @@
           <a:bodyPr/>
           <a:lstStyle>
             <a:lvl1pPr algn="ctr">
-              <a:defRPr baseline="0">
+              <a:defRPr>
                 <a:solidFill>
                   <a:schemeClr val="tx2"/>
                 </a:solidFill>
@@ -325,13 +1553,16 @@
             </a:lvl1pPr>
           </a:lstStyle>
           <a:p>
+            <a:pPr>
+              <a:defRPr/>
+            </a:pPr>
             <a:endParaRPr lang="ru-RU"/>
           </a:p>
         </p:txBody>
       </p:sp>
       <p:sp>
         <p:nvSpPr>
-          <p:cNvPr id="6" name="Slide Number Placeholder 5"/>
+          <p:cNvPr id="1544869101" name="Slide Number Placeholder 5"/>
           <p:cNvSpPr>
             <a:spLocks noGrp="1"/>
           </p:cNvSpPr>
@@ -339,7 +1570,7 @@
             <p:ph type="sldNum" sz="quarter" idx="12"/>
           </p:nvPr>
         </p:nvSpPr>
-        <p:spPr>
+        <p:spPr bwMode="auto">
           <a:xfrm>
             <a:off x="9830683" y="6453386"/>
             <a:ext cx="1596292" cy="404614"/>
@@ -349,7 +1580,7 @@
           <a:bodyPr/>
           <a:lstStyle>
             <a:lvl1pPr>
-              <a:defRPr baseline="0">
+              <a:defRPr>
                 <a:solidFill>
                   <a:schemeClr val="tx2"/>
                 </a:solidFill>
@@ -357,8 +1588,11 @@
             </a:lvl1pPr>
           </a:lstStyle>
           <a:p>
+            <a:pPr>
+              <a:defRPr/>
+            </a:pPr>
             <a:fld id="{F328D643-D204-4323-8445-14E75A213C1D}" type="slidenum">
-              <a:rPr lang="ru-RU" smtClean="0"/>
+              <a:rPr lang="ru-RU"/>
               <a:t>‹#›</a:t>
             </a:fld>
             <a:endParaRPr lang="ru-RU"/>
@@ -367,11 +1601,11 @@
       </p:sp>
       <p:grpSp>
         <p:nvGrpSpPr>
-          <p:cNvPr id="7" name="Group 6"/>
+          <p:cNvPr id="1830299508" name="Group 6"/>
           <p:cNvGrpSpPr/>
           <p:nvPr/>
         </p:nvGrpSpPr>
-        <p:grpSpPr>
+        <p:grpSpPr bwMode="auto">
           <a:xfrm>
             <a:off x="752858" y="744469"/>
             <a:ext cx="10674117" cy="5349671"/>
@@ -397,7 +1631,7 @@
               <a:cxnLst/>
               <a:rect l="l" t="t" r="r" b="b"/>
               <a:pathLst>
-                <a:path w="10000" h="10000">
+                <a:path w="10000" h="10000" fill="norm" stroke="1" extrusionOk="0">
                   <a:moveTo>
                     <a:pt x="8761" y="0"/>
                   </a:moveTo>
@@ -453,7 +1687,7 @@
               <a:cxnLst/>
               <a:rect l="l" t="t" r="r" b="b"/>
               <a:pathLst>
-                <a:path w="10002" h="10000">
+                <a:path w="10002" h="10000" fill="norm" stroke="1" extrusionOk="0">
                   <a:moveTo>
                     <a:pt x="8763" y="0"/>
                   </a:moveTo>
@@ -495,11 +1729,6 @@
         </p:sp>
       </p:grpSp>
     </p:spTree>
-    <p:extLst>
-      <p:ext uri="{BB962C8B-B14F-4D97-AF65-F5344CB8AC3E}">
-        <p14:creationId xmlns:p14="http://schemas.microsoft.com/office/powerpoint/2010/main" val="3428979423"/>
-      </p:ext>
-    </p:extLst>
   </p:cSld>
   <p:clrMapOvr>
     <a:overrideClrMapping bg1="lt1" tx1="dk1" bg2="lt2" tx2="dk2" accent1="accent1" accent2="accent2" accent3="accent3" accent4="accent4" accent5="accent5" accent6="accent6" hlink="hlink" folHlink="folHlink"/>
@@ -508,7 +1737,7 @@
 </file>
 
 <file path=ppt/slideLayouts/slideLayout10.xml><?xml version="1.0" encoding="utf-8"?>
-<p:sldLayout xmlns:a="http://schemas.openxmlformats.org/drawingml/2006/main" xmlns:r="http://schemas.openxmlformats.org/officeDocument/2006/relationships" xmlns:p="http://schemas.openxmlformats.org/presentationml/2006/main" type="vertTx" preserve="1">
+<p:sldLayout xmlns:a="http://schemas.openxmlformats.org/drawingml/2006/main" xmlns:r="http://schemas.openxmlformats.org/officeDocument/2006/relationships" xmlns:p="http://schemas.openxmlformats.org/presentationml/2006/main" xmlns:m="http://schemas.openxmlformats.org/officeDocument/2006/math" xmlns:w="http://schemas.openxmlformats.org/wordprocessingml/2006/main" matchingName="" preserve="1" showMasterPhAnim="0" showMasterSp="1" type="vertTx" userDrawn="1">
   <p:cSld name="Заголовок и вертикальный текст">
     <p:spTree>
       <p:nvGrpSpPr>
@@ -516,7 +1745,7 @@
         <p:cNvGrpSpPr/>
         <p:nvPr/>
       </p:nvGrpSpPr>
-      <p:grpSpPr>
+      <p:grpSpPr bwMode="auto">
         <a:xfrm>
           <a:off x="0" y="0"/>
           <a:ext cx="0" cy="0"/>
@@ -526,7 +1755,7 @@
       </p:grpSpPr>
       <p:sp>
         <p:nvSpPr>
-          <p:cNvPr id="2" name="Title 1"/>
+          <p:cNvPr id="598718108" name="Title 1"/>
           <p:cNvSpPr>
             <a:spLocks noGrp="1"/>
           </p:cNvSpPr>
@@ -534,22 +1763,25 @@
             <p:ph type="title"/>
           </p:nvPr>
         </p:nvSpPr>
-        <p:spPr/>
+        <p:spPr bwMode="auto"/>
         <p:txBody>
           <a:bodyPr/>
           <a:lstStyle/>
           <a:p>
-            <a:r>
-              <a:rPr lang="ru-RU" smtClean="0"/>
+            <a:pPr>
+              <a:defRPr/>
+            </a:pPr>
+            <a:r>
+              <a:rPr lang="ru-RU"/>
               <a:t>Образец заголовка</a:t>
             </a:r>
-            <a:endParaRPr lang="en-US" dirty="0"/>
-          </a:p>
-        </p:txBody>
-      </p:sp>
-      <p:sp>
-        <p:nvSpPr>
-          <p:cNvPr id="3" name="Vertical Text Placeholder 2"/>
+            <a:endParaRPr lang="en-US"/>
+          </a:p>
+        </p:txBody>
+      </p:sp>
+      <p:sp>
+        <p:nvSpPr>
+          <p:cNvPr id="2065889079" name="Vertical Text Placeholder 2"/>
           <p:cNvSpPr>
             <a:spLocks noGrp="1"/>
           </p:cNvSpPr>
@@ -557,7 +1789,7 @@
             <p:ph type="body" orient="vert" idx="1"/>
           </p:nvPr>
         </p:nvSpPr>
-        <p:spPr>
+        <p:spPr bwMode="auto">
           <a:xfrm>
             <a:off x="1371600" y="2295525"/>
             <a:ext cx="9601200" cy="3571875"/>
@@ -567,46 +1799,60 @@
           <a:bodyPr vert="eaVert"/>
           <a:lstStyle/>
           <a:p>
-            <a:pPr lvl="0"/>
-            <a:r>
-              <a:rPr lang="ru-RU" smtClean="0"/>
+            <a:pPr lvl="0">
+              <a:defRPr/>
+            </a:pPr>
+            <a:r>
+              <a:rPr lang="ru-RU"/>
               <a:t>Образец текста</a:t>
             </a:r>
-          </a:p>
-          <a:p>
-            <a:pPr lvl="1"/>
-            <a:r>
-              <a:rPr lang="ru-RU" smtClean="0"/>
+            <a:endParaRPr/>
+          </a:p>
+          <a:p>
+            <a:pPr lvl="1">
+              <a:defRPr/>
+            </a:pPr>
+            <a:r>
+              <a:rPr lang="ru-RU"/>
               <a:t>Второй уровень</a:t>
             </a:r>
-          </a:p>
-          <a:p>
-            <a:pPr lvl="2"/>
-            <a:r>
-              <a:rPr lang="ru-RU" smtClean="0"/>
+            <a:endParaRPr/>
+          </a:p>
+          <a:p>
+            <a:pPr lvl="2">
+              <a:defRPr/>
+            </a:pPr>
+            <a:r>
+              <a:rPr lang="ru-RU"/>
               <a:t>Третий уровень</a:t>
             </a:r>
-          </a:p>
-          <a:p>
-            <a:pPr lvl="3"/>
-            <a:r>
-              <a:rPr lang="ru-RU" smtClean="0"/>
+            <a:endParaRPr/>
+          </a:p>
+          <a:p>
+            <a:pPr lvl="3">
+              <a:defRPr/>
+            </a:pPr>
+            <a:r>
+              <a:rPr lang="ru-RU"/>
               <a:t>Четвертый уровень</a:t>
             </a:r>
-          </a:p>
-          <a:p>
-            <a:pPr lvl="4"/>
-            <a:r>
-              <a:rPr lang="ru-RU" smtClean="0"/>
+            <a:endParaRPr/>
+          </a:p>
+          <a:p>
+            <a:pPr lvl="4">
+              <a:defRPr/>
+            </a:pPr>
+            <a:r>
+              <a:rPr lang="ru-RU"/>
               <a:t>Пятый уровень</a:t>
             </a:r>
-            <a:endParaRPr lang="en-US" dirty="0"/>
-          </a:p>
-        </p:txBody>
-      </p:sp>
-      <p:sp>
-        <p:nvSpPr>
-          <p:cNvPr id="4" name="Date Placeholder 3"/>
+            <a:endParaRPr lang="en-US"/>
+          </a:p>
+        </p:txBody>
+      </p:sp>
+      <p:sp>
+        <p:nvSpPr>
+          <p:cNvPr id="1575296894" name="Date Placeholder 3"/>
           <p:cNvSpPr>
             <a:spLocks noGrp="1"/>
           </p:cNvSpPr>
@@ -614,13 +1860,16 @@
             <p:ph type="dt" sz="half" idx="10"/>
           </p:nvPr>
         </p:nvSpPr>
-        <p:spPr/>
+        <p:spPr bwMode="auto"/>
         <p:txBody>
           <a:bodyPr/>
           <a:lstStyle/>
           <a:p>
+            <a:pPr>
+              <a:defRPr/>
+            </a:pPr>
             <a:fld id="{B0182CC0-7576-4DBC-A383-03CB729E3741}" type="datetimeFigureOut">
-              <a:rPr lang="ru-RU" smtClean="0"/>
+              <a:rPr lang="ru-RU"/>
               <a:t>13.05.2025</a:t>
             </a:fld>
             <a:endParaRPr lang="ru-RU"/>
@@ -629,7 +1878,7 @@
       </p:sp>
       <p:sp>
         <p:nvSpPr>
-          <p:cNvPr id="5" name="Footer Placeholder 4"/>
+          <p:cNvPr id="1928796045" name="Footer Placeholder 4"/>
           <p:cNvSpPr>
             <a:spLocks noGrp="1"/>
           </p:cNvSpPr>
@@ -637,18 +1886,21 @@
             <p:ph type="ftr" sz="quarter" idx="11"/>
           </p:nvPr>
         </p:nvSpPr>
-        <p:spPr/>
+        <p:spPr bwMode="auto"/>
         <p:txBody>
           <a:bodyPr/>
           <a:lstStyle/>
           <a:p>
+            <a:pPr>
+              <a:defRPr/>
+            </a:pPr>
             <a:endParaRPr lang="ru-RU"/>
           </a:p>
         </p:txBody>
       </p:sp>
       <p:sp>
         <p:nvSpPr>
-          <p:cNvPr id="6" name="Slide Number Placeholder 5"/>
+          <p:cNvPr id="1232711214" name="Slide Number Placeholder 5"/>
           <p:cNvSpPr>
             <a:spLocks noGrp="1"/>
           </p:cNvSpPr>
@@ -656,13 +1908,16 @@
             <p:ph type="sldNum" sz="quarter" idx="12"/>
           </p:nvPr>
         </p:nvSpPr>
-        <p:spPr/>
+        <p:spPr bwMode="auto"/>
         <p:txBody>
           <a:bodyPr/>
           <a:lstStyle/>
           <a:p>
+            <a:pPr>
+              <a:defRPr/>
+            </a:pPr>
             <a:fld id="{F328D643-D204-4323-8445-14E75A213C1D}" type="slidenum">
-              <a:rPr lang="ru-RU" smtClean="0"/>
+              <a:rPr lang="ru-RU"/>
               <a:t>‹#›</a:t>
             </a:fld>
             <a:endParaRPr lang="ru-RU"/>
@@ -670,11 +1925,6 @@
         </p:txBody>
       </p:sp>
     </p:spTree>
-    <p:extLst>
-      <p:ext uri="{BB962C8B-B14F-4D97-AF65-F5344CB8AC3E}">
-        <p14:creationId xmlns:p14="http://schemas.microsoft.com/office/powerpoint/2010/main" val="2296488683"/>
-      </p:ext>
-    </p:extLst>
   </p:cSld>
   <p:clrMapOvr>
     <a:masterClrMapping/>
@@ -683,7 +1933,7 @@
 </file>
 
 <file path=ppt/slideLayouts/slideLayout11.xml><?xml version="1.0" encoding="utf-8"?>
-<p:sldLayout xmlns:a="http://schemas.openxmlformats.org/drawingml/2006/main" xmlns:r="http://schemas.openxmlformats.org/officeDocument/2006/relationships" xmlns:p="http://schemas.openxmlformats.org/presentationml/2006/main" type="vertTitleAndTx" preserve="1">
+<p:sldLayout xmlns:a="http://schemas.openxmlformats.org/drawingml/2006/main" xmlns:r="http://schemas.openxmlformats.org/officeDocument/2006/relationships" xmlns:p="http://schemas.openxmlformats.org/presentationml/2006/main" xmlns:m="http://schemas.openxmlformats.org/officeDocument/2006/math" xmlns:w="http://schemas.openxmlformats.org/wordprocessingml/2006/main" matchingName="" preserve="1" showMasterPhAnim="0" showMasterSp="1" type="vertTitleAndTx" userDrawn="1">
   <p:cSld name="Вертикальный заголовок и текст">
     <p:spTree>
       <p:nvGrpSpPr>
@@ -691,7 +1941,7 @@
         <p:cNvGrpSpPr/>
         <p:nvPr/>
       </p:nvGrpSpPr>
-      <p:grpSpPr>
+      <p:grpSpPr bwMode="auto">
         <a:xfrm>
           <a:off x="0" y="0"/>
           <a:ext cx="0" cy="0"/>
@@ -701,7 +1951,7 @@
       </p:grpSpPr>
       <p:sp>
         <p:nvSpPr>
-          <p:cNvPr id="2" name="Vertical Title 1"/>
+          <p:cNvPr id="1222036425" name="Vertical Title 1"/>
           <p:cNvSpPr>
             <a:spLocks noGrp="1"/>
           </p:cNvSpPr>
@@ -709,7 +1959,7 @@
             <p:ph type="title" orient="vert"/>
           </p:nvPr>
         </p:nvSpPr>
-        <p:spPr>
+        <p:spPr bwMode="auto">
           <a:xfrm>
             <a:off x="9596561" y="624156"/>
             <a:ext cx="1565766" cy="5243244"/>
@@ -719,17 +1969,20 @@
           <a:bodyPr vert="eaVert"/>
           <a:lstStyle/>
           <a:p>
-            <a:r>
-              <a:rPr lang="ru-RU" smtClean="0"/>
+            <a:pPr>
+              <a:defRPr/>
+            </a:pPr>
+            <a:r>
+              <a:rPr lang="ru-RU"/>
               <a:t>Образец заголовка</a:t>
             </a:r>
-            <a:endParaRPr lang="en-US" dirty="0"/>
-          </a:p>
-        </p:txBody>
-      </p:sp>
-      <p:sp>
-        <p:nvSpPr>
-          <p:cNvPr id="3" name="Vertical Text Placeholder 2"/>
+            <a:endParaRPr lang="en-US"/>
+          </a:p>
+        </p:txBody>
+      </p:sp>
+      <p:sp>
+        <p:nvSpPr>
+          <p:cNvPr id="973536661" name="Vertical Text Placeholder 2"/>
           <p:cNvSpPr>
             <a:spLocks noGrp="1"/>
           </p:cNvSpPr>
@@ -737,7 +1990,7 @@
             <p:ph type="body" orient="vert" idx="1"/>
           </p:nvPr>
         </p:nvSpPr>
-        <p:spPr>
+        <p:spPr bwMode="auto">
           <a:xfrm>
             <a:off x="1371600" y="624156"/>
             <a:ext cx="8179641" cy="5243244"/>
@@ -747,46 +2000,60 @@
           <a:bodyPr vert="eaVert"/>
           <a:lstStyle/>
           <a:p>
-            <a:pPr lvl="0"/>
-            <a:r>
-              <a:rPr lang="ru-RU" smtClean="0"/>
+            <a:pPr lvl="0">
+              <a:defRPr/>
+            </a:pPr>
+            <a:r>
+              <a:rPr lang="ru-RU"/>
               <a:t>Образец текста</a:t>
             </a:r>
-          </a:p>
-          <a:p>
-            <a:pPr lvl="1"/>
-            <a:r>
-              <a:rPr lang="ru-RU" smtClean="0"/>
+            <a:endParaRPr/>
+          </a:p>
+          <a:p>
+            <a:pPr lvl="1">
+              <a:defRPr/>
+            </a:pPr>
+            <a:r>
+              <a:rPr lang="ru-RU"/>
               <a:t>Второй уровень</a:t>
             </a:r>
-          </a:p>
-          <a:p>
-            <a:pPr lvl="2"/>
-            <a:r>
-              <a:rPr lang="ru-RU" smtClean="0"/>
+            <a:endParaRPr/>
+          </a:p>
+          <a:p>
+            <a:pPr lvl="2">
+              <a:defRPr/>
+            </a:pPr>
+            <a:r>
+              <a:rPr lang="ru-RU"/>
               <a:t>Третий уровень</a:t>
             </a:r>
-          </a:p>
-          <a:p>
-            <a:pPr lvl="3"/>
-            <a:r>
-              <a:rPr lang="ru-RU" smtClean="0"/>
+            <a:endParaRPr/>
+          </a:p>
+          <a:p>
+            <a:pPr lvl="3">
+              <a:defRPr/>
+            </a:pPr>
+            <a:r>
+              <a:rPr lang="ru-RU"/>
               <a:t>Четвертый уровень</a:t>
             </a:r>
-          </a:p>
-          <a:p>
-            <a:pPr lvl="4"/>
-            <a:r>
-              <a:rPr lang="ru-RU" smtClean="0"/>
+            <a:endParaRPr/>
+          </a:p>
+          <a:p>
+            <a:pPr lvl="4">
+              <a:defRPr/>
+            </a:pPr>
+            <a:r>
+              <a:rPr lang="ru-RU"/>
               <a:t>Пятый уровень</a:t>
             </a:r>
-            <a:endParaRPr lang="en-US" dirty="0"/>
-          </a:p>
-        </p:txBody>
-      </p:sp>
-      <p:sp>
-        <p:nvSpPr>
-          <p:cNvPr id="4" name="Date Placeholder 3"/>
+            <a:endParaRPr lang="en-US"/>
+          </a:p>
+        </p:txBody>
+      </p:sp>
+      <p:sp>
+        <p:nvSpPr>
+          <p:cNvPr id="1958518401" name="Date Placeholder 3"/>
           <p:cNvSpPr>
             <a:spLocks noGrp="1"/>
           </p:cNvSpPr>
@@ -794,13 +2061,16 @@
             <p:ph type="dt" sz="half" idx="10"/>
           </p:nvPr>
         </p:nvSpPr>
-        <p:spPr/>
+        <p:spPr bwMode="auto"/>
         <p:txBody>
           <a:bodyPr/>
           <a:lstStyle/>
           <a:p>
+            <a:pPr>
+              <a:defRPr/>
+            </a:pPr>
             <a:fld id="{B0182CC0-7576-4DBC-A383-03CB729E3741}" type="datetimeFigureOut">
-              <a:rPr lang="ru-RU" smtClean="0"/>
+              <a:rPr lang="ru-RU"/>
               <a:t>13.05.2025</a:t>
             </a:fld>
             <a:endParaRPr lang="ru-RU"/>
@@ -809,7 +2079,7 @@
       </p:sp>
       <p:sp>
         <p:nvSpPr>
-          <p:cNvPr id="5" name="Footer Placeholder 4"/>
+          <p:cNvPr id="2038549272" name="Footer Placeholder 4"/>
           <p:cNvSpPr>
             <a:spLocks noGrp="1"/>
           </p:cNvSpPr>
@@ -817,18 +2087,21 @@
             <p:ph type="ftr" sz="quarter" idx="11"/>
           </p:nvPr>
         </p:nvSpPr>
-        <p:spPr/>
+        <p:spPr bwMode="auto"/>
         <p:txBody>
           <a:bodyPr/>
           <a:lstStyle/>
           <a:p>
+            <a:pPr>
+              <a:defRPr/>
+            </a:pPr>
             <a:endParaRPr lang="ru-RU"/>
           </a:p>
         </p:txBody>
       </p:sp>
       <p:sp>
         <p:nvSpPr>
-          <p:cNvPr id="6" name="Slide Number Placeholder 5"/>
+          <p:cNvPr id="1528411563" name="Slide Number Placeholder 5"/>
           <p:cNvSpPr>
             <a:spLocks noGrp="1"/>
           </p:cNvSpPr>
@@ -836,13 +2109,16 @@
             <p:ph type="sldNum" sz="quarter" idx="12"/>
           </p:nvPr>
         </p:nvSpPr>
-        <p:spPr/>
+        <p:spPr bwMode="auto"/>
         <p:txBody>
           <a:bodyPr/>
           <a:lstStyle/>
           <a:p>
+            <a:pPr>
+              <a:defRPr/>
+            </a:pPr>
             <a:fld id="{F328D643-D204-4323-8445-14E75A213C1D}" type="slidenum">
-              <a:rPr lang="ru-RU" smtClean="0"/>
+              <a:rPr lang="ru-RU"/>
               <a:t>‹#›</a:t>
             </a:fld>
             <a:endParaRPr lang="ru-RU"/>
@@ -850,11 +2126,6 @@
         </p:txBody>
       </p:sp>
     </p:spTree>
-    <p:extLst>
-      <p:ext uri="{BB962C8B-B14F-4D97-AF65-F5344CB8AC3E}">
-        <p14:creationId xmlns:p14="http://schemas.microsoft.com/office/powerpoint/2010/main" val="2009217853"/>
-      </p:ext>
-    </p:extLst>
   </p:cSld>
   <p:clrMapOvr>
     <a:masterClrMapping/>
@@ -863,7 +2134,7 @@
 </file>
 
 <file path=ppt/slideLayouts/slideLayout2.xml><?xml version="1.0" encoding="utf-8"?>
-<p:sldLayout xmlns:a="http://schemas.openxmlformats.org/drawingml/2006/main" xmlns:r="http://schemas.openxmlformats.org/officeDocument/2006/relationships" xmlns:p="http://schemas.openxmlformats.org/presentationml/2006/main" type="obj" preserve="1">
+<p:sldLayout xmlns:a="http://schemas.openxmlformats.org/drawingml/2006/main" xmlns:r="http://schemas.openxmlformats.org/officeDocument/2006/relationships" xmlns:p="http://schemas.openxmlformats.org/presentationml/2006/main" xmlns:m="http://schemas.openxmlformats.org/officeDocument/2006/math" xmlns:w="http://schemas.openxmlformats.org/wordprocessingml/2006/main" matchingName="" preserve="1" showMasterPhAnim="0" showMasterSp="1" type="obj" userDrawn="1">
   <p:cSld name="Заголовок и объект">
     <p:spTree>
       <p:nvGrpSpPr>
@@ -871,7 +2142,7 @@
         <p:cNvGrpSpPr/>
         <p:nvPr/>
       </p:nvGrpSpPr>
-      <p:grpSpPr>
+      <p:grpSpPr bwMode="auto">
         <a:xfrm>
           <a:off x="0" y="0"/>
           <a:ext cx="0" cy="0"/>
@@ -881,7 +2152,7 @@
       </p:grpSpPr>
       <p:sp>
         <p:nvSpPr>
-          <p:cNvPr id="2" name="Title 1"/>
+          <p:cNvPr id="1255022546" name="Title 1"/>
           <p:cNvSpPr>
             <a:spLocks noGrp="1"/>
           </p:cNvSpPr>
@@ -889,22 +2160,25 @@
             <p:ph type="title"/>
           </p:nvPr>
         </p:nvSpPr>
-        <p:spPr/>
+        <p:spPr bwMode="auto"/>
         <p:txBody>
           <a:bodyPr/>
           <a:lstStyle/>
           <a:p>
-            <a:r>
-              <a:rPr lang="ru-RU" smtClean="0"/>
+            <a:pPr>
+              <a:defRPr/>
+            </a:pPr>
+            <a:r>
+              <a:rPr lang="ru-RU"/>
               <a:t>Образец заголовка</a:t>
             </a:r>
-            <a:endParaRPr lang="en-US" dirty="0"/>
-          </a:p>
-        </p:txBody>
-      </p:sp>
-      <p:sp>
-        <p:nvSpPr>
-          <p:cNvPr id="3" name="Content Placeholder 2"/>
+            <a:endParaRPr lang="en-US"/>
+          </a:p>
+        </p:txBody>
+      </p:sp>
+      <p:sp>
+        <p:nvSpPr>
+          <p:cNvPr id="1751879792" name="Content Placeholder 2"/>
           <p:cNvSpPr>
             <a:spLocks noGrp="1"/>
           </p:cNvSpPr>
@@ -912,51 +2186,65 @@
             <p:ph idx="1"/>
           </p:nvPr>
         </p:nvSpPr>
-        <p:spPr/>
+        <p:spPr bwMode="auto"/>
         <p:txBody>
           <a:bodyPr/>
           <a:lstStyle/>
           <a:p>
-            <a:pPr lvl="0"/>
-            <a:r>
-              <a:rPr lang="ru-RU" smtClean="0"/>
+            <a:pPr lvl="0">
+              <a:defRPr/>
+            </a:pPr>
+            <a:r>
+              <a:rPr lang="ru-RU"/>
               <a:t>Образец текста</a:t>
             </a:r>
-          </a:p>
-          <a:p>
-            <a:pPr lvl="1"/>
-            <a:r>
-              <a:rPr lang="ru-RU" smtClean="0"/>
+            <a:endParaRPr/>
+          </a:p>
+          <a:p>
+            <a:pPr lvl="1">
+              <a:defRPr/>
+            </a:pPr>
+            <a:r>
+              <a:rPr lang="ru-RU"/>
               <a:t>Второй уровень</a:t>
             </a:r>
-          </a:p>
-          <a:p>
-            <a:pPr lvl="2"/>
-            <a:r>
-              <a:rPr lang="ru-RU" smtClean="0"/>
+            <a:endParaRPr/>
+          </a:p>
+          <a:p>
+            <a:pPr lvl="2">
+              <a:defRPr/>
+            </a:pPr>
+            <a:r>
+              <a:rPr lang="ru-RU"/>
               <a:t>Третий уровень</a:t>
             </a:r>
-          </a:p>
-          <a:p>
-            <a:pPr lvl="3"/>
-            <a:r>
-              <a:rPr lang="ru-RU" smtClean="0"/>
+            <a:endParaRPr/>
+          </a:p>
+          <a:p>
+            <a:pPr lvl="3">
+              <a:defRPr/>
+            </a:pPr>
+            <a:r>
+              <a:rPr lang="ru-RU"/>
               <a:t>Четвертый уровень</a:t>
             </a:r>
-          </a:p>
-          <a:p>
-            <a:pPr lvl="4"/>
-            <a:r>
-              <a:rPr lang="ru-RU" smtClean="0"/>
+            <a:endParaRPr/>
+          </a:p>
+          <a:p>
+            <a:pPr lvl="4">
+              <a:defRPr/>
+            </a:pPr>
+            <a:r>
+              <a:rPr lang="ru-RU"/>
               <a:t>Пятый уровень</a:t>
             </a:r>
-            <a:endParaRPr lang="en-US" dirty="0"/>
-          </a:p>
-        </p:txBody>
-      </p:sp>
-      <p:sp>
-        <p:nvSpPr>
-          <p:cNvPr id="4" name="Date Placeholder 3"/>
+            <a:endParaRPr lang="en-US"/>
+          </a:p>
+        </p:txBody>
+      </p:sp>
+      <p:sp>
+        <p:nvSpPr>
+          <p:cNvPr id="1927589680" name="Date Placeholder 3"/>
           <p:cNvSpPr>
             <a:spLocks noGrp="1"/>
           </p:cNvSpPr>
@@ -964,13 +2252,16 @@
             <p:ph type="dt" sz="half" idx="10"/>
           </p:nvPr>
         </p:nvSpPr>
-        <p:spPr/>
+        <p:spPr bwMode="auto"/>
         <p:txBody>
           <a:bodyPr/>
           <a:lstStyle/>
           <a:p>
+            <a:pPr>
+              <a:defRPr/>
+            </a:pPr>
             <a:fld id="{B0182CC0-7576-4DBC-A383-03CB729E3741}" type="datetimeFigureOut">
-              <a:rPr lang="ru-RU" smtClean="0"/>
+              <a:rPr lang="ru-RU"/>
               <a:t>13.05.2025</a:t>
             </a:fld>
             <a:endParaRPr lang="ru-RU"/>
@@ -979,7 +2270,7 @@
       </p:sp>
       <p:sp>
         <p:nvSpPr>
-          <p:cNvPr id="5" name="Footer Placeholder 4"/>
+          <p:cNvPr id="1080941387" name="Footer Placeholder 4"/>
           <p:cNvSpPr>
             <a:spLocks noGrp="1"/>
           </p:cNvSpPr>
@@ -987,18 +2278,21 @@
             <p:ph type="ftr" sz="quarter" idx="11"/>
           </p:nvPr>
         </p:nvSpPr>
-        <p:spPr/>
+        <p:spPr bwMode="auto"/>
         <p:txBody>
           <a:bodyPr/>
           <a:lstStyle/>
           <a:p>
+            <a:pPr>
+              <a:defRPr/>
+            </a:pPr>
             <a:endParaRPr lang="ru-RU"/>
           </a:p>
         </p:txBody>
       </p:sp>
       <p:sp>
         <p:nvSpPr>
-          <p:cNvPr id="6" name="Slide Number Placeholder 5"/>
+          <p:cNvPr id="628069487" name="Slide Number Placeholder 5"/>
           <p:cNvSpPr>
             <a:spLocks noGrp="1"/>
           </p:cNvSpPr>
@@ -1006,13 +2300,16 @@
             <p:ph type="sldNum" sz="quarter" idx="12"/>
           </p:nvPr>
         </p:nvSpPr>
-        <p:spPr/>
+        <p:spPr bwMode="auto"/>
         <p:txBody>
           <a:bodyPr/>
           <a:lstStyle/>
           <a:p>
+            <a:pPr>
+              <a:defRPr/>
+            </a:pPr>
             <a:fld id="{F328D643-D204-4323-8445-14E75A213C1D}" type="slidenum">
-              <a:rPr lang="ru-RU" smtClean="0"/>
+              <a:rPr lang="ru-RU"/>
               <a:t>‹#›</a:t>
             </a:fld>
             <a:endParaRPr lang="ru-RU"/>
@@ -1020,11 +2317,6 @@
         </p:txBody>
       </p:sp>
     </p:spTree>
-    <p:extLst>
-      <p:ext uri="{BB962C8B-B14F-4D97-AF65-F5344CB8AC3E}">
-        <p14:creationId xmlns:p14="http://schemas.microsoft.com/office/powerpoint/2010/main" val="798630702"/>
-      </p:ext>
-    </p:extLst>
   </p:cSld>
   <p:clrMapOvr>
     <a:masterClrMapping/>
@@ -1033,7 +2325,7 @@
 </file>
 
 <file path=ppt/slideLayouts/slideLayout3.xml><?xml version="1.0" encoding="utf-8"?>
-<p:sldLayout xmlns:a="http://schemas.openxmlformats.org/drawingml/2006/main" xmlns:r="http://schemas.openxmlformats.org/officeDocument/2006/relationships" xmlns:p="http://schemas.openxmlformats.org/presentationml/2006/main" showMasterSp="0" type="secHead" preserve="1">
+<p:sldLayout xmlns:a="http://schemas.openxmlformats.org/drawingml/2006/main" xmlns:r="http://schemas.openxmlformats.org/officeDocument/2006/relationships" xmlns:p="http://schemas.openxmlformats.org/presentationml/2006/main" xmlns:m="http://schemas.openxmlformats.org/officeDocument/2006/math" xmlns:w="http://schemas.openxmlformats.org/wordprocessingml/2006/main" matchingName="" preserve="1" showMasterPhAnim="0" showMasterSp="0" type="secHead" userDrawn="1">
   <p:cSld name="Заголовок раздела">
     <p:bg>
       <p:bgRef idx="1001">
@@ -1046,7 +2338,7 @@
         <p:cNvGrpSpPr/>
         <p:nvPr/>
       </p:nvGrpSpPr>
-      <p:grpSpPr>
+      <p:grpSpPr bwMode="auto">
         <a:xfrm>
           <a:off x="0" y="0"/>
           <a:ext cx="0" cy="0"/>
@@ -1056,7 +2348,7 @@
       </p:grpSpPr>
       <p:sp>
         <p:nvSpPr>
-          <p:cNvPr id="2" name="Title 1"/>
+          <p:cNvPr id="1340346154" name="Title 1"/>
           <p:cNvSpPr>
             <a:spLocks noGrp="1"/>
           </p:cNvSpPr>
@@ -1064,7 +2356,7 @@
             <p:ph type="title"/>
           </p:nvPr>
         </p:nvSpPr>
-        <p:spPr>
+        <p:spPr bwMode="auto">
           <a:xfrm>
             <a:off x="765025" y="1301360"/>
             <a:ext cx="9612971" cy="2852737"/>
@@ -1076,7 +2368,7 @@
           </a:bodyPr>
           <a:lstStyle>
             <a:lvl1pPr algn="r">
-              <a:defRPr sz="7200" cap="all" baseline="0">
+              <a:defRPr sz="7200" cap="all">
                 <a:solidFill>
                   <a:schemeClr val="tx2"/>
                 </a:solidFill>
@@ -1084,17 +2376,20 @@
             </a:lvl1pPr>
           </a:lstStyle>
           <a:p>
-            <a:r>
-              <a:rPr lang="ru-RU" smtClean="0"/>
+            <a:pPr>
+              <a:defRPr/>
+            </a:pPr>
+            <a:r>
+              <a:rPr lang="ru-RU"/>
               <a:t>Образец заголовка</a:t>
             </a:r>
-            <a:endParaRPr lang="en-US" dirty="0"/>
-          </a:p>
-        </p:txBody>
-      </p:sp>
-      <p:sp>
-        <p:nvSpPr>
-          <p:cNvPr id="3" name="Text Placeholder 2"/>
+            <a:endParaRPr lang="en-US"/>
+          </a:p>
+        </p:txBody>
+      </p:sp>
+      <p:sp>
+        <p:nvSpPr>
+          <p:cNvPr id="226745012" name="Text Placeholder 2"/>
           <p:cNvSpPr>
             <a:spLocks noGrp="1"/>
           </p:cNvSpPr>
@@ -1102,7 +2397,7 @@
             <p:ph type="body" idx="1"/>
           </p:nvPr>
         </p:nvSpPr>
-        <p:spPr>
+        <p:spPr bwMode="auto">
           <a:xfrm>
             <a:off x="765025" y="4216328"/>
             <a:ext cx="9612971" cy="1143324"/>
@@ -1210,17 +2505,20 @@
             </a:lvl9pPr>
           </a:lstStyle>
           <a:p>
-            <a:pPr lvl="0"/>
-            <a:r>
-              <a:rPr lang="ru-RU" smtClean="0"/>
+            <a:pPr lvl="0">
+              <a:defRPr/>
+            </a:pPr>
+            <a:r>
+              <a:rPr lang="ru-RU"/>
               <a:t>Образец текста</a:t>
             </a:r>
-          </a:p>
-        </p:txBody>
-      </p:sp>
-      <p:sp>
-        <p:nvSpPr>
-          <p:cNvPr id="4" name="Date Placeholder 3"/>
+            <a:endParaRPr/>
+          </a:p>
+        </p:txBody>
+      </p:sp>
+      <p:sp>
+        <p:nvSpPr>
+          <p:cNvPr id="1041377278" name="Date Placeholder 3"/>
           <p:cNvSpPr>
             <a:spLocks noGrp="1"/>
           </p:cNvSpPr>
@@ -1228,7 +2526,7 @@
             <p:ph type="dt" sz="half" idx="10"/>
           </p:nvPr>
         </p:nvSpPr>
-        <p:spPr>
+        <p:spPr bwMode="auto">
           <a:xfrm>
             <a:off x="738908" y="6453386"/>
             <a:ext cx="1622409" cy="404614"/>
@@ -1246,8 +2544,11 @@
             </a:lvl1pPr>
           </a:lstStyle>
           <a:p>
+            <a:pPr>
+              <a:defRPr/>
+            </a:pPr>
             <a:fld id="{B0182CC0-7576-4DBC-A383-03CB729E3741}" type="datetimeFigureOut">
-              <a:rPr lang="ru-RU" smtClean="0"/>
+              <a:rPr lang="ru-RU"/>
               <a:t>13.05.2025</a:t>
             </a:fld>
             <a:endParaRPr lang="ru-RU"/>
@@ -1256,7 +2557,7 @@
       </p:sp>
       <p:sp>
         <p:nvSpPr>
-          <p:cNvPr id="5" name="Footer Placeholder 4"/>
+          <p:cNvPr id="1899480072" name="Footer Placeholder 4"/>
           <p:cNvSpPr>
             <a:spLocks noGrp="1"/>
           </p:cNvSpPr>
@@ -1264,7 +2565,7 @@
             <p:ph type="ftr" sz="quarter" idx="11"/>
           </p:nvPr>
         </p:nvSpPr>
-        <p:spPr>
+        <p:spPr bwMode="auto">
           <a:xfrm>
             <a:off x="2584312" y="6453386"/>
             <a:ext cx="7023377" cy="404614"/>
@@ -1282,13 +2583,16 @@
             </a:lvl1pPr>
           </a:lstStyle>
           <a:p>
+            <a:pPr>
+              <a:defRPr/>
+            </a:pPr>
             <a:endParaRPr lang="ru-RU"/>
           </a:p>
         </p:txBody>
       </p:sp>
       <p:sp>
         <p:nvSpPr>
-          <p:cNvPr id="6" name="Slide Number Placeholder 5"/>
+          <p:cNvPr id="1688146729" name="Slide Number Placeholder 5"/>
           <p:cNvSpPr>
             <a:spLocks noGrp="1"/>
           </p:cNvSpPr>
@@ -1296,7 +2600,7 @@
             <p:ph type="sldNum" sz="quarter" idx="12"/>
           </p:nvPr>
         </p:nvSpPr>
-        <p:spPr>
+        <p:spPr bwMode="auto">
           <a:xfrm>
             <a:off x="9830683" y="6453386"/>
             <a:ext cx="1596292" cy="404614"/>
@@ -1314,8 +2618,11 @@
             </a:lvl1pPr>
           </a:lstStyle>
           <a:p>
+            <a:pPr>
+              <a:defRPr/>
+            </a:pPr>
             <a:fld id="{F328D643-D204-4323-8445-14E75A213C1D}" type="slidenum">
-              <a:rPr lang="ru-RU" smtClean="0"/>
+              <a:rPr lang="ru-RU"/>
               <a:t>‹#›</a:t>
             </a:fld>
             <a:endParaRPr lang="ru-RU"/>
@@ -1324,7 +2631,7 @@
       </p:sp>
       <p:sp>
         <p:nvSpPr>
-          <p:cNvPr id="7" name="Freeform 6" title="Crop Mark"/>
+          <p:cNvPr id="172308767" name="Freeform 6" title="Crop Mark"/>
           <p:cNvSpPr/>
           <p:nvPr/>
         </p:nvSpPr>
@@ -1340,7 +2647,7 @@
             <a:cxnLst/>
             <a:rect l="0" t="0" r="r" b="b"/>
             <a:pathLst>
-              <a:path w="4125" h="5554">
+              <a:path w="4125" h="5554" fill="norm" stroke="1" extrusionOk="0">
                 <a:moveTo>
                   <a:pt x="3614" y="0"/>
                 </a:moveTo>
@@ -1379,11 +2686,6 @@
         </p:spPr>
       </p:sp>
     </p:spTree>
-    <p:extLst>
-      <p:ext uri="{BB962C8B-B14F-4D97-AF65-F5344CB8AC3E}">
-        <p14:creationId xmlns:p14="http://schemas.microsoft.com/office/powerpoint/2010/main" val="2464453139"/>
-      </p:ext>
-    </p:extLst>
   </p:cSld>
   <p:clrMapOvr>
     <a:overrideClrMapping bg1="dk1" tx1="lt1" bg2="dk2" tx2="lt2" accent1="accent1" accent2="accent2" accent3="accent3" accent4="accent4" accent5="accent5" accent6="accent6" hlink="hlink" folHlink="folHlink"/>
@@ -1392,7 +2694,7 @@
 </file>
 
 <file path=ppt/slideLayouts/slideLayout4.xml><?xml version="1.0" encoding="utf-8"?>
-<p:sldLayout xmlns:a="http://schemas.openxmlformats.org/drawingml/2006/main" xmlns:r="http://schemas.openxmlformats.org/officeDocument/2006/relationships" xmlns:p="http://schemas.openxmlformats.org/presentationml/2006/main" type="twoObj" preserve="1">
+<p:sldLayout xmlns:a="http://schemas.openxmlformats.org/drawingml/2006/main" xmlns:r="http://schemas.openxmlformats.org/officeDocument/2006/relationships" xmlns:p="http://schemas.openxmlformats.org/presentationml/2006/main" xmlns:m="http://schemas.openxmlformats.org/officeDocument/2006/math" xmlns:w="http://schemas.openxmlformats.org/wordprocessingml/2006/main" matchingName="" preserve="1" showMasterPhAnim="0" showMasterSp="1" type="twoObj" userDrawn="1">
   <p:cSld name="Два объекта">
     <p:spTree>
       <p:nvGrpSpPr>
@@ -1400,7 +2702,7 @@
         <p:cNvGrpSpPr/>
         <p:nvPr/>
       </p:nvGrpSpPr>
-      <p:grpSpPr>
+      <p:grpSpPr bwMode="auto">
         <a:xfrm>
           <a:off x="0" y="0"/>
           <a:ext cx="0" cy="0"/>
@@ -1410,7 +2712,7 @@
       </p:grpSpPr>
       <p:sp>
         <p:nvSpPr>
-          <p:cNvPr id="2" name="Title 1"/>
+          <p:cNvPr id="693048584" name="Title 1"/>
           <p:cNvSpPr>
             <a:spLocks noGrp="1"/>
           </p:cNvSpPr>
@@ -1418,7 +2720,7 @@
             <p:ph type="title"/>
           </p:nvPr>
         </p:nvSpPr>
-        <p:spPr/>
+        <p:spPr bwMode="auto"/>
         <p:txBody>
           <a:bodyPr/>
           <a:lstStyle>
@@ -1431,17 +2733,20 @@
             </a:lvl1pPr>
           </a:lstStyle>
           <a:p>
-            <a:r>
-              <a:rPr lang="ru-RU" smtClean="0"/>
+            <a:pPr>
+              <a:defRPr/>
+            </a:pPr>
+            <a:r>
+              <a:rPr lang="ru-RU"/>
               <a:t>Образец заголовка</a:t>
             </a:r>
-            <a:endParaRPr lang="en-US" dirty="0"/>
-          </a:p>
-        </p:txBody>
-      </p:sp>
-      <p:sp>
-        <p:nvSpPr>
-          <p:cNvPr id="3" name="Content Placeholder 2"/>
+            <a:endParaRPr lang="en-US"/>
+          </a:p>
+        </p:txBody>
+      </p:sp>
+      <p:sp>
+        <p:nvSpPr>
+          <p:cNvPr id="837397382" name="Content Placeholder 2"/>
           <p:cNvSpPr>
             <a:spLocks noGrp="1"/>
           </p:cNvSpPr>
@@ -1449,102 +2754,9 @@
             <p:ph sz="half" idx="1"/>
           </p:nvPr>
         </p:nvSpPr>
-        <p:spPr>
+        <p:spPr bwMode="auto">
           <a:xfrm>
             <a:off x="1371600" y="2285999"/>
-            <a:ext cx="4447786" cy="3581401"/>
-          </a:xfrm>
-        </p:spPr>
-        <p:txBody>
-          <a:bodyPr/>
-          <a:lstStyle>
-            <a:lvl1pPr>
-              <a:defRPr baseline="0">
-                <a:solidFill>
-                  <a:schemeClr val="tx2"/>
-                </a:solidFill>
-              </a:defRPr>
-            </a:lvl1pPr>
-            <a:lvl2pPr>
-              <a:defRPr baseline="0">
-                <a:solidFill>
-                  <a:schemeClr val="tx2"/>
-                </a:solidFill>
-              </a:defRPr>
-            </a:lvl2pPr>
-            <a:lvl3pPr>
-              <a:defRPr baseline="0">
-                <a:solidFill>
-                  <a:schemeClr val="tx2"/>
-                </a:solidFill>
-              </a:defRPr>
-            </a:lvl3pPr>
-            <a:lvl4pPr>
-              <a:defRPr baseline="0">
-                <a:solidFill>
-                  <a:schemeClr val="tx2"/>
-                </a:solidFill>
-              </a:defRPr>
-            </a:lvl4pPr>
-            <a:lvl5pPr>
-              <a:defRPr baseline="0">
-                <a:solidFill>
-                  <a:schemeClr val="tx2"/>
-                </a:solidFill>
-              </a:defRPr>
-            </a:lvl5pPr>
-          </a:lstStyle>
-          <a:p>
-            <a:pPr lvl="0"/>
-            <a:r>
-              <a:rPr lang="ru-RU" smtClean="0"/>
-              <a:t>Образец текста</a:t>
-            </a:r>
-          </a:p>
-          <a:p>
-            <a:pPr lvl="1"/>
-            <a:r>
-              <a:rPr lang="ru-RU" smtClean="0"/>
-              <a:t>Второй уровень</a:t>
-            </a:r>
-          </a:p>
-          <a:p>
-            <a:pPr lvl="2"/>
-            <a:r>
-              <a:rPr lang="ru-RU" smtClean="0"/>
-              <a:t>Третий уровень</a:t>
-            </a:r>
-          </a:p>
-          <a:p>
-            <a:pPr lvl="3"/>
-            <a:r>
-              <a:rPr lang="ru-RU" smtClean="0"/>
-              <a:t>Четвертый уровень</a:t>
-            </a:r>
-          </a:p>
-          <a:p>
-            <a:pPr lvl="4"/>
-            <a:r>
-              <a:rPr lang="ru-RU" smtClean="0"/>
-              <a:t>Пятый уровень</a:t>
-            </a:r>
-            <a:endParaRPr lang="en-US" dirty="0"/>
-          </a:p>
-        </p:txBody>
-      </p:sp>
-      <p:sp>
-        <p:nvSpPr>
-          <p:cNvPr id="4" name="Content Placeholder 3"/>
-          <p:cNvSpPr>
-            <a:spLocks noGrp="1"/>
-          </p:cNvSpPr>
-          <p:nvPr>
-            <p:ph sz="half" idx="2"/>
-          </p:nvPr>
-        </p:nvSpPr>
-        <p:spPr>
-          <a:xfrm>
-            <a:off x="6525403" y="2285999"/>
             <a:ext cx="4447786" cy="3581401"/>
           </a:xfrm>
         </p:spPr>
@@ -1588,46 +2800,167 @@
             </a:lvl5pPr>
           </a:lstStyle>
           <a:p>
-            <a:pPr lvl="0"/>
-            <a:r>
-              <a:rPr lang="ru-RU" smtClean="0"/>
+            <a:pPr lvl="0">
+              <a:defRPr/>
+            </a:pPr>
+            <a:r>
+              <a:rPr lang="ru-RU"/>
               <a:t>Образец текста</a:t>
             </a:r>
-          </a:p>
-          <a:p>
-            <a:pPr lvl="1"/>
-            <a:r>
-              <a:rPr lang="ru-RU" smtClean="0"/>
+            <a:endParaRPr/>
+          </a:p>
+          <a:p>
+            <a:pPr lvl="1">
+              <a:defRPr/>
+            </a:pPr>
+            <a:r>
+              <a:rPr lang="ru-RU"/>
               <a:t>Второй уровень</a:t>
             </a:r>
-          </a:p>
-          <a:p>
-            <a:pPr lvl="2"/>
-            <a:r>
-              <a:rPr lang="ru-RU" smtClean="0"/>
+            <a:endParaRPr/>
+          </a:p>
+          <a:p>
+            <a:pPr lvl="2">
+              <a:defRPr/>
+            </a:pPr>
+            <a:r>
+              <a:rPr lang="ru-RU"/>
               <a:t>Третий уровень</a:t>
             </a:r>
-          </a:p>
-          <a:p>
-            <a:pPr lvl="3"/>
-            <a:r>
-              <a:rPr lang="ru-RU" smtClean="0"/>
+            <a:endParaRPr/>
+          </a:p>
+          <a:p>
+            <a:pPr lvl="3">
+              <a:defRPr/>
+            </a:pPr>
+            <a:r>
+              <a:rPr lang="ru-RU"/>
               <a:t>Четвертый уровень</a:t>
             </a:r>
-          </a:p>
-          <a:p>
-            <a:pPr lvl="4"/>
-            <a:r>
-              <a:rPr lang="ru-RU" smtClean="0"/>
+            <a:endParaRPr/>
+          </a:p>
+          <a:p>
+            <a:pPr lvl="4">
+              <a:defRPr/>
+            </a:pPr>
+            <a:r>
+              <a:rPr lang="ru-RU"/>
               <a:t>Пятый уровень</a:t>
             </a:r>
-            <a:endParaRPr lang="en-US" dirty="0"/>
-          </a:p>
-        </p:txBody>
-      </p:sp>
-      <p:sp>
-        <p:nvSpPr>
-          <p:cNvPr id="5" name="Date Placeholder 4"/>
+            <a:endParaRPr lang="en-US"/>
+          </a:p>
+        </p:txBody>
+      </p:sp>
+      <p:sp>
+        <p:nvSpPr>
+          <p:cNvPr id="1246453269" name="Content Placeholder 3"/>
+          <p:cNvSpPr>
+            <a:spLocks noGrp="1"/>
+          </p:cNvSpPr>
+          <p:nvPr>
+            <p:ph sz="half" idx="2"/>
+          </p:nvPr>
+        </p:nvSpPr>
+        <p:spPr bwMode="auto">
+          <a:xfrm>
+            <a:off x="6525403" y="2285999"/>
+            <a:ext cx="4447786" cy="3581401"/>
+          </a:xfrm>
+        </p:spPr>
+        <p:txBody>
+          <a:bodyPr/>
+          <a:lstStyle>
+            <a:lvl1pPr>
+              <a:defRPr>
+                <a:solidFill>
+                  <a:schemeClr val="tx2"/>
+                </a:solidFill>
+              </a:defRPr>
+            </a:lvl1pPr>
+            <a:lvl2pPr>
+              <a:defRPr>
+                <a:solidFill>
+                  <a:schemeClr val="tx2"/>
+                </a:solidFill>
+              </a:defRPr>
+            </a:lvl2pPr>
+            <a:lvl3pPr>
+              <a:defRPr>
+                <a:solidFill>
+                  <a:schemeClr val="tx2"/>
+                </a:solidFill>
+              </a:defRPr>
+            </a:lvl3pPr>
+            <a:lvl4pPr>
+              <a:defRPr>
+                <a:solidFill>
+                  <a:schemeClr val="tx2"/>
+                </a:solidFill>
+              </a:defRPr>
+            </a:lvl4pPr>
+            <a:lvl5pPr>
+              <a:defRPr>
+                <a:solidFill>
+                  <a:schemeClr val="tx2"/>
+                </a:solidFill>
+              </a:defRPr>
+            </a:lvl5pPr>
+          </a:lstStyle>
+          <a:p>
+            <a:pPr lvl="0">
+              <a:defRPr/>
+            </a:pPr>
+            <a:r>
+              <a:rPr lang="ru-RU"/>
+              <a:t>Образец текста</a:t>
+            </a:r>
+            <a:endParaRPr/>
+          </a:p>
+          <a:p>
+            <a:pPr lvl="1">
+              <a:defRPr/>
+            </a:pPr>
+            <a:r>
+              <a:rPr lang="ru-RU"/>
+              <a:t>Второй уровень</a:t>
+            </a:r>
+            <a:endParaRPr/>
+          </a:p>
+          <a:p>
+            <a:pPr lvl="2">
+              <a:defRPr/>
+            </a:pPr>
+            <a:r>
+              <a:rPr lang="ru-RU"/>
+              <a:t>Третий уровень</a:t>
+            </a:r>
+            <a:endParaRPr/>
+          </a:p>
+          <a:p>
+            <a:pPr lvl="3">
+              <a:defRPr/>
+            </a:pPr>
+            <a:r>
+              <a:rPr lang="ru-RU"/>
+              <a:t>Четвертый уровень</a:t>
+            </a:r>
+            <a:endParaRPr/>
+          </a:p>
+          <a:p>
+            <a:pPr lvl="4">
+              <a:defRPr/>
+            </a:pPr>
+            <a:r>
+              <a:rPr lang="ru-RU"/>
+              <a:t>Пятый уровень</a:t>
+            </a:r>
+            <a:endParaRPr lang="en-US"/>
+          </a:p>
+        </p:txBody>
+      </p:sp>
+      <p:sp>
+        <p:nvSpPr>
+          <p:cNvPr id="529704630" name="Date Placeholder 4"/>
           <p:cNvSpPr>
             <a:spLocks noGrp="1"/>
           </p:cNvSpPr>
@@ -1635,13 +2968,16 @@
             <p:ph type="dt" sz="half" idx="10"/>
           </p:nvPr>
         </p:nvSpPr>
-        <p:spPr/>
+        <p:spPr bwMode="auto"/>
         <p:txBody>
           <a:bodyPr/>
           <a:lstStyle/>
           <a:p>
+            <a:pPr>
+              <a:defRPr/>
+            </a:pPr>
             <a:fld id="{B0182CC0-7576-4DBC-A383-03CB729E3741}" type="datetimeFigureOut">
-              <a:rPr lang="ru-RU" smtClean="0"/>
+              <a:rPr lang="ru-RU"/>
               <a:t>13.05.2025</a:t>
             </a:fld>
             <a:endParaRPr lang="ru-RU"/>
@@ -1650,7 +2986,7 @@
       </p:sp>
       <p:sp>
         <p:nvSpPr>
-          <p:cNvPr id="6" name="Footer Placeholder 5"/>
+          <p:cNvPr id="1657098717" name="Footer Placeholder 5"/>
           <p:cNvSpPr>
             <a:spLocks noGrp="1"/>
           </p:cNvSpPr>
@@ -1658,18 +2994,21 @@
             <p:ph type="ftr" sz="quarter" idx="11"/>
           </p:nvPr>
         </p:nvSpPr>
-        <p:spPr/>
+        <p:spPr bwMode="auto"/>
         <p:txBody>
           <a:bodyPr/>
           <a:lstStyle/>
           <a:p>
+            <a:pPr>
+              <a:defRPr/>
+            </a:pPr>
             <a:endParaRPr lang="ru-RU"/>
           </a:p>
         </p:txBody>
       </p:sp>
       <p:sp>
         <p:nvSpPr>
-          <p:cNvPr id="7" name="Slide Number Placeholder 6"/>
+          <p:cNvPr id="234102734" name="Slide Number Placeholder 6"/>
           <p:cNvSpPr>
             <a:spLocks noGrp="1"/>
           </p:cNvSpPr>
@@ -1677,13 +3016,16 @@
             <p:ph type="sldNum" sz="quarter" idx="12"/>
           </p:nvPr>
         </p:nvSpPr>
-        <p:spPr/>
+        <p:spPr bwMode="auto"/>
         <p:txBody>
           <a:bodyPr/>
           <a:lstStyle/>
           <a:p>
+            <a:pPr>
+              <a:defRPr/>
+            </a:pPr>
             <a:fld id="{F328D643-D204-4323-8445-14E75A213C1D}" type="slidenum">
-              <a:rPr lang="ru-RU" smtClean="0"/>
+              <a:rPr lang="ru-RU"/>
               <a:t>‹#›</a:t>
             </a:fld>
             <a:endParaRPr lang="ru-RU"/>
@@ -1691,11 +3033,6 @@
         </p:txBody>
       </p:sp>
     </p:spTree>
-    <p:extLst>
-      <p:ext uri="{BB962C8B-B14F-4D97-AF65-F5344CB8AC3E}">
-        <p14:creationId xmlns:p14="http://schemas.microsoft.com/office/powerpoint/2010/main" val="530029909"/>
-      </p:ext>
-    </p:extLst>
   </p:cSld>
   <p:clrMapOvr>
     <a:masterClrMapping/>
@@ -1704,7 +3041,7 @@
 </file>
 
 <file path=ppt/slideLayouts/slideLayout5.xml><?xml version="1.0" encoding="utf-8"?>
-<p:sldLayout xmlns:a="http://schemas.openxmlformats.org/drawingml/2006/main" xmlns:r="http://schemas.openxmlformats.org/officeDocument/2006/relationships" xmlns:p="http://schemas.openxmlformats.org/presentationml/2006/main" type="twoTxTwoObj" preserve="1">
+<p:sldLayout xmlns:a="http://schemas.openxmlformats.org/drawingml/2006/main" xmlns:r="http://schemas.openxmlformats.org/officeDocument/2006/relationships" xmlns:p="http://schemas.openxmlformats.org/presentationml/2006/main" xmlns:m="http://schemas.openxmlformats.org/officeDocument/2006/math" xmlns:w="http://schemas.openxmlformats.org/wordprocessingml/2006/main" matchingName="" preserve="1" showMasterPhAnim="0" showMasterSp="1" type="twoTxTwoObj" userDrawn="1">
   <p:cSld name="Сравнение">
     <p:spTree>
       <p:nvGrpSpPr>
@@ -1712,7 +3049,7 @@
         <p:cNvGrpSpPr/>
         <p:nvPr/>
       </p:nvGrpSpPr>
-      <p:grpSpPr>
+      <p:grpSpPr bwMode="auto">
         <a:xfrm>
           <a:off x="0" y="0"/>
           <a:ext cx="0" cy="0"/>
@@ -1722,7 +3059,7 @@
       </p:grpSpPr>
       <p:sp>
         <p:nvSpPr>
-          <p:cNvPr id="2" name="Title 1"/>
+          <p:cNvPr id="721877651" name="Title 1"/>
           <p:cNvSpPr>
             <a:spLocks noGrp="1"/>
           </p:cNvSpPr>
@@ -1730,7 +3067,7 @@
             <p:ph type="title"/>
           </p:nvPr>
         </p:nvSpPr>
-        <p:spPr>
+        <p:spPr bwMode="auto">
           <a:xfrm>
             <a:off x="1371600" y="685800"/>
             <a:ext cx="9601200" cy="1485900"/>
@@ -1748,17 +3085,20 @@
             </a:lvl1pPr>
           </a:lstStyle>
           <a:p>
-            <a:r>
-              <a:rPr lang="ru-RU" smtClean="0"/>
+            <a:pPr>
+              <a:defRPr/>
+            </a:pPr>
+            <a:r>
+              <a:rPr lang="ru-RU"/>
               <a:t>Образец заголовка</a:t>
             </a:r>
-            <a:endParaRPr lang="en-US" dirty="0"/>
-          </a:p>
-        </p:txBody>
-      </p:sp>
-      <p:sp>
-        <p:nvSpPr>
-          <p:cNvPr id="3" name="Text Placeholder 2"/>
+            <a:endParaRPr lang="en-US"/>
+          </a:p>
+        </p:txBody>
+      </p:sp>
+      <p:sp>
+        <p:nvSpPr>
+          <p:cNvPr id="1525821536" name="Text Placeholder 2"/>
           <p:cNvSpPr>
             <a:spLocks noGrp="1"/>
           </p:cNvSpPr>
@@ -1766,7 +3106,7 @@
             <p:ph type="body" idx="1"/>
           </p:nvPr>
         </p:nvSpPr>
-        <p:spPr>
+        <p:spPr bwMode="auto">
           <a:xfrm>
             <a:off x="1371600" y="2340864"/>
             <a:ext cx="4443984" cy="823912"/>
@@ -1788,7 +3128,7 @@
                 <a:spcPts val="0"/>
               </a:spcAft>
               <a:buNone/>
-              <a:defRPr sz="3000" b="0" baseline="0">
+              <a:defRPr sz="3000" b="0">
                 <a:solidFill>
                   <a:schemeClr val="tx2"/>
                 </a:solidFill>
@@ -1828,17 +3168,20 @@
             </a:lvl9pPr>
           </a:lstStyle>
           <a:p>
-            <a:pPr lvl="0"/>
-            <a:r>
-              <a:rPr lang="ru-RU" smtClean="0"/>
+            <a:pPr lvl="0">
+              <a:defRPr/>
+            </a:pPr>
+            <a:r>
+              <a:rPr lang="ru-RU"/>
               <a:t>Образец текста</a:t>
             </a:r>
-          </a:p>
-        </p:txBody>
-      </p:sp>
-      <p:sp>
-        <p:nvSpPr>
-          <p:cNvPr id="4" name="Content Placeholder 3"/>
+            <a:endParaRPr/>
+          </a:p>
+        </p:txBody>
+      </p:sp>
+      <p:sp>
+        <p:nvSpPr>
+          <p:cNvPr id="377855461" name="Content Placeholder 3"/>
           <p:cNvSpPr>
             <a:spLocks noGrp="1"/>
           </p:cNvSpPr>
@@ -1846,45 +3189,45 @@
             <p:ph sz="half" idx="2"/>
           </p:nvPr>
         </p:nvSpPr>
-        <p:spPr>
+        <p:spPr bwMode="auto">
           <a:xfrm>
-            <a:off x="1371600" y="3305207"/>
-            <a:ext cx="4443984" cy="2562193"/>
+            <a:off x="1371600" y="3305206"/>
+            <a:ext cx="4443984" cy="2562192"/>
           </a:xfrm>
         </p:spPr>
         <p:txBody>
           <a:bodyPr/>
           <a:lstStyle>
             <a:lvl1pPr>
-              <a:defRPr baseline="0">
+              <a:defRPr>
                 <a:solidFill>
                   <a:schemeClr val="tx2"/>
                 </a:solidFill>
               </a:defRPr>
             </a:lvl1pPr>
             <a:lvl2pPr>
-              <a:defRPr baseline="0">
+              <a:defRPr>
                 <a:solidFill>
                   <a:schemeClr val="tx2"/>
                 </a:solidFill>
               </a:defRPr>
             </a:lvl2pPr>
             <a:lvl3pPr>
-              <a:defRPr baseline="0">
+              <a:defRPr>
                 <a:solidFill>
                   <a:schemeClr val="tx2"/>
                 </a:solidFill>
               </a:defRPr>
             </a:lvl3pPr>
             <a:lvl4pPr>
-              <a:defRPr baseline="0">
+              <a:defRPr>
                 <a:solidFill>
                   <a:schemeClr val="tx2"/>
                 </a:solidFill>
               </a:defRPr>
             </a:lvl4pPr>
             <a:lvl5pPr>
-              <a:defRPr baseline="0">
+              <a:defRPr>
                 <a:solidFill>
                   <a:schemeClr val="tx2"/>
                 </a:solidFill>
@@ -1892,46 +3235,60 @@
             </a:lvl5pPr>
           </a:lstStyle>
           <a:p>
-            <a:pPr lvl="0"/>
-            <a:r>
-              <a:rPr lang="ru-RU" smtClean="0"/>
+            <a:pPr lvl="0">
+              <a:defRPr/>
+            </a:pPr>
+            <a:r>
+              <a:rPr lang="ru-RU"/>
               <a:t>Образец текста</a:t>
             </a:r>
-          </a:p>
-          <a:p>
-            <a:pPr lvl="1"/>
-            <a:r>
-              <a:rPr lang="ru-RU" smtClean="0"/>
+            <a:endParaRPr/>
+          </a:p>
+          <a:p>
+            <a:pPr lvl="1">
+              <a:defRPr/>
+            </a:pPr>
+            <a:r>
+              <a:rPr lang="ru-RU"/>
               <a:t>Второй уровень</a:t>
             </a:r>
-          </a:p>
-          <a:p>
-            <a:pPr lvl="2"/>
-            <a:r>
-              <a:rPr lang="ru-RU" smtClean="0"/>
+            <a:endParaRPr/>
+          </a:p>
+          <a:p>
+            <a:pPr lvl="2">
+              <a:defRPr/>
+            </a:pPr>
+            <a:r>
+              <a:rPr lang="ru-RU"/>
               <a:t>Третий уровень</a:t>
             </a:r>
-          </a:p>
-          <a:p>
-            <a:pPr lvl="3"/>
-            <a:r>
-              <a:rPr lang="ru-RU" smtClean="0"/>
+            <a:endParaRPr/>
+          </a:p>
+          <a:p>
+            <a:pPr lvl="3">
+              <a:defRPr/>
+            </a:pPr>
+            <a:r>
+              <a:rPr lang="ru-RU"/>
               <a:t>Четвертый уровень</a:t>
             </a:r>
-          </a:p>
-          <a:p>
-            <a:pPr lvl="4"/>
-            <a:r>
-              <a:rPr lang="ru-RU" smtClean="0"/>
+            <a:endParaRPr/>
+          </a:p>
+          <a:p>
+            <a:pPr lvl="4">
+              <a:defRPr/>
+            </a:pPr>
+            <a:r>
+              <a:rPr lang="ru-RU"/>
               <a:t>Пятый уровень</a:t>
             </a:r>
-            <a:endParaRPr lang="en-US" dirty="0"/>
-          </a:p>
-        </p:txBody>
-      </p:sp>
-      <p:sp>
-        <p:nvSpPr>
-          <p:cNvPr id="5" name="Text Placeholder 4"/>
+            <a:endParaRPr lang="en-US"/>
+          </a:p>
+        </p:txBody>
+      </p:sp>
+      <p:sp>
+        <p:nvSpPr>
+          <p:cNvPr id="128306719" name="Text Placeholder 4"/>
           <p:cNvSpPr>
             <a:spLocks noGrp="1"/>
           </p:cNvSpPr>
@@ -1939,7 +3296,7 @@
             <p:ph type="body" sz="quarter" idx="3"/>
           </p:nvPr>
         </p:nvSpPr>
-        <p:spPr>
+        <p:spPr bwMode="auto">
           <a:xfrm>
             <a:off x="6525014" y="2340864"/>
             <a:ext cx="4443984" cy="823912"/>
@@ -1961,7 +3318,7 @@
                 <a:spcPts val="0"/>
               </a:spcAft>
               <a:buNone/>
-              <a:defRPr sz="3000" b="0" baseline="0">
+              <a:defRPr sz="3000" b="0">
                 <a:solidFill>
                   <a:schemeClr val="tx2"/>
                 </a:solidFill>
@@ -2001,17 +3358,20 @@
             </a:lvl9pPr>
           </a:lstStyle>
           <a:p>
-            <a:pPr lvl="0"/>
-            <a:r>
-              <a:rPr lang="ru-RU" smtClean="0"/>
+            <a:pPr lvl="0">
+              <a:defRPr/>
+            </a:pPr>
+            <a:r>
+              <a:rPr lang="ru-RU"/>
               <a:t>Образец текста</a:t>
             </a:r>
-          </a:p>
-        </p:txBody>
-      </p:sp>
-      <p:sp>
-        <p:nvSpPr>
-          <p:cNvPr id="6" name="Content Placeholder 5"/>
+            <a:endParaRPr/>
+          </a:p>
+        </p:txBody>
+      </p:sp>
+      <p:sp>
+        <p:nvSpPr>
+          <p:cNvPr id="1072279164" name="Content Placeholder 5"/>
           <p:cNvSpPr>
             <a:spLocks noGrp="1"/>
           </p:cNvSpPr>
@@ -2019,45 +3379,45 @@
             <p:ph sz="quarter" idx="4"/>
           </p:nvPr>
         </p:nvSpPr>
-        <p:spPr>
+        <p:spPr bwMode="auto">
           <a:xfrm>
-            <a:off x="6525014" y="3305207"/>
-            <a:ext cx="4443984" cy="2562193"/>
+            <a:off x="6525014" y="3305206"/>
+            <a:ext cx="4443984" cy="2562192"/>
           </a:xfrm>
         </p:spPr>
         <p:txBody>
           <a:bodyPr/>
           <a:lstStyle>
             <a:lvl1pPr>
-              <a:defRPr baseline="0">
+              <a:defRPr>
                 <a:solidFill>
                   <a:schemeClr val="tx2"/>
                 </a:solidFill>
               </a:defRPr>
             </a:lvl1pPr>
             <a:lvl2pPr>
-              <a:defRPr baseline="0">
+              <a:defRPr>
                 <a:solidFill>
                   <a:schemeClr val="tx2"/>
                 </a:solidFill>
               </a:defRPr>
             </a:lvl2pPr>
             <a:lvl3pPr>
-              <a:defRPr baseline="0">
+              <a:defRPr>
                 <a:solidFill>
                   <a:schemeClr val="tx2"/>
                 </a:solidFill>
               </a:defRPr>
             </a:lvl3pPr>
             <a:lvl4pPr>
-              <a:defRPr baseline="0">
+              <a:defRPr>
                 <a:solidFill>
                   <a:schemeClr val="tx2"/>
                 </a:solidFill>
               </a:defRPr>
             </a:lvl4pPr>
             <a:lvl5pPr>
-              <a:defRPr baseline="0">
+              <a:defRPr>
                 <a:solidFill>
                   <a:schemeClr val="tx2"/>
                 </a:solidFill>
@@ -2065,46 +3425,60 @@
             </a:lvl5pPr>
           </a:lstStyle>
           <a:p>
-            <a:pPr lvl="0"/>
-            <a:r>
-              <a:rPr lang="ru-RU" smtClean="0"/>
+            <a:pPr lvl="0">
+              <a:defRPr/>
+            </a:pPr>
+            <a:r>
+              <a:rPr lang="ru-RU"/>
               <a:t>Образец текста</a:t>
             </a:r>
-          </a:p>
-          <a:p>
-            <a:pPr lvl="1"/>
-            <a:r>
-              <a:rPr lang="ru-RU" smtClean="0"/>
+            <a:endParaRPr/>
+          </a:p>
+          <a:p>
+            <a:pPr lvl="1">
+              <a:defRPr/>
+            </a:pPr>
+            <a:r>
+              <a:rPr lang="ru-RU"/>
               <a:t>Второй уровень</a:t>
             </a:r>
-          </a:p>
-          <a:p>
-            <a:pPr lvl="2"/>
-            <a:r>
-              <a:rPr lang="ru-RU" smtClean="0"/>
+            <a:endParaRPr/>
+          </a:p>
+          <a:p>
+            <a:pPr lvl="2">
+              <a:defRPr/>
+            </a:pPr>
+            <a:r>
+              <a:rPr lang="ru-RU"/>
               <a:t>Третий уровень</a:t>
             </a:r>
-          </a:p>
-          <a:p>
-            <a:pPr lvl="3"/>
-            <a:r>
-              <a:rPr lang="ru-RU" smtClean="0"/>
+            <a:endParaRPr/>
+          </a:p>
+          <a:p>
+            <a:pPr lvl="3">
+              <a:defRPr/>
+            </a:pPr>
+            <a:r>
+              <a:rPr lang="ru-RU"/>
               <a:t>Четвертый уровень</a:t>
             </a:r>
-          </a:p>
-          <a:p>
-            <a:pPr lvl="4"/>
-            <a:r>
-              <a:rPr lang="ru-RU" smtClean="0"/>
+            <a:endParaRPr/>
+          </a:p>
+          <a:p>
+            <a:pPr lvl="4">
+              <a:defRPr/>
+            </a:pPr>
+            <a:r>
+              <a:rPr lang="ru-RU"/>
               <a:t>Пятый уровень</a:t>
             </a:r>
-            <a:endParaRPr lang="en-US" dirty="0"/>
-          </a:p>
-        </p:txBody>
-      </p:sp>
-      <p:sp>
-        <p:nvSpPr>
-          <p:cNvPr id="7" name="Date Placeholder 6"/>
+            <a:endParaRPr lang="en-US"/>
+          </a:p>
+        </p:txBody>
+      </p:sp>
+      <p:sp>
+        <p:nvSpPr>
+          <p:cNvPr id="1559649293" name="Date Placeholder 6"/>
           <p:cNvSpPr>
             <a:spLocks noGrp="1"/>
           </p:cNvSpPr>
@@ -2112,13 +3486,16 @@
             <p:ph type="dt" sz="half" idx="10"/>
           </p:nvPr>
         </p:nvSpPr>
-        <p:spPr/>
+        <p:spPr bwMode="auto"/>
         <p:txBody>
           <a:bodyPr/>
           <a:lstStyle/>
           <a:p>
+            <a:pPr>
+              <a:defRPr/>
+            </a:pPr>
             <a:fld id="{B0182CC0-7576-4DBC-A383-03CB729E3741}" type="datetimeFigureOut">
-              <a:rPr lang="ru-RU" smtClean="0"/>
+              <a:rPr lang="ru-RU"/>
               <a:t>13.05.2025</a:t>
             </a:fld>
             <a:endParaRPr lang="ru-RU"/>
@@ -2127,7 +3504,7 @@
       </p:sp>
       <p:sp>
         <p:nvSpPr>
-          <p:cNvPr id="8" name="Footer Placeholder 7"/>
+          <p:cNvPr id="933147599" name="Footer Placeholder 7"/>
           <p:cNvSpPr>
             <a:spLocks noGrp="1"/>
           </p:cNvSpPr>
@@ -2135,18 +3512,21 @@
             <p:ph type="ftr" sz="quarter" idx="11"/>
           </p:nvPr>
         </p:nvSpPr>
-        <p:spPr/>
+        <p:spPr bwMode="auto"/>
         <p:txBody>
           <a:bodyPr/>
           <a:lstStyle/>
           <a:p>
+            <a:pPr>
+              <a:defRPr/>
+            </a:pPr>
             <a:endParaRPr lang="ru-RU"/>
           </a:p>
         </p:txBody>
       </p:sp>
       <p:sp>
         <p:nvSpPr>
-          <p:cNvPr id="9" name="Slide Number Placeholder 8"/>
+          <p:cNvPr id="43524610" name="Slide Number Placeholder 8"/>
           <p:cNvSpPr>
             <a:spLocks noGrp="1"/>
           </p:cNvSpPr>
@@ -2154,13 +3534,16 @@
             <p:ph type="sldNum" sz="quarter" idx="12"/>
           </p:nvPr>
         </p:nvSpPr>
-        <p:spPr/>
+        <p:spPr bwMode="auto"/>
         <p:txBody>
           <a:bodyPr/>
           <a:lstStyle/>
           <a:p>
+            <a:pPr>
+              <a:defRPr/>
+            </a:pPr>
             <a:fld id="{F328D643-D204-4323-8445-14E75A213C1D}" type="slidenum">
-              <a:rPr lang="ru-RU" smtClean="0"/>
+              <a:rPr lang="ru-RU"/>
               <a:t>‹#›</a:t>
             </a:fld>
             <a:endParaRPr lang="ru-RU"/>
@@ -2168,11 +3551,6 @@
         </p:txBody>
       </p:sp>
     </p:spTree>
-    <p:extLst>
-      <p:ext uri="{BB962C8B-B14F-4D97-AF65-F5344CB8AC3E}">
-        <p14:creationId xmlns:p14="http://schemas.microsoft.com/office/powerpoint/2010/main" val="3500613398"/>
-      </p:ext>
-    </p:extLst>
   </p:cSld>
   <p:clrMapOvr>
     <a:masterClrMapping/>
@@ -2181,7 +3559,7 @@
 </file>
 
 <file path=ppt/slideLayouts/slideLayout6.xml><?xml version="1.0" encoding="utf-8"?>
-<p:sldLayout xmlns:a="http://schemas.openxmlformats.org/drawingml/2006/main" xmlns:r="http://schemas.openxmlformats.org/officeDocument/2006/relationships" xmlns:p="http://schemas.openxmlformats.org/presentationml/2006/main" type="titleOnly" preserve="1">
+<p:sldLayout xmlns:a="http://schemas.openxmlformats.org/drawingml/2006/main" xmlns:r="http://schemas.openxmlformats.org/officeDocument/2006/relationships" xmlns:p="http://schemas.openxmlformats.org/presentationml/2006/main" xmlns:m="http://schemas.openxmlformats.org/officeDocument/2006/math" xmlns:w="http://schemas.openxmlformats.org/wordprocessingml/2006/main" matchingName="" preserve="1" showMasterPhAnim="0" showMasterSp="1" type="titleOnly" userDrawn="1">
   <p:cSld name="Только заголовок">
     <p:spTree>
       <p:nvGrpSpPr>
@@ -2189,7 +3567,7 @@
         <p:cNvGrpSpPr/>
         <p:nvPr/>
       </p:nvGrpSpPr>
-      <p:grpSpPr>
+      <p:grpSpPr bwMode="auto">
         <a:xfrm>
           <a:off x="0" y="0"/>
           <a:ext cx="0" cy="0"/>
@@ -2199,7 +3577,7 @@
       </p:grpSpPr>
       <p:sp>
         <p:nvSpPr>
-          <p:cNvPr id="2" name="Title 1"/>
+          <p:cNvPr id="778842763" name="Title 1"/>
           <p:cNvSpPr>
             <a:spLocks noGrp="1"/>
           </p:cNvSpPr>
@@ -2207,22 +3585,25 @@
             <p:ph type="title"/>
           </p:nvPr>
         </p:nvSpPr>
-        <p:spPr/>
+        <p:spPr bwMode="auto"/>
         <p:txBody>
           <a:bodyPr/>
           <a:lstStyle/>
           <a:p>
-            <a:r>
-              <a:rPr lang="ru-RU" smtClean="0"/>
+            <a:pPr>
+              <a:defRPr/>
+            </a:pPr>
+            <a:r>
+              <a:rPr lang="ru-RU"/>
               <a:t>Образец заголовка</a:t>
             </a:r>
-            <a:endParaRPr lang="en-US" dirty="0"/>
-          </a:p>
-        </p:txBody>
-      </p:sp>
-      <p:sp>
-        <p:nvSpPr>
-          <p:cNvPr id="3" name="Date Placeholder 2"/>
+            <a:endParaRPr lang="en-US"/>
+          </a:p>
+        </p:txBody>
+      </p:sp>
+      <p:sp>
+        <p:nvSpPr>
+          <p:cNvPr id="4814409" name="Date Placeholder 2"/>
           <p:cNvSpPr>
             <a:spLocks noGrp="1"/>
           </p:cNvSpPr>
@@ -2230,13 +3611,16 @@
             <p:ph type="dt" sz="half" idx="10"/>
           </p:nvPr>
         </p:nvSpPr>
-        <p:spPr/>
+        <p:spPr bwMode="auto"/>
         <p:txBody>
           <a:bodyPr/>
           <a:lstStyle/>
           <a:p>
+            <a:pPr>
+              <a:defRPr/>
+            </a:pPr>
             <a:fld id="{B0182CC0-7576-4DBC-A383-03CB729E3741}" type="datetimeFigureOut">
-              <a:rPr lang="ru-RU" smtClean="0"/>
+              <a:rPr lang="ru-RU"/>
               <a:t>13.05.2025</a:t>
             </a:fld>
             <a:endParaRPr lang="ru-RU"/>
@@ -2245,7 +3629,7 @@
       </p:sp>
       <p:sp>
         <p:nvSpPr>
-          <p:cNvPr id="4" name="Footer Placeholder 3"/>
+          <p:cNvPr id="1942524671" name="Footer Placeholder 3"/>
           <p:cNvSpPr>
             <a:spLocks noGrp="1"/>
           </p:cNvSpPr>
@@ -2253,18 +3637,21 @@
             <p:ph type="ftr" sz="quarter" idx="11"/>
           </p:nvPr>
         </p:nvSpPr>
-        <p:spPr/>
+        <p:spPr bwMode="auto"/>
         <p:txBody>
           <a:bodyPr/>
           <a:lstStyle/>
           <a:p>
+            <a:pPr>
+              <a:defRPr/>
+            </a:pPr>
             <a:endParaRPr lang="ru-RU"/>
           </a:p>
         </p:txBody>
       </p:sp>
       <p:sp>
         <p:nvSpPr>
-          <p:cNvPr id="5" name="Slide Number Placeholder 4"/>
+          <p:cNvPr id="1798579967" name="Slide Number Placeholder 4"/>
           <p:cNvSpPr>
             <a:spLocks noGrp="1"/>
           </p:cNvSpPr>
@@ -2272,13 +3659,16 @@
             <p:ph type="sldNum" sz="quarter" idx="12"/>
           </p:nvPr>
         </p:nvSpPr>
-        <p:spPr/>
+        <p:spPr bwMode="auto"/>
         <p:txBody>
           <a:bodyPr/>
           <a:lstStyle/>
           <a:p>
+            <a:pPr>
+              <a:defRPr/>
+            </a:pPr>
             <a:fld id="{F328D643-D204-4323-8445-14E75A213C1D}" type="slidenum">
-              <a:rPr lang="ru-RU" smtClean="0"/>
+              <a:rPr lang="ru-RU"/>
               <a:t>‹#›</a:t>
             </a:fld>
             <a:endParaRPr lang="ru-RU"/>
@@ -2286,11 +3676,6 @@
         </p:txBody>
       </p:sp>
     </p:spTree>
-    <p:extLst>
-      <p:ext uri="{BB962C8B-B14F-4D97-AF65-F5344CB8AC3E}">
-        <p14:creationId xmlns:p14="http://schemas.microsoft.com/office/powerpoint/2010/main" val="4111179385"/>
-      </p:ext>
-    </p:extLst>
   </p:cSld>
   <p:clrMapOvr>
     <a:masterClrMapping/>
@@ -2299,7 +3684,7 @@
 </file>
 
 <file path=ppt/slideLayouts/slideLayout7.xml><?xml version="1.0" encoding="utf-8"?>
-<p:sldLayout xmlns:a="http://schemas.openxmlformats.org/drawingml/2006/main" xmlns:r="http://schemas.openxmlformats.org/officeDocument/2006/relationships" xmlns:p="http://schemas.openxmlformats.org/presentationml/2006/main" type="blank" preserve="1">
+<p:sldLayout xmlns:a="http://schemas.openxmlformats.org/drawingml/2006/main" xmlns:r="http://schemas.openxmlformats.org/officeDocument/2006/relationships" xmlns:p="http://schemas.openxmlformats.org/presentationml/2006/main" xmlns:m="http://schemas.openxmlformats.org/officeDocument/2006/math" xmlns:w="http://schemas.openxmlformats.org/wordprocessingml/2006/main" matchingName="" preserve="1" showMasterPhAnim="0" showMasterSp="1" type="blank" userDrawn="1">
   <p:cSld name="Пустой слайд">
     <p:spTree>
       <p:nvGrpSpPr>
@@ -2307,7 +3692,7 @@
         <p:cNvGrpSpPr/>
         <p:nvPr/>
       </p:nvGrpSpPr>
-      <p:grpSpPr>
+      <p:grpSpPr bwMode="auto">
         <a:xfrm>
           <a:off x="0" y="0"/>
           <a:ext cx="0" cy="0"/>
@@ -2317,7 +3702,7 @@
       </p:grpSpPr>
       <p:sp>
         <p:nvSpPr>
-          <p:cNvPr id="2" name="Date Placeholder 1"/>
+          <p:cNvPr id="27959138" name="Date Placeholder 1"/>
           <p:cNvSpPr>
             <a:spLocks noGrp="1"/>
           </p:cNvSpPr>
@@ -2325,13 +3710,16 @@
             <p:ph type="dt" sz="half" idx="10"/>
           </p:nvPr>
         </p:nvSpPr>
-        <p:spPr/>
+        <p:spPr bwMode="auto"/>
         <p:txBody>
           <a:bodyPr/>
           <a:lstStyle/>
           <a:p>
+            <a:pPr>
+              <a:defRPr/>
+            </a:pPr>
             <a:fld id="{B0182CC0-7576-4DBC-A383-03CB729E3741}" type="datetimeFigureOut">
-              <a:rPr lang="ru-RU" smtClean="0"/>
+              <a:rPr lang="ru-RU"/>
               <a:t>13.05.2025</a:t>
             </a:fld>
             <a:endParaRPr lang="ru-RU"/>
@@ -2340,7 +3728,7 @@
       </p:sp>
       <p:sp>
         <p:nvSpPr>
-          <p:cNvPr id="3" name="Footer Placeholder 2"/>
+          <p:cNvPr id="1619746980" name="Footer Placeholder 2"/>
           <p:cNvSpPr>
             <a:spLocks noGrp="1"/>
           </p:cNvSpPr>
@@ -2348,18 +3736,21 @@
             <p:ph type="ftr" sz="quarter" idx="11"/>
           </p:nvPr>
         </p:nvSpPr>
-        <p:spPr/>
+        <p:spPr bwMode="auto"/>
         <p:txBody>
           <a:bodyPr/>
           <a:lstStyle/>
           <a:p>
+            <a:pPr>
+              <a:defRPr/>
+            </a:pPr>
             <a:endParaRPr lang="ru-RU"/>
           </a:p>
         </p:txBody>
       </p:sp>
       <p:sp>
         <p:nvSpPr>
-          <p:cNvPr id="4" name="Slide Number Placeholder 3"/>
+          <p:cNvPr id="1410359880" name="Slide Number Placeholder 3"/>
           <p:cNvSpPr>
             <a:spLocks noGrp="1"/>
           </p:cNvSpPr>
@@ -2367,13 +3758,16 @@
             <p:ph type="sldNum" sz="quarter" idx="12"/>
           </p:nvPr>
         </p:nvSpPr>
-        <p:spPr/>
+        <p:spPr bwMode="auto"/>
         <p:txBody>
           <a:bodyPr/>
           <a:lstStyle/>
           <a:p>
+            <a:pPr>
+              <a:defRPr/>
+            </a:pPr>
             <a:fld id="{F328D643-D204-4323-8445-14E75A213C1D}" type="slidenum">
-              <a:rPr lang="ru-RU" smtClean="0"/>
+              <a:rPr lang="ru-RU"/>
               <a:t>‹#›</a:t>
             </a:fld>
             <a:endParaRPr lang="ru-RU"/>
@@ -2381,11 +3775,6 @@
         </p:txBody>
       </p:sp>
     </p:spTree>
-    <p:extLst>
-      <p:ext uri="{BB962C8B-B14F-4D97-AF65-F5344CB8AC3E}">
-        <p14:creationId xmlns:p14="http://schemas.microsoft.com/office/powerpoint/2010/main" val="1363472721"/>
-      </p:ext>
-    </p:extLst>
   </p:cSld>
   <p:clrMapOvr>
     <a:masterClrMapping/>
@@ -2394,7 +3783,7 @@
 </file>
 
 <file path=ppt/slideLayouts/slideLayout8.xml><?xml version="1.0" encoding="utf-8"?>
-<p:sldLayout xmlns:a="http://schemas.openxmlformats.org/drawingml/2006/main" xmlns:r="http://schemas.openxmlformats.org/officeDocument/2006/relationships" xmlns:p="http://schemas.openxmlformats.org/presentationml/2006/main" showMasterSp="0" type="objTx" preserve="1">
+<p:sldLayout xmlns:a="http://schemas.openxmlformats.org/drawingml/2006/main" xmlns:r="http://schemas.openxmlformats.org/officeDocument/2006/relationships" xmlns:p="http://schemas.openxmlformats.org/presentationml/2006/main" xmlns:m="http://schemas.openxmlformats.org/officeDocument/2006/math" xmlns:w="http://schemas.openxmlformats.org/wordprocessingml/2006/main" matchingName="" preserve="1" showMasterPhAnim="0" showMasterSp="0" type="objTx" userDrawn="1">
   <p:cSld name="Объект с подписью">
     <p:spTree>
       <p:nvGrpSpPr>
@@ -2402,7 +3791,7 @@
         <p:cNvGrpSpPr/>
         <p:nvPr/>
       </p:nvGrpSpPr>
-      <p:grpSpPr>
+      <p:grpSpPr bwMode="auto">
         <a:xfrm>
           <a:off x="0" y="0"/>
           <a:ext cx="0" cy="0"/>
@@ -2412,11 +3801,11 @@
       </p:grpSpPr>
       <p:sp>
         <p:nvSpPr>
-          <p:cNvPr id="8" name="Rectangle 7" title="Background Shape"/>
+          <p:cNvPr id="1203124835" name="Rectangle 7" title="Background Shape"/>
           <p:cNvSpPr/>
           <p:nvPr/>
         </p:nvSpPr>
-        <p:spPr>
+        <p:spPr bwMode="auto">
           <a:xfrm>
             <a:off x="0" y="376"/>
             <a:ext cx="5303520" cy="6857624"/>
@@ -2450,7 +3839,7 @@
       </p:sp>
       <p:sp>
         <p:nvSpPr>
-          <p:cNvPr id="2" name="Title 1"/>
+          <p:cNvPr id="330743077" name="Title 1"/>
           <p:cNvSpPr>
             <a:spLocks noGrp="1"/>
           </p:cNvSpPr>
@@ -2458,7 +3847,7 @@
             <p:ph type="title"/>
           </p:nvPr>
         </p:nvSpPr>
-        <p:spPr>
+        <p:spPr bwMode="auto">
           <a:xfrm>
             <a:off x="723900" y="685800"/>
             <a:ext cx="3855720" cy="2157884"/>
@@ -2473,7 +3862,7 @@
               <a:lnSpc>
                 <a:spcPct val="84000"/>
               </a:lnSpc>
-              <a:defRPr sz="4800" baseline="0">
+              <a:defRPr sz="4800">
                 <a:solidFill>
                   <a:schemeClr val="tx2"/>
                 </a:solidFill>
@@ -2481,17 +3870,20 @@
             </a:lvl1pPr>
           </a:lstStyle>
           <a:p>
-            <a:r>
-              <a:rPr lang="ru-RU" smtClean="0"/>
+            <a:pPr>
+              <a:defRPr/>
+            </a:pPr>
+            <a:r>
+              <a:rPr lang="ru-RU"/>
               <a:t>Образец заголовка</a:t>
             </a:r>
-            <a:endParaRPr lang="en-US" dirty="0"/>
-          </a:p>
-        </p:txBody>
-      </p:sp>
-      <p:sp>
-        <p:nvSpPr>
-          <p:cNvPr id="3" name="Content Placeholder 2"/>
+            <a:endParaRPr lang="en-US"/>
+          </a:p>
+        </p:txBody>
+      </p:sp>
+      <p:sp>
+        <p:nvSpPr>
+          <p:cNvPr id="194865567" name="Content Placeholder 2"/>
           <p:cNvSpPr>
             <a:spLocks noGrp="1"/>
           </p:cNvSpPr>
@@ -2499,7 +3891,7 @@
             <p:ph idx="1"/>
           </p:nvPr>
         </p:nvSpPr>
-        <p:spPr>
+        <p:spPr bwMode="auto">
           <a:xfrm>
             <a:off x="6256020" y="685801"/>
             <a:ext cx="5212080" cy="5175250"/>
@@ -2537,46 +3929,60 @@
             </a:lvl9pPr>
           </a:lstStyle>
           <a:p>
-            <a:pPr lvl="0"/>
-            <a:r>
-              <a:rPr lang="ru-RU" smtClean="0"/>
+            <a:pPr lvl="0">
+              <a:defRPr/>
+            </a:pPr>
+            <a:r>
+              <a:rPr lang="ru-RU"/>
               <a:t>Образец текста</a:t>
             </a:r>
-          </a:p>
-          <a:p>
-            <a:pPr lvl="1"/>
-            <a:r>
-              <a:rPr lang="ru-RU" smtClean="0"/>
+            <a:endParaRPr/>
+          </a:p>
+          <a:p>
+            <a:pPr lvl="1">
+              <a:defRPr/>
+            </a:pPr>
+            <a:r>
+              <a:rPr lang="ru-RU"/>
               <a:t>Второй уровень</a:t>
             </a:r>
-          </a:p>
-          <a:p>
-            <a:pPr lvl="2"/>
-            <a:r>
-              <a:rPr lang="ru-RU" smtClean="0"/>
+            <a:endParaRPr/>
+          </a:p>
+          <a:p>
+            <a:pPr lvl="2">
+              <a:defRPr/>
+            </a:pPr>
+            <a:r>
+              <a:rPr lang="ru-RU"/>
               <a:t>Третий уровень</a:t>
             </a:r>
-          </a:p>
-          <a:p>
-            <a:pPr lvl="3"/>
-            <a:r>
-              <a:rPr lang="ru-RU" smtClean="0"/>
+            <a:endParaRPr/>
+          </a:p>
+          <a:p>
+            <a:pPr lvl="3">
+              <a:defRPr/>
+            </a:pPr>
+            <a:r>
+              <a:rPr lang="ru-RU"/>
               <a:t>Четвертый уровень</a:t>
             </a:r>
-          </a:p>
-          <a:p>
-            <a:pPr lvl="4"/>
-            <a:r>
-              <a:rPr lang="ru-RU" smtClean="0"/>
+            <a:endParaRPr/>
+          </a:p>
+          <a:p>
+            <a:pPr lvl="4">
+              <a:defRPr/>
+            </a:pPr>
+            <a:r>
+              <a:rPr lang="ru-RU"/>
               <a:t>Пятый уровень</a:t>
             </a:r>
-            <a:endParaRPr lang="en-US" dirty="0"/>
-          </a:p>
-        </p:txBody>
-      </p:sp>
-      <p:sp>
-        <p:nvSpPr>
-          <p:cNvPr id="4" name="Text Placeholder 3"/>
+            <a:endParaRPr lang="en-US"/>
+          </a:p>
+        </p:txBody>
+      </p:sp>
+      <p:sp>
+        <p:nvSpPr>
+          <p:cNvPr id="2013105943" name="Text Placeholder 3"/>
           <p:cNvSpPr>
             <a:spLocks noGrp="1"/>
           </p:cNvSpPr>
@@ -2584,7 +3990,7 @@
             <p:ph type="body" sz="half" idx="2"/>
           </p:nvPr>
         </p:nvSpPr>
-        <p:spPr>
+        <p:spPr bwMode="auto">
           <a:xfrm>
             <a:off x="723900" y="2856344"/>
             <a:ext cx="3855720" cy="3011056"/>
@@ -2595,7 +4001,7 @@
           <a:lstStyle>
             <a:lvl1pPr marL="0" indent="0">
               <a:lnSpc>
-                <a:spcPct val="113000"/>
+                <a:spcPct val="112999"/>
               </a:lnSpc>
               <a:spcBef>
                 <a:spcPts val="0"/>
@@ -2640,17 +4046,20 @@
             </a:lvl9pPr>
           </a:lstStyle>
           <a:p>
-            <a:pPr lvl="0"/>
-            <a:r>
-              <a:rPr lang="ru-RU" smtClean="0"/>
+            <a:pPr lvl="0">
+              <a:defRPr/>
+            </a:pPr>
+            <a:r>
+              <a:rPr lang="ru-RU"/>
               <a:t>Образец текста</a:t>
             </a:r>
-          </a:p>
-        </p:txBody>
-      </p:sp>
-      <p:sp>
-        <p:nvSpPr>
-          <p:cNvPr id="5" name="Date Placeholder 4"/>
+            <a:endParaRPr/>
+          </a:p>
+        </p:txBody>
+      </p:sp>
+      <p:sp>
+        <p:nvSpPr>
+          <p:cNvPr id="246727379" name="Date Placeholder 4"/>
           <p:cNvSpPr>
             <a:spLocks noGrp="1"/>
           </p:cNvSpPr>
@@ -2658,7 +4067,7 @@
             <p:ph type="dt" sz="half" idx="10"/>
           </p:nvPr>
         </p:nvSpPr>
-        <p:spPr>
+        <p:spPr bwMode="auto">
           <a:xfrm>
             <a:off x="723900" y="6453386"/>
             <a:ext cx="1204572" cy="404614"/>
@@ -2676,8 +4085,11 @@
             </a:lvl1pPr>
           </a:lstStyle>
           <a:p>
+            <a:pPr>
+              <a:defRPr/>
+            </a:pPr>
             <a:fld id="{B0182CC0-7576-4DBC-A383-03CB729E3741}" type="datetimeFigureOut">
-              <a:rPr lang="ru-RU" smtClean="0"/>
+              <a:rPr lang="ru-RU"/>
               <a:t>13.05.2025</a:t>
             </a:fld>
             <a:endParaRPr lang="ru-RU"/>
@@ -2686,7 +4098,7 @@
       </p:sp>
       <p:sp>
         <p:nvSpPr>
-          <p:cNvPr id="6" name="Footer Placeholder 5"/>
+          <p:cNvPr id="751398334" name="Footer Placeholder 5"/>
           <p:cNvSpPr>
             <a:spLocks noGrp="1"/>
           </p:cNvSpPr>
@@ -2694,7 +4106,7 @@
             <p:ph type="ftr" sz="quarter" idx="11"/>
           </p:nvPr>
         </p:nvSpPr>
-        <p:spPr>
+        <p:spPr bwMode="auto">
           <a:xfrm>
             <a:off x="2205945" y="6453386"/>
             <a:ext cx="2373675" cy="404614"/>
@@ -2712,13 +4124,16 @@
             </a:lvl1pPr>
           </a:lstStyle>
           <a:p>
+            <a:pPr>
+              <a:defRPr/>
+            </a:pPr>
             <a:endParaRPr lang="ru-RU"/>
           </a:p>
         </p:txBody>
       </p:sp>
       <p:sp>
         <p:nvSpPr>
-          <p:cNvPr id="7" name="Slide Number Placeholder 6"/>
+          <p:cNvPr id="1923739165" name="Slide Number Placeholder 6"/>
           <p:cNvSpPr>
             <a:spLocks noGrp="1"/>
           </p:cNvSpPr>
@@ -2726,7 +4141,7 @@
             <p:ph type="sldNum" sz="quarter" idx="12"/>
           </p:nvPr>
         </p:nvSpPr>
-        <p:spPr>
+        <p:spPr bwMode="auto">
           <a:xfrm>
             <a:off x="9883140" y="6453386"/>
             <a:ext cx="1596292" cy="404614"/>
@@ -2744,8 +4159,11 @@
             </a:lvl1pPr>
           </a:lstStyle>
           <a:p>
+            <a:pPr>
+              <a:defRPr/>
+            </a:pPr>
             <a:fld id="{F328D643-D204-4323-8445-14E75A213C1D}" type="slidenum">
-              <a:rPr lang="ru-RU" smtClean="0"/>
+              <a:rPr lang="ru-RU"/>
               <a:t>‹#›</a:t>
             </a:fld>
             <a:endParaRPr lang="ru-RU"/>
@@ -2754,11 +4172,11 @@
       </p:sp>
       <p:sp>
         <p:nvSpPr>
-          <p:cNvPr id="9" name="Rectangle 8" title="Divider Bar"/>
+          <p:cNvPr id="1658712730" name="Rectangle 8" title="Divider Bar"/>
           <p:cNvSpPr/>
           <p:nvPr/>
         </p:nvSpPr>
-        <p:spPr>
+        <p:spPr bwMode="auto">
           <a:xfrm>
             <a:off x="5303520" y="376"/>
             <a:ext cx="228600" cy="6858000"/>
@@ -2791,11 +4209,6 @@
         </p:style>
       </p:sp>
     </p:spTree>
-    <p:extLst>
-      <p:ext uri="{BB962C8B-B14F-4D97-AF65-F5344CB8AC3E}">
-        <p14:creationId xmlns:p14="http://schemas.microsoft.com/office/powerpoint/2010/main" val="3786094439"/>
-      </p:ext>
-    </p:extLst>
   </p:cSld>
   <p:clrMapOvr>
     <a:masterClrMapping/>
@@ -2804,7 +4217,7 @@
 </file>
 
 <file path=ppt/slideLayouts/slideLayout9.xml><?xml version="1.0" encoding="utf-8"?>
-<p:sldLayout xmlns:a="http://schemas.openxmlformats.org/drawingml/2006/main" xmlns:r="http://schemas.openxmlformats.org/officeDocument/2006/relationships" xmlns:p="http://schemas.openxmlformats.org/presentationml/2006/main" showMasterSp="0" type="picTx" preserve="1">
+<p:sldLayout xmlns:a="http://schemas.openxmlformats.org/drawingml/2006/main" xmlns:r="http://schemas.openxmlformats.org/officeDocument/2006/relationships" xmlns:p="http://schemas.openxmlformats.org/presentationml/2006/main" xmlns:m="http://schemas.openxmlformats.org/officeDocument/2006/math" xmlns:w="http://schemas.openxmlformats.org/wordprocessingml/2006/main" matchingName="" preserve="1" showMasterPhAnim="0" showMasterSp="0" type="picTx" userDrawn="1">
   <p:cSld name="Рисунок с подписью">
     <p:spTree>
       <p:nvGrpSpPr>
@@ -2812,7 +4225,7 @@
         <p:cNvGrpSpPr/>
         <p:nvPr/>
       </p:nvGrpSpPr>
-      <p:grpSpPr>
+      <p:grpSpPr bwMode="auto">
         <a:xfrm>
           <a:off x="0" y="0"/>
           <a:ext cx="0" cy="0"/>
@@ -2822,11 +4235,11 @@
       </p:grpSpPr>
       <p:sp>
         <p:nvSpPr>
-          <p:cNvPr id="8" name="Rectangle 7" title="Background Shape"/>
+          <p:cNvPr id="2056692048" name="Rectangle 7" title="Background Shape"/>
           <p:cNvSpPr/>
           <p:nvPr/>
         </p:nvSpPr>
-        <p:spPr>
+        <p:spPr bwMode="auto">
           <a:xfrm>
             <a:off x="0" y="376"/>
             <a:ext cx="5303520" cy="6857624"/>
@@ -2860,7 +4273,7 @@
       </p:sp>
       <p:sp>
         <p:nvSpPr>
-          <p:cNvPr id="2" name="Title 1"/>
+          <p:cNvPr id="373090440" name="Title 1"/>
           <p:cNvSpPr>
             <a:spLocks noGrp="1"/>
           </p:cNvSpPr>
@@ -2868,7 +4281,7 @@
             <p:ph type="title"/>
           </p:nvPr>
         </p:nvSpPr>
-        <p:spPr>
+        <p:spPr bwMode="auto">
           <a:xfrm>
             <a:off x="723900" y="685800"/>
             <a:ext cx="3855720" cy="2157884"/>
@@ -2883,29 +4296,32 @@
               <a:lnSpc>
                 <a:spcPct val="84000"/>
               </a:lnSpc>
-              <a:defRPr sz="4800" baseline="0"/>
+              <a:defRPr sz="4800"/>
             </a:lvl1pPr>
           </a:lstStyle>
           <a:p>
-            <a:r>
-              <a:rPr lang="ru-RU" smtClean="0"/>
+            <a:pPr>
+              <a:defRPr/>
+            </a:pPr>
+            <a:r>
+              <a:rPr lang="ru-RU"/>
               <a:t>Образец заголовка</a:t>
             </a:r>
-            <a:endParaRPr lang="en-US" dirty="0"/>
-          </a:p>
-        </p:txBody>
-      </p:sp>
-      <p:sp>
-        <p:nvSpPr>
-          <p:cNvPr id="3" name="Picture Placeholder 2"/>
-          <p:cNvSpPr>
-            <a:spLocks noGrp="1" noChangeAspect="1"/>
+            <a:endParaRPr lang="en-US"/>
+          </a:p>
+        </p:txBody>
+      </p:sp>
+      <p:sp>
+        <p:nvSpPr>
+          <p:cNvPr id="855347699" name="Picture Placeholder 2"/>
+          <p:cNvSpPr>
+            <a:spLocks noChangeAspect="1" noGrp="1"/>
           </p:cNvSpPr>
           <p:nvPr>
             <p:ph type="pic" idx="1"/>
           </p:nvPr>
         </p:nvSpPr>
-        <p:spPr>
+        <p:spPr bwMode="auto">
           <a:xfrm>
             <a:off x="5532120" y="0"/>
             <a:ext cx="6659880" cy="6857999"/>
@@ -2954,17 +4370,20 @@
             </a:lvl9pPr>
           </a:lstStyle>
           <a:p>
-            <a:r>
-              <a:rPr lang="ru-RU" smtClean="0"/>
+            <a:pPr>
+              <a:defRPr/>
+            </a:pPr>
+            <a:r>
+              <a:rPr lang="ru-RU"/>
               <a:t>Вставка рисунка</a:t>
             </a:r>
-            <a:endParaRPr lang="en-US" dirty="0"/>
-          </a:p>
-        </p:txBody>
-      </p:sp>
-      <p:sp>
-        <p:nvSpPr>
-          <p:cNvPr id="4" name="Text Placeholder 3"/>
+            <a:endParaRPr lang="en-US"/>
+          </a:p>
+        </p:txBody>
+      </p:sp>
+      <p:sp>
+        <p:nvSpPr>
+          <p:cNvPr id="668175625" name="Text Placeholder 3"/>
           <p:cNvSpPr>
             <a:spLocks noGrp="1"/>
           </p:cNvSpPr>
@@ -2972,7 +4391,7 @@
             <p:ph type="body" sz="half" idx="2"/>
           </p:nvPr>
         </p:nvSpPr>
-        <p:spPr>
+        <p:spPr bwMode="auto">
           <a:xfrm>
             <a:off x="723900" y="2855968"/>
             <a:ext cx="3855720" cy="3011432"/>
@@ -2983,7 +4402,7 @@
           <a:lstStyle>
             <a:lvl1pPr marL="0" indent="0">
               <a:lnSpc>
-                <a:spcPct val="113000"/>
+                <a:spcPct val="112999"/>
               </a:lnSpc>
               <a:spcBef>
                 <a:spcPts val="0"/>
@@ -3028,17 +4447,20 @@
             </a:lvl9pPr>
           </a:lstStyle>
           <a:p>
-            <a:pPr lvl="0"/>
-            <a:r>
-              <a:rPr lang="ru-RU" smtClean="0"/>
+            <a:pPr lvl="0">
+              <a:defRPr/>
+            </a:pPr>
+            <a:r>
+              <a:rPr lang="ru-RU"/>
               <a:t>Образец текста</a:t>
             </a:r>
-          </a:p>
-        </p:txBody>
-      </p:sp>
-      <p:sp>
-        <p:nvSpPr>
-          <p:cNvPr id="5" name="Date Placeholder 4"/>
+            <a:endParaRPr/>
+          </a:p>
+        </p:txBody>
+      </p:sp>
+      <p:sp>
+        <p:nvSpPr>
+          <p:cNvPr id="311585190" name="Date Placeholder 4"/>
           <p:cNvSpPr>
             <a:spLocks noGrp="1"/>
           </p:cNvSpPr>
@@ -3046,7 +4468,7 @@
             <p:ph type="dt" sz="half" idx="10"/>
           </p:nvPr>
         </p:nvSpPr>
-        <p:spPr>
+        <p:spPr bwMode="auto">
           <a:xfrm>
             <a:off x="723900" y="6453386"/>
             <a:ext cx="1204572" cy="404614"/>
@@ -3064,8 +4486,11 @@
             </a:lvl1pPr>
           </a:lstStyle>
           <a:p>
+            <a:pPr>
+              <a:defRPr/>
+            </a:pPr>
             <a:fld id="{B0182CC0-7576-4DBC-A383-03CB729E3741}" type="datetimeFigureOut">
-              <a:rPr lang="ru-RU" smtClean="0"/>
+              <a:rPr lang="ru-RU"/>
               <a:t>13.05.2025</a:t>
             </a:fld>
             <a:endParaRPr lang="ru-RU"/>
@@ -3074,7 +4499,7 @@
       </p:sp>
       <p:sp>
         <p:nvSpPr>
-          <p:cNvPr id="6" name="Footer Placeholder 5"/>
+          <p:cNvPr id="921663740" name="Footer Placeholder 5"/>
           <p:cNvSpPr>
             <a:spLocks noGrp="1"/>
           </p:cNvSpPr>
@@ -3082,7 +4507,7 @@
             <p:ph type="ftr" sz="quarter" idx="11"/>
           </p:nvPr>
         </p:nvSpPr>
-        <p:spPr>
+        <p:spPr bwMode="auto">
           <a:xfrm>
             <a:off x="2205945" y="6453386"/>
             <a:ext cx="2373675" cy="404614"/>
@@ -3100,13 +4525,16 @@
             </a:lvl1pPr>
           </a:lstStyle>
           <a:p>
+            <a:pPr>
+              <a:defRPr/>
+            </a:pPr>
             <a:endParaRPr lang="ru-RU"/>
           </a:p>
         </p:txBody>
       </p:sp>
       <p:sp>
         <p:nvSpPr>
-          <p:cNvPr id="7" name="Slide Number Placeholder 6"/>
+          <p:cNvPr id="1060053897" name="Slide Number Placeholder 6"/>
           <p:cNvSpPr>
             <a:spLocks noGrp="1"/>
           </p:cNvSpPr>
@@ -3114,7 +4542,7 @@
             <p:ph type="sldNum" sz="quarter" idx="12"/>
           </p:nvPr>
         </p:nvSpPr>
-        <p:spPr>
+        <p:spPr bwMode="auto">
           <a:xfrm>
             <a:off x="9883140" y="6453386"/>
             <a:ext cx="1596292" cy="404614"/>
@@ -3132,8 +4560,11 @@
             </a:lvl1pPr>
           </a:lstStyle>
           <a:p>
+            <a:pPr>
+              <a:defRPr/>
+            </a:pPr>
             <a:fld id="{F328D643-D204-4323-8445-14E75A213C1D}" type="slidenum">
-              <a:rPr lang="ru-RU" smtClean="0"/>
+              <a:rPr lang="ru-RU"/>
               <a:t>‹#›</a:t>
             </a:fld>
             <a:endParaRPr lang="ru-RU"/>
@@ -3142,11 +4573,11 @@
       </p:sp>
       <p:sp>
         <p:nvSpPr>
-          <p:cNvPr id="9" name="Rectangle 8" title="Divider Bar"/>
+          <p:cNvPr id="1156251963" name="Rectangle 8" title="Divider Bar"/>
           <p:cNvSpPr/>
           <p:nvPr/>
         </p:nvSpPr>
-        <p:spPr>
+        <p:spPr bwMode="auto">
           <a:xfrm>
             <a:off x="5303520" y="376"/>
             <a:ext cx="228600" cy="6858000"/>
@@ -3179,11 +4610,6 @@
         </p:style>
       </p:sp>
     </p:spTree>
-    <p:extLst>
-      <p:ext uri="{BB962C8B-B14F-4D97-AF65-F5344CB8AC3E}">
-        <p14:creationId xmlns:p14="http://schemas.microsoft.com/office/powerpoint/2010/main" val="1539340485"/>
-      </p:ext>
-    </p:extLst>
   </p:cSld>
   <p:clrMapOvr>
     <a:masterClrMapping/>
@@ -3192,14 +4618,13 @@
 </file>
 
 <file path=ppt/slideMasters/slideMaster1.xml><?xml version="1.0" encoding="utf-8"?>
-<p:sldMaster xmlns:a="http://schemas.openxmlformats.org/drawingml/2006/main" xmlns:r="http://schemas.openxmlformats.org/officeDocument/2006/relationships" xmlns:p="http://schemas.openxmlformats.org/presentationml/2006/main">
-  <p:cSld>
+<p:sldMaster xmlns:a="http://schemas.openxmlformats.org/drawingml/2006/main" xmlns:r="http://schemas.openxmlformats.org/officeDocument/2006/relationships" xmlns:p="http://schemas.openxmlformats.org/presentationml/2006/main" xmlns:m="http://schemas.openxmlformats.org/officeDocument/2006/math" xmlns:w="http://schemas.openxmlformats.org/wordprocessingml/2006/main" preserve="0">
+  <p:cSld name="">
     <p:bg>
-      <p:bgPr>
+      <p:bgPr shadeToTitle="0">
         <a:solidFill>
           <a:schemeClr val="bg2"/>
         </a:solidFill>
-        <a:effectLst/>
       </p:bgPr>
     </p:bg>
     <p:spTree>
@@ -3208,7 +4633,7 @@
         <p:cNvGrpSpPr/>
         <p:nvPr/>
       </p:nvGrpSpPr>
-      <p:grpSpPr>
+      <p:grpSpPr bwMode="auto">
         <a:xfrm>
           <a:off x="0" y="0"/>
           <a:ext cx="0" cy="0"/>
@@ -3218,7 +4643,7 @@
       </p:grpSpPr>
       <p:sp>
         <p:nvSpPr>
-          <p:cNvPr id="2" name="Title Placeholder 1"/>
+          <p:cNvPr id="481752016" name="Title Placeholder 1"/>
           <p:cNvSpPr>
             <a:spLocks noGrp="1"/>
           </p:cNvSpPr>
@@ -3226,7 +4651,7 @@
             <p:ph type="title"/>
           </p:nvPr>
         </p:nvSpPr>
-        <p:spPr>
+        <p:spPr bwMode="auto">
           <a:xfrm>
             <a:off x="1371600" y="685800"/>
             <a:ext cx="9601200" cy="1485900"/>
@@ -3241,17 +4666,20 @@
           </a:bodyPr>
           <a:lstStyle/>
           <a:p>
-            <a:r>
-              <a:rPr lang="ru-RU" smtClean="0"/>
+            <a:pPr>
+              <a:defRPr/>
+            </a:pPr>
+            <a:r>
+              <a:rPr lang="ru-RU"/>
               <a:t>Образец заголовка</a:t>
             </a:r>
-            <a:endParaRPr lang="en-US" dirty="0"/>
-          </a:p>
-        </p:txBody>
-      </p:sp>
-      <p:sp>
-        <p:nvSpPr>
-          <p:cNvPr id="3" name="Text Placeholder 2"/>
+            <a:endParaRPr lang="en-US"/>
+          </a:p>
+        </p:txBody>
+      </p:sp>
+      <p:sp>
+        <p:nvSpPr>
+          <p:cNvPr id="327620825" name="Text Placeholder 2"/>
           <p:cNvSpPr>
             <a:spLocks noGrp="1"/>
           </p:cNvSpPr>
@@ -3259,7 +4687,7 @@
             <p:ph type="body" idx="1"/>
           </p:nvPr>
         </p:nvSpPr>
-        <p:spPr>
+        <p:spPr bwMode="auto">
           <a:xfrm>
             <a:off x="1371600" y="2286000"/>
             <a:ext cx="9601200" cy="3581400"/>
@@ -3274,46 +4702,60 @@
           </a:bodyPr>
           <a:lstStyle/>
           <a:p>
-            <a:pPr lvl="0"/>
-            <a:r>
-              <a:rPr lang="ru-RU" smtClean="0"/>
+            <a:pPr lvl="0">
+              <a:defRPr/>
+            </a:pPr>
+            <a:r>
+              <a:rPr lang="ru-RU"/>
               <a:t>Образец текста</a:t>
             </a:r>
-          </a:p>
-          <a:p>
-            <a:pPr lvl="1"/>
-            <a:r>
-              <a:rPr lang="ru-RU" smtClean="0"/>
+            <a:endParaRPr/>
+          </a:p>
+          <a:p>
+            <a:pPr lvl="1">
+              <a:defRPr/>
+            </a:pPr>
+            <a:r>
+              <a:rPr lang="ru-RU"/>
               <a:t>Второй уровень</a:t>
             </a:r>
-          </a:p>
-          <a:p>
-            <a:pPr lvl="2"/>
-            <a:r>
-              <a:rPr lang="ru-RU" smtClean="0"/>
+            <a:endParaRPr/>
+          </a:p>
+          <a:p>
+            <a:pPr lvl="2">
+              <a:defRPr/>
+            </a:pPr>
+            <a:r>
+              <a:rPr lang="ru-RU"/>
               <a:t>Третий уровень</a:t>
             </a:r>
-          </a:p>
-          <a:p>
-            <a:pPr lvl="3"/>
-            <a:r>
-              <a:rPr lang="ru-RU" smtClean="0"/>
+            <a:endParaRPr/>
+          </a:p>
+          <a:p>
+            <a:pPr lvl="3">
+              <a:defRPr/>
+            </a:pPr>
+            <a:r>
+              <a:rPr lang="ru-RU"/>
               <a:t>Четвертый уровень</a:t>
             </a:r>
-          </a:p>
-          <a:p>
-            <a:pPr lvl="4"/>
-            <a:r>
-              <a:rPr lang="ru-RU" smtClean="0"/>
+            <a:endParaRPr/>
+          </a:p>
+          <a:p>
+            <a:pPr lvl="4">
+              <a:defRPr/>
+            </a:pPr>
+            <a:r>
+              <a:rPr lang="ru-RU"/>
               <a:t>Пятый уровень</a:t>
             </a:r>
-            <a:endParaRPr lang="en-US" dirty="0"/>
-          </a:p>
-        </p:txBody>
-      </p:sp>
-      <p:sp>
-        <p:nvSpPr>
-          <p:cNvPr id="4" name="Date Placeholder 3"/>
+            <a:endParaRPr lang="en-US"/>
+          </a:p>
+        </p:txBody>
+      </p:sp>
+      <p:sp>
+        <p:nvSpPr>
+          <p:cNvPr id="628859117" name="Date Placeholder 3"/>
           <p:cNvSpPr>
             <a:spLocks noGrp="1"/>
           </p:cNvSpPr>
@@ -3321,7 +4763,7 @@
             <p:ph type="dt" sz="half" idx="2"/>
           </p:nvPr>
         </p:nvSpPr>
-        <p:spPr>
+        <p:spPr bwMode="auto">
           <a:xfrm>
             <a:off x="1390650" y="6453386"/>
             <a:ext cx="1204572" cy="404614"/>
@@ -3334,7 +4776,7 @@
           <a:bodyPr vert="horz" lIns="91440" tIns="45720" rIns="91440" bIns="45720" rtlCol="0" anchor="ctr"/>
           <a:lstStyle>
             <a:lvl1pPr algn="l">
-              <a:defRPr sz="1200" baseline="0">
+              <a:defRPr sz="1200">
                 <a:solidFill>
                   <a:schemeClr val="tx2"/>
                 </a:solidFill>
@@ -3342,8 +4784,11 @@
             </a:lvl1pPr>
           </a:lstStyle>
           <a:p>
+            <a:pPr>
+              <a:defRPr/>
+            </a:pPr>
             <a:fld id="{B0182CC0-7576-4DBC-A383-03CB729E3741}" type="datetimeFigureOut">
-              <a:rPr lang="ru-RU" smtClean="0"/>
+              <a:rPr lang="ru-RU"/>
               <a:t>13.05.2025</a:t>
             </a:fld>
             <a:endParaRPr lang="ru-RU"/>
@@ -3352,7 +4797,7 @@
       </p:sp>
       <p:sp>
         <p:nvSpPr>
-          <p:cNvPr id="5" name="Footer Placeholder 4"/>
+          <p:cNvPr id="411427325" name="Footer Placeholder 4"/>
           <p:cNvSpPr>
             <a:spLocks noGrp="1"/>
           </p:cNvSpPr>
@@ -3360,7 +4805,7 @@
             <p:ph type="ftr" sz="quarter" idx="3"/>
           </p:nvPr>
         </p:nvSpPr>
-        <p:spPr>
+        <p:spPr bwMode="auto">
           <a:xfrm>
             <a:off x="2893564" y="6453386"/>
             <a:ext cx="6280830" cy="404614"/>
@@ -3373,7 +4818,7 @@
           <a:bodyPr vert="horz" lIns="91440" tIns="45720" rIns="91440" bIns="45720" rtlCol="0" anchor="ctr"/>
           <a:lstStyle>
             <a:lvl1pPr algn="l">
-              <a:defRPr sz="1200" baseline="0">
+              <a:defRPr sz="1200">
                 <a:solidFill>
                   <a:schemeClr val="tx2"/>
                 </a:solidFill>
@@ -3381,13 +4826,16 @@
             </a:lvl1pPr>
           </a:lstStyle>
           <a:p>
+            <a:pPr>
+              <a:defRPr/>
+            </a:pPr>
             <a:endParaRPr lang="ru-RU"/>
           </a:p>
         </p:txBody>
       </p:sp>
       <p:sp>
         <p:nvSpPr>
-          <p:cNvPr id="6" name="Slide Number Placeholder 5"/>
+          <p:cNvPr id="335541716" name="Slide Number Placeholder 5"/>
           <p:cNvSpPr>
             <a:spLocks noGrp="1"/>
           </p:cNvSpPr>
@@ -3395,7 +4843,7 @@
             <p:ph type="sldNum" sz="quarter" idx="4"/>
           </p:nvPr>
         </p:nvSpPr>
-        <p:spPr>
+        <p:spPr bwMode="auto">
           <a:xfrm>
             <a:off x="9472736" y="6453386"/>
             <a:ext cx="1596292" cy="404614"/>
@@ -3408,7 +4856,7 @@
           <a:bodyPr vert="horz" lIns="91440" tIns="45720" rIns="91440" bIns="45720" rtlCol="0" anchor="ctr"/>
           <a:lstStyle>
             <a:lvl1pPr algn="r">
-              <a:defRPr sz="1200" baseline="0">
+              <a:defRPr sz="1200">
                 <a:solidFill>
                   <a:schemeClr val="tx2"/>
                 </a:solidFill>
@@ -3416,8 +4864,11 @@
             </a:lvl1pPr>
           </a:lstStyle>
           <a:p>
+            <a:pPr>
+              <a:defRPr/>
+            </a:pPr>
             <a:fld id="{F328D643-D204-4323-8445-14E75A213C1D}" type="slidenum">
-              <a:rPr lang="ru-RU" smtClean="0"/>
+              <a:rPr lang="ru-RU"/>
               <a:t>‹#›</a:t>
             </a:fld>
             <a:endParaRPr lang="ru-RU"/>
@@ -3426,11 +4877,11 @@
       </p:sp>
       <p:sp>
         <p:nvSpPr>
-          <p:cNvPr id="9" name="Rectangle 8" title="Side bar"/>
+          <p:cNvPr id="1721199469" name="Rectangle 8" title="Side bar"/>
           <p:cNvSpPr/>
           <p:nvPr/>
         </p:nvSpPr>
-        <p:spPr>
+        <p:spPr bwMode="auto">
           <a:xfrm>
             <a:off x="478095" y="376"/>
             <a:ext cx="228600" cy="6858000"/>
@@ -3463,37 +4914,32 @@
         </p:style>
       </p:sp>
     </p:spTree>
-    <p:extLst>
-      <p:ext uri="{BB962C8B-B14F-4D97-AF65-F5344CB8AC3E}">
-        <p14:creationId xmlns:p14="http://schemas.microsoft.com/office/powerpoint/2010/main" val="3533867543"/>
-      </p:ext>
-    </p:extLst>
   </p:cSld>
   <p:clrMap bg1="lt1" tx1="dk1" bg2="lt2" tx2="dk2" accent1="accent1" accent2="accent2" accent3="accent3" accent4="accent4" accent5="accent5" accent6="accent6" hlink="hlink" folHlink="folHlink"/>
   <p:sldLayoutIdLst>
-    <p:sldLayoutId id="2147483685" r:id="rId1"/>
-    <p:sldLayoutId id="2147483686" r:id="rId2"/>
-    <p:sldLayoutId id="2147483687" r:id="rId3"/>
-    <p:sldLayoutId id="2147483688" r:id="rId4"/>
-    <p:sldLayoutId id="2147483689" r:id="rId5"/>
-    <p:sldLayoutId id="2147483690" r:id="rId6"/>
-    <p:sldLayoutId id="2147483691" r:id="rId7"/>
-    <p:sldLayoutId id="2147483692" r:id="rId8"/>
-    <p:sldLayoutId id="2147483693" r:id="rId9"/>
-    <p:sldLayoutId id="2147483694" r:id="rId10"/>
-    <p:sldLayoutId id="2147483695" r:id="rId11"/>
+    <p:sldLayoutId id="2147483649" r:id="rId1"/>
+    <p:sldLayoutId id="2147483650" r:id="rId2"/>
+    <p:sldLayoutId id="2147483651" r:id="rId3"/>
+    <p:sldLayoutId id="2147483652" r:id="rId4"/>
+    <p:sldLayoutId id="2147483653" r:id="rId5"/>
+    <p:sldLayoutId id="2147483654" r:id="rId6"/>
+    <p:sldLayoutId id="2147483655" r:id="rId7"/>
+    <p:sldLayoutId id="2147483656" r:id="rId8"/>
+    <p:sldLayoutId id="2147483657" r:id="rId9"/>
+    <p:sldLayoutId id="2147483658" r:id="rId10"/>
+    <p:sldLayoutId id="2147483659" r:id="rId11"/>
   </p:sldLayoutIdLst>
   <p:txStyles>
     <p:titleStyle>
-      <a:lvl1pPr algn="l" defTabSz="914400" rtl="0" eaLnBrk="1" latinLnBrk="0" hangingPunct="1">
+      <a:lvl1pPr algn="l" defTabSz="914400">
         <a:lnSpc>
           <a:spcPct val="89000"/>
         </a:lnSpc>
         <a:spcBef>
-          <a:spcPct val="0"/>
+          <a:spcPts val="0"/>
         </a:spcBef>
         <a:buNone/>
-        <a:defRPr sz="4400" kern="1200" baseline="0">
+        <a:defRPr sz="4400">
           <a:solidFill>
             <a:schemeClr val="tx2"/>
           </a:solidFill>
@@ -3504,7 +4950,7 @@
       </a:lvl1pPr>
     </p:titleStyle>
     <p:bodyStyle>
-      <a:lvl1pPr marL="384048" indent="-384048" algn="l" defTabSz="914400" rtl="0" eaLnBrk="1" latinLnBrk="0" hangingPunct="1">
+      <a:lvl1pPr marL="384048" indent="-384048" algn="l" defTabSz="914400">
         <a:lnSpc>
           <a:spcPct val="94000"/>
         </a:lnSpc>
@@ -3514,9 +4960,9 @@
         <a:spcAft>
           <a:spcPts val="200"/>
         </a:spcAft>
-        <a:buFont typeface="Franklin Gothic Book" panose="020B0503020102020204" pitchFamily="34" charset="0"/>
+        <a:buFont typeface="Franklin Gothic Book"/>
         <a:buChar char="■"/>
-        <a:defRPr sz="2000" kern="1200" baseline="0">
+        <a:defRPr sz="2000">
           <a:solidFill>
             <a:schemeClr val="tx2"/>
           </a:solidFill>
@@ -3525,7 +4971,7 @@
           <a:cs typeface="+mn-cs"/>
         </a:defRPr>
       </a:lvl1pPr>
-      <a:lvl2pPr marL="914400" indent="-384048" algn="l" defTabSz="914400" rtl="0" eaLnBrk="1" latinLnBrk="0" hangingPunct="1">
+      <a:lvl2pPr marL="914400" indent="-384048" algn="l" defTabSz="914400">
         <a:lnSpc>
           <a:spcPct val="94000"/>
         </a:lnSpc>
@@ -3535,9 +4981,9 @@
         <a:spcAft>
           <a:spcPts val="200"/>
         </a:spcAft>
-        <a:buFont typeface="Franklin Gothic Book" panose="020B0503020102020204" pitchFamily="34" charset="0"/>
+        <a:buFont typeface="Franklin Gothic Book"/>
         <a:buChar char="–"/>
-        <a:defRPr sz="2000" i="1" kern="1200" baseline="0">
+        <a:defRPr sz="2000" i="1">
           <a:solidFill>
             <a:schemeClr val="tx2"/>
           </a:solidFill>
@@ -3546,7 +4992,7 @@
           <a:cs typeface="+mn-cs"/>
         </a:defRPr>
       </a:lvl2pPr>
-      <a:lvl3pPr marL="1371600" indent="-384048" algn="l" defTabSz="914400" rtl="0" eaLnBrk="1" latinLnBrk="0" hangingPunct="1">
+      <a:lvl3pPr marL="1371600" indent="-384048" algn="l" defTabSz="914400">
         <a:lnSpc>
           <a:spcPct val="94000"/>
         </a:lnSpc>
@@ -3556,9 +5002,9 @@
         <a:spcAft>
           <a:spcPts val="200"/>
         </a:spcAft>
-        <a:buFont typeface="Franklin Gothic Book" panose="020B0503020102020204" pitchFamily="34" charset="0"/>
+        <a:buFont typeface="Franklin Gothic Book"/>
         <a:buChar char="■"/>
-        <a:defRPr sz="1800" kern="1200" baseline="0">
+        <a:defRPr sz="1800">
           <a:solidFill>
             <a:schemeClr val="tx2"/>
           </a:solidFill>
@@ -3567,7 +5013,7 @@
           <a:cs typeface="+mn-cs"/>
         </a:defRPr>
       </a:lvl3pPr>
-      <a:lvl4pPr marL="1828800" indent="-384048" algn="l" defTabSz="914400" rtl="0" eaLnBrk="1" latinLnBrk="0" hangingPunct="1">
+      <a:lvl4pPr marL="1828800" indent="-384048" algn="l" defTabSz="914400">
         <a:lnSpc>
           <a:spcPct val="94000"/>
         </a:lnSpc>
@@ -3577,9 +5023,9 @@
         <a:spcAft>
           <a:spcPts val="200"/>
         </a:spcAft>
-        <a:buFont typeface="Franklin Gothic Book" panose="020B0503020102020204" pitchFamily="34" charset="0"/>
+        <a:buFont typeface="Franklin Gothic Book"/>
         <a:buChar char="–"/>
-        <a:defRPr sz="1800" i="1" kern="1200" baseline="0">
+        <a:defRPr sz="1800" i="1">
           <a:solidFill>
             <a:schemeClr val="tx2"/>
           </a:solidFill>
@@ -3588,7 +5034,7 @@
           <a:cs typeface="+mn-cs"/>
         </a:defRPr>
       </a:lvl4pPr>
-      <a:lvl5pPr marL="2286000" indent="-384048" algn="l" defTabSz="914400" rtl="0" eaLnBrk="1" latinLnBrk="0" hangingPunct="1">
+      <a:lvl5pPr marL="2286000" indent="-384048" algn="l" defTabSz="914400">
         <a:lnSpc>
           <a:spcPct val="94000"/>
         </a:lnSpc>
@@ -3598,9 +5044,9 @@
         <a:spcAft>
           <a:spcPts val="200"/>
         </a:spcAft>
-        <a:buFont typeface="Franklin Gothic Book" panose="020B0503020102020204" pitchFamily="34" charset="0"/>
+        <a:buFont typeface="Franklin Gothic Book"/>
         <a:buChar char="■"/>
-        <a:defRPr sz="1600" kern="1200" baseline="0">
+        <a:defRPr sz="1600">
           <a:solidFill>
             <a:schemeClr val="tx2"/>
           </a:solidFill>
@@ -3609,7 +5055,7 @@
           <a:cs typeface="+mn-cs"/>
         </a:defRPr>
       </a:lvl5pPr>
-      <a:lvl6pPr marL="2743200" indent="-384048" algn="l" defTabSz="914400" rtl="0" eaLnBrk="1" latinLnBrk="0" hangingPunct="1">
+      <a:lvl6pPr marL="2743200" indent="-384048" algn="l" defTabSz="914400">
         <a:lnSpc>
           <a:spcPct val="94000"/>
         </a:lnSpc>
@@ -3619,9 +5065,9 @@
         <a:spcAft>
           <a:spcPts val="200"/>
         </a:spcAft>
-        <a:buFont typeface="Franklin Gothic Book" panose="020B0503020102020204" pitchFamily="34" charset="0"/>
+        <a:buFont typeface="Franklin Gothic Book"/>
         <a:buChar char="–"/>
-        <a:defRPr sz="1600" i="1" kern="1200" baseline="0">
+        <a:defRPr sz="1600" i="1">
           <a:solidFill>
             <a:schemeClr val="tx2"/>
           </a:solidFill>
@@ -3630,7 +5076,7 @@
           <a:cs typeface="+mn-cs"/>
         </a:defRPr>
       </a:lvl6pPr>
-      <a:lvl7pPr marL="3200400" indent="-384048" algn="l" defTabSz="914400" rtl="0" eaLnBrk="1" latinLnBrk="0" hangingPunct="1">
+      <a:lvl7pPr marL="3200400" indent="-384048" algn="l" defTabSz="914400">
         <a:lnSpc>
           <a:spcPct val="94000"/>
         </a:lnSpc>
@@ -3640,9 +5086,9 @@
         <a:spcAft>
           <a:spcPts val="200"/>
         </a:spcAft>
-        <a:buFont typeface="Franklin Gothic Book" panose="020B0503020102020204" pitchFamily="34" charset="0"/>
+        <a:buFont typeface="Franklin Gothic Book"/>
         <a:buChar char="■"/>
-        <a:defRPr sz="1400" kern="1200" baseline="0">
+        <a:defRPr sz="1400">
           <a:solidFill>
             <a:schemeClr val="tx2"/>
           </a:solidFill>
@@ -3651,7 +5097,7 @@
           <a:cs typeface="+mn-cs"/>
         </a:defRPr>
       </a:lvl7pPr>
-      <a:lvl8pPr marL="3657600" indent="-384048" algn="l" defTabSz="914400" rtl="0" eaLnBrk="1" latinLnBrk="0" hangingPunct="1">
+      <a:lvl8pPr marL="3657600" indent="-384048" algn="l" defTabSz="914400">
         <a:lnSpc>
           <a:spcPct val="94000"/>
         </a:lnSpc>
@@ -3661,9 +5107,9 @@
         <a:spcAft>
           <a:spcPts val="200"/>
         </a:spcAft>
-        <a:buFont typeface="Franklin Gothic Book" panose="020B0503020102020204" pitchFamily="34" charset="0"/>
+        <a:buFont typeface="Franklin Gothic Book"/>
         <a:buChar char="–"/>
-        <a:defRPr sz="1400" i="1" kern="1200" baseline="0">
+        <a:defRPr sz="1400" i="1">
           <a:solidFill>
             <a:schemeClr val="tx2"/>
           </a:solidFill>
@@ -3672,7 +5118,7 @@
           <a:cs typeface="+mn-cs"/>
         </a:defRPr>
       </a:lvl8pPr>
-      <a:lvl9pPr marL="4114800" indent="-384048" algn="l" defTabSz="914400" rtl="0" eaLnBrk="1" latinLnBrk="0" hangingPunct="1">
+      <a:lvl9pPr marL="4114800" indent="-384048" algn="l" defTabSz="914400">
         <a:lnSpc>
           <a:spcPct val="94000"/>
         </a:lnSpc>
@@ -3682,9 +5128,9 @@
         <a:spcAft>
           <a:spcPts val="200"/>
         </a:spcAft>
-        <a:buFont typeface="Franklin Gothic Book" panose="020B0503020102020204" pitchFamily="34" charset="0"/>
+        <a:buFont typeface="Franklin Gothic Book"/>
         <a:buChar char="■"/>
-        <a:defRPr sz="1400" kern="1200" baseline="0">
+        <a:defRPr sz="1400">
           <a:solidFill>
             <a:schemeClr val="tx2"/>
           </a:solidFill>
@@ -3698,8 +5144,8 @@
       <a:defPPr>
         <a:defRPr lang="en-US"/>
       </a:defPPr>
-      <a:lvl1pPr marL="0" algn="l" defTabSz="914400" rtl="0" eaLnBrk="1" latinLnBrk="0" hangingPunct="1">
-        <a:defRPr sz="1800" kern="1200">
+      <a:lvl1pPr marL="0" algn="l" defTabSz="914400">
+        <a:defRPr sz="1800">
           <a:solidFill>
             <a:schemeClr val="tx1"/>
           </a:solidFill>
@@ -3708,8 +5154,8 @@
           <a:cs typeface="+mn-cs"/>
         </a:defRPr>
       </a:lvl1pPr>
-      <a:lvl2pPr marL="457200" algn="l" defTabSz="914400" rtl="0" eaLnBrk="1" latinLnBrk="0" hangingPunct="1">
-        <a:defRPr sz="1800" kern="1200">
+      <a:lvl2pPr marL="457200" algn="l" defTabSz="914400">
+        <a:defRPr sz="1800">
           <a:solidFill>
             <a:schemeClr val="tx1"/>
           </a:solidFill>
@@ -3718,8 +5164,8 @@
           <a:cs typeface="+mn-cs"/>
         </a:defRPr>
       </a:lvl2pPr>
-      <a:lvl3pPr marL="914400" algn="l" defTabSz="914400" rtl="0" eaLnBrk="1" latinLnBrk="0" hangingPunct="1">
-        <a:defRPr sz="1800" kern="1200">
+      <a:lvl3pPr marL="914400" algn="l" defTabSz="914400">
+        <a:defRPr sz="1800">
           <a:solidFill>
             <a:schemeClr val="tx1"/>
           </a:solidFill>
@@ -3728,8 +5174,8 @@
           <a:cs typeface="+mn-cs"/>
         </a:defRPr>
       </a:lvl3pPr>
-      <a:lvl4pPr marL="1371600" algn="l" defTabSz="914400" rtl="0" eaLnBrk="1" latinLnBrk="0" hangingPunct="1">
-        <a:defRPr sz="1800" kern="1200">
+      <a:lvl4pPr marL="1371600" algn="l" defTabSz="914400">
+        <a:defRPr sz="1800">
           <a:solidFill>
             <a:schemeClr val="tx1"/>
           </a:solidFill>
@@ -3738,8 +5184,8 @@
           <a:cs typeface="+mn-cs"/>
         </a:defRPr>
       </a:lvl4pPr>
-      <a:lvl5pPr marL="1828800" algn="l" defTabSz="914400" rtl="0" eaLnBrk="1" latinLnBrk="0" hangingPunct="1">
-        <a:defRPr sz="1800" kern="1200">
+      <a:lvl5pPr marL="1828800" algn="l" defTabSz="914400">
+        <a:defRPr sz="1800">
           <a:solidFill>
             <a:schemeClr val="tx1"/>
           </a:solidFill>
@@ -3748,8 +5194,8 @@
           <a:cs typeface="+mn-cs"/>
         </a:defRPr>
       </a:lvl5pPr>
-      <a:lvl6pPr marL="2286000" algn="l" defTabSz="914400" rtl="0" eaLnBrk="1" latinLnBrk="0" hangingPunct="1">
-        <a:defRPr sz="1800" kern="1200">
+      <a:lvl6pPr marL="2286000" algn="l" defTabSz="914400">
+        <a:defRPr sz="1800">
           <a:solidFill>
             <a:schemeClr val="tx1"/>
           </a:solidFill>
@@ -3758,8 +5204,8 @@
           <a:cs typeface="+mn-cs"/>
         </a:defRPr>
       </a:lvl6pPr>
-      <a:lvl7pPr marL="2743200" algn="l" defTabSz="914400" rtl="0" eaLnBrk="1" latinLnBrk="0" hangingPunct="1">
-        <a:defRPr sz="1800" kern="1200">
+      <a:lvl7pPr marL="2743200" algn="l" defTabSz="914400">
+        <a:defRPr sz="1800">
           <a:solidFill>
             <a:schemeClr val="tx1"/>
           </a:solidFill>
@@ -3768,8 +5214,8 @@
           <a:cs typeface="+mn-cs"/>
         </a:defRPr>
       </a:lvl7pPr>
-      <a:lvl8pPr marL="3200400" algn="l" defTabSz="914400" rtl="0" eaLnBrk="1" latinLnBrk="0" hangingPunct="1">
-        <a:defRPr sz="1800" kern="1200">
+      <a:lvl8pPr marL="3200400" algn="l" defTabSz="914400">
+        <a:defRPr sz="1800">
           <a:solidFill>
             <a:schemeClr val="tx1"/>
           </a:solidFill>
@@ -3778,8 +5224,8 @@
           <a:cs typeface="+mn-cs"/>
         </a:defRPr>
       </a:lvl8pPr>
-      <a:lvl9pPr marL="3657600" algn="l" defTabSz="914400" rtl="0" eaLnBrk="1" latinLnBrk="0" hangingPunct="1">
-        <a:defRPr sz="1800" kern="1200">
+      <a:lvl9pPr marL="3657600" algn="l" defTabSz="914400">
+        <a:defRPr sz="1800">
           <a:solidFill>
             <a:schemeClr val="tx1"/>
           </a:solidFill>
@@ -3790,65 +5236,19 @@
       </a:lvl9pPr>
     </p:otherStyle>
   </p:txStyles>
-  <p:extLst mod="1">
-    <p:ext uri="{27BBF7A9-308A-43DC-89C8-2F10F3537804}">
-      <p15:sldGuideLst xmlns:p15="http://schemas.microsoft.com/office/powerpoint/2012/main">
-        <p15:guide id="3" orient="horz" pos="1368">
-          <p15:clr>
-            <a:srgbClr val="F26B43"/>
-          </p15:clr>
-        </p15:guide>
-        <p15:guide id="4" orient="horz" pos="1440">
-          <p15:clr>
-            <a:srgbClr val="F26B43"/>
-          </p15:clr>
-        </p15:guide>
-        <p15:guide id="6" orient="horz" pos="3696">
-          <p15:clr>
-            <a:srgbClr val="F26B43"/>
-          </p15:clr>
-        </p15:guide>
-        <p15:guide id="7" orient="horz" pos="432">
-          <p15:clr>
-            <a:srgbClr val="F26B43"/>
-          </p15:clr>
-        </p15:guide>
-        <p15:guide id="8" orient="horz" pos="1512">
-          <p15:clr>
-            <a:srgbClr val="F26B43"/>
-          </p15:clr>
-        </p15:guide>
-        <p15:guide id="9" pos="6912">
-          <p15:clr>
-            <a:srgbClr val="F26B43"/>
-          </p15:clr>
-        </p15:guide>
-        <p15:guide id="10" pos="936">
-          <p15:clr>
-            <a:srgbClr val="F26B43"/>
-          </p15:clr>
-        </p15:guide>
-        <p15:guide id="11" pos="864">
-          <p15:clr>
-            <a:srgbClr val="F26B43"/>
-          </p15:clr>
-        </p15:guide>
-      </p15:sldGuideLst>
-    </p:ext>
-  </p:extLst>
 </p:sldMaster>
 </file>
 
 <file path=ppt/slides/slide1.xml><?xml version="1.0" encoding="utf-8"?>
-<p:sld xmlns:a="http://schemas.openxmlformats.org/drawingml/2006/main" xmlns:r="http://schemas.openxmlformats.org/officeDocument/2006/relationships" xmlns:p="http://schemas.openxmlformats.org/presentationml/2006/main">
-  <p:cSld>
+<p:sld xmlns:a="http://schemas.openxmlformats.org/drawingml/2006/main" xmlns:r="http://schemas.openxmlformats.org/officeDocument/2006/relationships" xmlns:p="http://schemas.openxmlformats.org/presentationml/2006/main" xmlns:m="http://schemas.openxmlformats.org/officeDocument/2006/math" xmlns:w="http://schemas.openxmlformats.org/wordprocessingml/2006/main" xmlns:mc="http://schemas.openxmlformats.org/markup-compatibility/2006" showMasterPhAnim="0" showMasterSp="1" show="1">
+  <p:cSld name="">
     <p:spTree>
       <p:nvGrpSpPr>
         <p:cNvPr id="1" name=""/>
         <p:cNvGrpSpPr/>
         <p:nvPr/>
       </p:nvGrpSpPr>
-      <p:grpSpPr>
+      <p:grpSpPr bwMode="auto">
         <a:xfrm>
           <a:off x="0" y="0"/>
           <a:ext cx="0" cy="0"/>
@@ -3858,13 +5258,7 @@
       </p:grpSpPr>
       <p:sp>
         <p:nvSpPr>
-          <p:cNvPr id="2" name="Заголовок 1">
-            <a:extLst>
-              <a:ext uri="{FF2B5EF4-FFF2-40B4-BE49-F238E27FC236}">
-                <a16:creationId xmlns:a16="http://schemas.microsoft.com/office/drawing/2014/main" id="{2F658817-4366-4FCA-88E7-48CE9319C8A8}"/>
-              </a:ext>
-            </a:extLst>
-          </p:cNvPr>
+          <p:cNvPr id="1501966964" name="Заголовок 1"/>
           <p:cNvSpPr>
             <a:spLocks noGrp="1"/>
           </p:cNvSpPr>
@@ -3872,7 +5266,7 @@
             <p:ph type="ctrTitle"/>
           </p:nvPr>
         </p:nvSpPr>
-        <p:spPr>
+        <p:spPr bwMode="auto">
           <a:xfrm>
             <a:off x="1001858" y="765785"/>
             <a:ext cx="10349345" cy="1681739"/>
@@ -3884,51 +5278,48 @@
           </a:bodyPr>
           <a:lstStyle/>
           <a:p>
-            <a:r>
-              <a:rPr lang="ru-RU" sz="3600" dirty="0"/>
+            <a:pPr>
+              <a:defRPr/>
+            </a:pPr>
+            <a:r>
+              <a:rPr lang="ru-RU" sz="3600"/>
               <a:t>«Актуальная </a:t>
             </a:r>
             <a:r>
-              <a:rPr lang="en-US" sz="3600" dirty="0"/>
+              <a:rPr lang="en-US" sz="3600"/>
               <a:t>BI-</a:t>
             </a:r>
             <a:r>
-              <a:rPr lang="ru-RU" sz="3600" dirty="0"/>
+              <a:rPr lang="ru-RU" sz="3600"/>
               <a:t>система «</a:t>
             </a:r>
             <a:r>
-              <a:rPr lang="en-US" sz="3600" dirty="0"/>
+              <a:rPr lang="en-US" sz="3600"/>
               <a:t>Yandex </a:t>
             </a:r>
             <a:r>
-              <a:rPr lang="en-US" sz="3600" dirty="0" err="1"/>
+              <a:rPr lang="en-US" sz="3600"/>
               <a:t>DataLens</a:t>
             </a:r>
             <a:r>
-              <a:rPr lang="ru-RU" sz="3600" dirty="0"/>
+              <a:rPr lang="ru-RU" sz="3600"/>
               <a:t>» для КИС </a:t>
             </a:r>
             <a:r>
-              <a:rPr lang="ru-RU" sz="3600" dirty="0" err="1" smtClean="0"/>
+              <a:rPr lang="ru-RU" sz="3600"/>
               <a:t>ТехноАрго</a:t>
             </a:r>
             <a:r>
-              <a:rPr lang="ru-RU" sz="3600" dirty="0" smtClean="0"/>
+              <a:rPr lang="ru-RU" sz="3600"/>
               <a:t> Плюс»</a:t>
             </a:r>
-            <a:endParaRPr lang="ru-RU" sz="3600" dirty="0"/>
-          </a:p>
-        </p:txBody>
-      </p:sp>
-      <p:sp>
-        <p:nvSpPr>
-          <p:cNvPr id="3" name="Подзаголовок 2">
-            <a:extLst>
-              <a:ext uri="{FF2B5EF4-FFF2-40B4-BE49-F238E27FC236}">
-                <a16:creationId xmlns:a16="http://schemas.microsoft.com/office/drawing/2014/main" id="{24B2E67F-3382-BBE2-476F-E650B7BB8BFD}"/>
-              </a:ext>
-            </a:extLst>
-          </p:cNvPr>
+            <a:endParaRPr lang="ru-RU" sz="3600"/>
+          </a:p>
+        </p:txBody>
+      </p:sp>
+      <p:sp>
+        <p:nvSpPr>
+          <p:cNvPr id="866800651" name="Подзаголовок 2"/>
           <p:cNvSpPr>
             <a:spLocks noGrp="1"/>
           </p:cNvSpPr>
@@ -3936,7 +5327,7 @@
             <p:ph type="subTitle" idx="1"/>
           </p:nvPr>
         </p:nvSpPr>
-        <p:spPr>
+        <p:spPr bwMode="auto">
           <a:xfrm>
             <a:off x="2452255" y="3815862"/>
             <a:ext cx="8511020" cy="1876157"/>
@@ -3948,82 +5339,90 @@
           </a:bodyPr>
           <a:lstStyle/>
           <a:p>
-            <a:pPr algn="r"/>
-            <a:r>
-              <a:rPr lang="ru-RU" dirty="0"/>
+            <a:pPr algn="r">
+              <a:defRPr/>
+            </a:pPr>
+            <a:r>
+              <a:rPr lang="ru-RU"/>
               <a:t>Подготовили:</a:t>
             </a:r>
-          </a:p>
-          <a:p>
-            <a:pPr algn="r"/>
-            <a:r>
-              <a:rPr lang="ru-RU" dirty="0"/>
-              <a:t>Студенты ИВБ-215</a:t>
-            </a:r>
-          </a:p>
-          <a:p>
-            <a:pPr algn="r"/>
-            <a:r>
-              <a:rPr lang="ru-RU" dirty="0" smtClean="0"/>
+            <a:endParaRPr/>
+          </a:p>
+          <a:p>
+            <a:pPr algn="r">
+              <a:defRPr/>
+            </a:pPr>
+            <a:r>
+              <a:rPr lang="ru-RU"/>
+              <a:t>Студенты ИВБ-211</a:t>
+            </a:r>
+            <a:endParaRPr/>
+          </a:p>
+          <a:p>
+            <a:pPr algn="r">
+              <a:defRPr/>
+            </a:pPr>
+            <a:r>
+              <a:rPr lang="ru-RU"/>
               <a:t>Ахмедов Х.А.</a:t>
             </a:r>
-          </a:p>
-          <a:p>
-            <a:pPr algn="r"/>
-            <a:r>
-              <a:rPr lang="ru-RU" dirty="0" smtClean="0"/>
+            <a:endParaRPr/>
+          </a:p>
+          <a:p>
+            <a:pPr algn="r">
+              <a:defRPr/>
+            </a:pPr>
+            <a:r>
+              <a:rPr lang="ru-RU"/>
               <a:t>Кот Н.Д.</a:t>
             </a:r>
-          </a:p>
-          <a:p>
-            <a:pPr algn="r"/>
-            <a:r>
-              <a:rPr lang="ru-RU" dirty="0" err="1" smtClean="0"/>
+            <a:endParaRPr/>
+          </a:p>
+          <a:p>
+            <a:pPr algn="r">
+              <a:defRPr/>
+            </a:pPr>
+            <a:r>
+              <a:rPr lang="ru-RU"/>
               <a:t>Егупов</a:t>
             </a:r>
             <a:r>
-              <a:rPr lang="ru-RU" dirty="0" smtClean="0"/>
+              <a:rPr lang="ru-RU"/>
               <a:t>  Н.М</a:t>
             </a:r>
             <a:r>
-              <a:rPr lang="ru-RU" dirty="0" smtClean="0"/>
+              <a:rPr lang="ru-RU"/>
               <a:t>.</a:t>
             </a:r>
-          </a:p>
-          <a:p>
-            <a:pPr algn="r"/>
-            <a:r>
-              <a:rPr lang="ru-RU" dirty="0" err="1" smtClean="0"/>
+            <a:endParaRPr/>
+          </a:p>
+          <a:p>
+            <a:pPr algn="r">
+              <a:defRPr/>
+            </a:pPr>
+            <a:r>
+              <a:rPr lang="ru-RU"/>
               <a:t>Шефнер</a:t>
             </a:r>
             <a:r>
-              <a:rPr lang="ru-RU" dirty="0" smtClean="0"/>
+              <a:rPr lang="ru-RU"/>
               <a:t> А.</a:t>
             </a:r>
-            <a:endParaRPr lang="ru-RU" dirty="0"/>
+            <a:endParaRPr lang="ru-RU"/>
           </a:p>
         </p:txBody>
       </p:sp>
       <p:pic>
         <p:nvPicPr>
-          <p:cNvPr id="1026" name="Picture 2" descr="Техно-Агро Сельхозтехника, Запасные части | Товар/услуга ООО «Техно-Агро» -  дилер QUIVOGNE, SaMASZ, SUKOV, AGRO-MASZ, EXPOM. 2025 | ВКонтакте"/>
+          <p:cNvPr id="2018933391" name="Picture 2" descr="Техно-Агро Сельхозтехника, Запасные части | Товар/услуга ООО «Техно-Агро» -  дилер QUIVOGNE, SaMASZ, SUKOV, AGRO-MASZ, EXPOM. 2025 | ВКонтакте"/>
           <p:cNvPicPr>
             <a:picLocks noChangeAspect="1" noChangeArrowheads="1"/>
           </p:cNvPicPr>
           <p:nvPr/>
         </p:nvPicPr>
         <p:blipFill>
-          <a:blip r:embed="rId2" cstate="hqprint">
-            <a:extLst>
-              <a:ext uri="{28A0092B-C50C-407E-A947-70E740481C1C}">
-                <a14:useLocalDpi xmlns:a14="http://schemas.microsoft.com/office/drawing/2010/main" val="0"/>
-              </a:ext>
-            </a:extLst>
-          </a:blip>
-          <a:srcRect/>
-          <a:stretch>
-            <a:fillRect/>
-          </a:stretch>
+          <a:blip r:embed="rId3"/>
+          <a:stretch/>
         </p:blipFill>
         <p:spPr bwMode="auto">
           <a:xfrm>
@@ -4034,40 +5433,23 @@
             <a:avLst/>
           </a:prstGeom>
           <a:noFill/>
-          <a:extLst>
-            <a:ext uri="{909E8E84-426E-40DD-AFC4-6F175D3DCCD1}">
-              <a14:hiddenFill xmlns:a14="http://schemas.microsoft.com/office/drawing/2010/main">
-                <a:solidFill>
-                  <a:srgbClr val="FFFFFF"/>
-                </a:solidFill>
-              </a14:hiddenFill>
-            </a:ext>
-          </a:extLst>
         </p:spPr>
       </p:pic>
       <p:pic>
         <p:nvPicPr>
-          <p:cNvPr id="6" name="Рисунок 5">
-            <a:extLst>
-              <a:ext uri="{FF2B5EF4-FFF2-40B4-BE49-F238E27FC236}">
-                <a16:creationId xmlns:a16="http://schemas.microsoft.com/office/drawing/2014/main" id="{599FCB29-6E73-3768-05BC-2C8E77A205FA}"/>
-              </a:ext>
-            </a:extLst>
-          </p:cNvPr>
+          <p:cNvPr id="1010893068" name="Рисунок 5"/>
           <p:cNvPicPr>
             <a:picLocks noChangeAspect="1"/>
           </p:cNvPicPr>
           <p:nvPr/>
         </p:nvPicPr>
         <p:blipFill>
-          <a:blip r:embed="rId3"/>
-          <a:stretch>
-            <a:fillRect/>
-          </a:stretch>
+          <a:blip r:embed="rId4"/>
+          <a:stretch/>
         </p:blipFill>
-        <p:spPr>
+        <p:spPr bwMode="auto">
           <a:xfrm>
-            <a:off x="1417926" y="2838306"/>
+            <a:off x="1417926" y="2838305"/>
             <a:ext cx="2068657" cy="2068657"/>
           </a:xfrm>
           <a:prstGeom prst="rect">
@@ -4080,13 +5462,13 @@
         </p:spPr>
         <p:style>
           <a:lnRef idx="0">
-            <a:scrgbClr r="0" g="0" b="0"/>
+            <a:srgbClr val="000000"/>
           </a:lnRef>
           <a:fillRef idx="0">
-            <a:scrgbClr r="0" g="0" b="0"/>
+            <a:srgbClr val="000000"/>
           </a:fillRef>
           <a:effectRef idx="0">
-            <a:scrgbClr r="0" g="0" b="0"/>
+            <a:srgbClr val="000000"/>
           </a:effectRef>
           <a:fontRef idx="minor">
             <a:schemeClr val="dk1"/>
@@ -4094,28 +5476,31 @@
         </p:style>
       </p:pic>
     </p:spTree>
-    <p:extLst>
-      <p:ext uri="{BB962C8B-B14F-4D97-AF65-F5344CB8AC3E}">
-        <p14:creationId xmlns:p14="http://schemas.microsoft.com/office/powerpoint/2010/main" val="2032102292"/>
-      </p:ext>
-    </p:extLst>
   </p:cSld>
   <p:clrMapOvr>
     <a:masterClrMapping/>
   </p:clrMapOvr>
+  <mc:AlternateContent xmlns:mc="http://schemas.openxmlformats.org/markup-compatibility/2006">
+    <mc:Choice xmlns:p159="http://schemas.microsoft.com/office/powerpoint/2015/09/main" xmlns:p14="http://schemas.microsoft.com/office/powerpoint/2010/main" Requires="p159">
+      <p:transition p14:dur="2000" advClick="1"/>
+    </mc:Choice>
+    <mc:Fallback>
+      <p:transition advClick="1"/>
+    </mc:Fallback>
+  </mc:AlternateContent>
 </p:sld>
 </file>
 
 <file path=ppt/slides/slide10.xml><?xml version="1.0" encoding="utf-8"?>
-<p:sld xmlns:a="http://schemas.openxmlformats.org/drawingml/2006/main" xmlns:r="http://schemas.openxmlformats.org/officeDocument/2006/relationships" xmlns:p="http://schemas.openxmlformats.org/presentationml/2006/main">
-  <p:cSld>
+<p:sld xmlns:a="http://schemas.openxmlformats.org/drawingml/2006/main" xmlns:r="http://schemas.openxmlformats.org/officeDocument/2006/relationships" xmlns:p="http://schemas.openxmlformats.org/presentationml/2006/main" xmlns:m="http://schemas.openxmlformats.org/officeDocument/2006/math" xmlns:w="http://schemas.openxmlformats.org/wordprocessingml/2006/main" xmlns:mc="http://schemas.openxmlformats.org/markup-compatibility/2006" showMasterPhAnim="0" showMasterSp="1" show="1">
+  <p:cSld name="">
     <p:spTree>
       <p:nvGrpSpPr>
         <p:cNvPr id="1" name=""/>
         <p:cNvGrpSpPr/>
         <p:nvPr/>
       </p:nvGrpSpPr>
-      <p:grpSpPr>
+      <p:grpSpPr bwMode="auto">
         <a:xfrm>
           <a:off x="0" y="0"/>
           <a:ext cx="0" cy="0"/>
@@ -4125,13 +5510,7 @@
       </p:grpSpPr>
       <p:sp>
         <p:nvSpPr>
-          <p:cNvPr id="6" name="Заголовок 1">
-            <a:extLst>
-              <a:ext uri="{FF2B5EF4-FFF2-40B4-BE49-F238E27FC236}">
-                <a16:creationId xmlns:a16="http://schemas.microsoft.com/office/drawing/2014/main" id="{5865A37C-121A-9E81-2FB0-8B811A28B8EB}"/>
-              </a:ext>
-            </a:extLst>
-          </p:cNvPr>
+          <p:cNvPr id="599623783" name="Заголовок 1"/>
           <p:cNvSpPr>
             <a:spLocks noGrp="1"/>
           </p:cNvSpPr>
@@ -4139,24 +5518,27 @@
             <p:ph type="title"/>
           </p:nvPr>
         </p:nvSpPr>
-        <p:spPr/>
+        <p:spPr bwMode="auto"/>
         <p:txBody>
           <a:bodyPr>
             <a:normAutofit/>
           </a:bodyPr>
           <a:lstStyle/>
           <a:p>
-            <a:pPr algn="ctr"/>
-            <a:r>
-              <a:rPr lang="ru-RU" dirty="0"/>
+            <a:pPr algn="ctr">
+              <a:defRPr/>
+            </a:pPr>
+            <a:r>
+              <a:rPr lang="ru-RU"/>
               <a:t>Система ключевых показателей (KPI) для онлайн-школы</a:t>
             </a:r>
-          </a:p>
-        </p:txBody>
-      </p:sp>
-      <p:sp>
-        <p:nvSpPr>
-          <p:cNvPr id="9" name="Объект 8"/>
+            <a:endParaRPr/>
+          </a:p>
+        </p:txBody>
+      </p:sp>
+      <p:sp>
+        <p:nvSpPr>
+          <p:cNvPr id="1623818064" name="Объект 8"/>
           <p:cNvSpPr>
             <a:spLocks noGrp="1"/>
           </p:cNvSpPr>
@@ -4164,7 +5546,7 @@
             <p:ph sz="half" idx="1"/>
           </p:nvPr>
         </p:nvSpPr>
-        <p:spPr>
+        <p:spPr bwMode="auto">
           <a:xfrm>
             <a:off x="1276739" y="1990560"/>
             <a:ext cx="4447786" cy="3581401"/>
@@ -4178,43 +5560,59 @@
           <a:p>
             <a:pPr marL="0" indent="0">
               <a:buNone/>
-            </a:pPr>
-            <a:r>
-              <a:rPr lang="ru-RU" b="1" dirty="0" smtClean="0"/>
+              <a:defRPr/>
+            </a:pPr>
+            <a:r>
+              <a:rPr lang="ru-RU" b="1"/>
               <a:t>Сервис </a:t>
             </a:r>
             <a:r>
-              <a:rPr lang="ru-RU" b="1" dirty="0"/>
+              <a:rPr lang="ru-RU" b="1"/>
               <a:t>и клиентский опыт</a:t>
             </a:r>
-            <a:endParaRPr lang="ru-RU" dirty="0"/>
-          </a:p>
-          <a:p>
-            <a:r>
-              <a:rPr lang="ru-RU" dirty="0"/>
+            <a:endParaRPr lang="ru-RU"/>
+          </a:p>
+          <a:p>
+            <a:pPr>
+              <a:defRPr/>
+            </a:pPr>
+            <a:r>
+              <a:rPr lang="ru-RU"/>
               <a:t>Среднее время ремонта техники</a:t>
             </a:r>
-          </a:p>
-          <a:p>
-            <a:r>
-              <a:rPr lang="ru-RU" dirty="0"/>
+            <a:endParaRPr/>
+          </a:p>
+          <a:p>
+            <a:pPr>
+              <a:defRPr/>
+            </a:pPr>
+            <a:r>
+              <a:rPr lang="ru-RU"/>
               <a:t>Процент гарантийных случаев</a:t>
             </a:r>
-          </a:p>
-          <a:p>
-            <a:r>
-              <a:rPr lang="ru-RU" dirty="0"/>
+            <a:endParaRPr/>
+          </a:p>
+          <a:p>
+            <a:pPr>
+              <a:defRPr/>
+            </a:pPr>
+            <a:r>
+              <a:rPr lang="ru-RU"/>
               <a:t>Индекс удовлетворенности клиентов (NPS)</a:t>
             </a:r>
-          </a:p>
-          <a:p>
-            <a:endParaRPr lang="ru-RU" dirty="0"/>
-          </a:p>
-        </p:txBody>
-      </p:sp>
-      <p:sp>
-        <p:nvSpPr>
-          <p:cNvPr id="10" name="Объект 9"/>
+            <a:endParaRPr/>
+          </a:p>
+          <a:p>
+            <a:pPr>
+              <a:defRPr/>
+            </a:pPr>
+            <a:endParaRPr lang="ru-RU"/>
+          </a:p>
+        </p:txBody>
+      </p:sp>
+      <p:sp>
+        <p:nvSpPr>
+          <p:cNvPr id="1697464387" name="Объект 9"/>
           <p:cNvSpPr>
             <a:spLocks noGrp="1"/>
           </p:cNvSpPr>
@@ -4222,7 +5620,7 @@
             <p:ph sz="half" idx="2"/>
           </p:nvPr>
         </p:nvSpPr>
-        <p:spPr>
+        <p:spPr bwMode="auto">
           <a:xfrm>
             <a:off x="6497540" y="1990560"/>
             <a:ext cx="5248275" cy="2247901"/>
@@ -4236,52 +5634,63 @@
           <a:p>
             <a:pPr marL="0" indent="0">
               <a:buNone/>
-            </a:pPr>
-            <a:r>
-              <a:rPr lang="ru-RU" b="1" dirty="0"/>
+              <a:defRPr/>
+            </a:pPr>
+            <a:r>
+              <a:rPr lang="ru-RU" b="1"/>
               <a:t>Финансовая эффективность</a:t>
             </a:r>
-            <a:endParaRPr lang="ru-RU" dirty="0"/>
-          </a:p>
-          <a:p>
-            <a:r>
-              <a:rPr lang="ru-RU" dirty="0"/>
+            <a:endParaRPr lang="ru-RU"/>
+          </a:p>
+          <a:p>
+            <a:pPr>
+              <a:defRPr/>
+            </a:pPr>
+            <a:r>
+              <a:rPr lang="ru-RU"/>
               <a:t>Оборачиваемость товарных запасов</a:t>
             </a:r>
-          </a:p>
-          <a:p>
-            <a:r>
-              <a:rPr lang="ru-RU" dirty="0" err="1"/>
+            <a:endParaRPr/>
+          </a:p>
+          <a:p>
+            <a:pPr>
+              <a:defRPr/>
+            </a:pPr>
+            <a:r>
+              <a:rPr lang="ru-RU"/>
               <a:t>Маржинальность</a:t>
             </a:r>
             <a:r>
-              <a:rPr lang="ru-RU" dirty="0"/>
+              <a:rPr lang="ru-RU"/>
               <a:t> по категориям продукции</a:t>
             </a:r>
-          </a:p>
-          <a:p>
-            <a:r>
-              <a:rPr lang="ru-RU" dirty="0"/>
+            <a:endParaRPr/>
+          </a:p>
+          <a:p>
+            <a:pPr>
+              <a:defRPr/>
+            </a:pPr>
+            <a:r>
+              <a:rPr lang="ru-RU"/>
               <a:t>Доля сервисного дохода в общей выручке</a:t>
             </a:r>
+            <a:endParaRPr/>
           </a:p>
         </p:txBody>
       </p:sp>
       <p:pic>
         <p:nvPicPr>
-          <p:cNvPr id="13" name="Рисунок 12"/>
+          <p:cNvPr id="408730931" name="Рисунок 12"/>
           <p:cNvPicPr>
             <a:picLocks noChangeAspect="1"/>
           </p:cNvPicPr>
           <p:nvPr/>
         </p:nvPicPr>
         <p:blipFill>
-          <a:blip r:embed="rId2"/>
-          <a:stretch>
-            <a:fillRect/>
-          </a:stretch>
+          <a:blip r:embed="rId3"/>
+          <a:stretch/>
         </p:blipFill>
-        <p:spPr>
+        <p:spPr bwMode="auto">
           <a:xfrm>
             <a:off x="1066800" y="4105111"/>
             <a:ext cx="10679015" cy="2343477"/>
@@ -4292,28 +5701,31 @@
         </p:spPr>
       </p:pic>
     </p:spTree>
-    <p:extLst>
-      <p:ext uri="{BB962C8B-B14F-4D97-AF65-F5344CB8AC3E}">
-        <p14:creationId xmlns:p14="http://schemas.microsoft.com/office/powerpoint/2010/main" val="2805217039"/>
-      </p:ext>
-    </p:extLst>
   </p:cSld>
   <p:clrMapOvr>
     <a:masterClrMapping/>
   </p:clrMapOvr>
+  <mc:AlternateContent xmlns:mc="http://schemas.openxmlformats.org/markup-compatibility/2006">
+    <mc:Choice xmlns:p159="http://schemas.microsoft.com/office/powerpoint/2015/09/main" xmlns:p14="http://schemas.microsoft.com/office/powerpoint/2010/main" Requires="p159">
+      <p:transition p14:dur="2000" advClick="1"/>
+    </mc:Choice>
+    <mc:Fallback>
+      <p:transition advClick="1"/>
+    </mc:Fallback>
+  </mc:AlternateContent>
 </p:sld>
 </file>
 
 <file path=ppt/slides/slide11.xml><?xml version="1.0" encoding="utf-8"?>
-<p:sld xmlns:a="http://schemas.openxmlformats.org/drawingml/2006/main" xmlns:r="http://schemas.openxmlformats.org/officeDocument/2006/relationships" xmlns:p="http://schemas.openxmlformats.org/presentationml/2006/main">
-  <p:cSld>
+<p:sld xmlns:a="http://schemas.openxmlformats.org/drawingml/2006/main" xmlns:r="http://schemas.openxmlformats.org/officeDocument/2006/relationships" xmlns:p="http://schemas.openxmlformats.org/presentationml/2006/main" xmlns:m="http://schemas.openxmlformats.org/officeDocument/2006/math" xmlns:w="http://schemas.openxmlformats.org/wordprocessingml/2006/main" xmlns:mc="http://schemas.openxmlformats.org/markup-compatibility/2006" showMasterPhAnim="0" showMasterSp="1" show="1">
+  <p:cSld name="">
     <p:spTree>
       <p:nvGrpSpPr>
         <p:cNvPr id="1" name=""/>
         <p:cNvGrpSpPr/>
         <p:nvPr/>
       </p:nvGrpSpPr>
-      <p:grpSpPr>
+      <p:grpSpPr bwMode="auto">
         <a:xfrm>
           <a:off x="0" y="0"/>
           <a:ext cx="0" cy="0"/>
@@ -4323,13 +5735,7 @@
       </p:grpSpPr>
       <p:sp>
         <p:nvSpPr>
-          <p:cNvPr id="2" name="Заголовок 1">
-            <a:extLst>
-              <a:ext uri="{FF2B5EF4-FFF2-40B4-BE49-F238E27FC236}">
-                <a16:creationId xmlns:a16="http://schemas.microsoft.com/office/drawing/2014/main" id="{49BEBB5B-D034-62C3-7589-44A899B13EE2}"/>
-              </a:ext>
-            </a:extLst>
-          </p:cNvPr>
+          <p:cNvPr id="48271196" name="Заголовок 1"/>
           <p:cNvSpPr>
             <a:spLocks noGrp="1"/>
           </p:cNvSpPr>
@@ -4337,28 +5743,25 @@
             <p:ph type="title"/>
           </p:nvPr>
         </p:nvSpPr>
-        <p:spPr/>
+        <p:spPr bwMode="auto"/>
         <p:txBody>
           <a:bodyPr/>
           <a:lstStyle/>
           <a:p>
-            <a:pPr algn="ctr"/>
-            <a:r>
-              <a:rPr lang="ru-RU" dirty="0"/>
+            <a:pPr algn="ctr">
+              <a:defRPr/>
+            </a:pPr>
+            <a:r>
+              <a:rPr lang="ru-RU"/>
               <a:t>Заключение</a:t>
             </a:r>
-          </a:p>
-        </p:txBody>
-      </p:sp>
-      <p:sp>
-        <p:nvSpPr>
-          <p:cNvPr id="3" name="Объект 2">
-            <a:extLst>
-              <a:ext uri="{FF2B5EF4-FFF2-40B4-BE49-F238E27FC236}">
-                <a16:creationId xmlns:a16="http://schemas.microsoft.com/office/drawing/2014/main" id="{1C35FA95-500A-1161-FF15-172BCEA251AE}"/>
-              </a:ext>
-            </a:extLst>
-          </p:cNvPr>
+            <a:endParaRPr/>
+          </a:p>
+        </p:txBody>
+      </p:sp>
+      <p:sp>
+        <p:nvSpPr>
+          <p:cNvPr id="2135586466" name="Объект 2"/>
           <p:cNvSpPr>
             <a:spLocks noGrp="1"/>
           </p:cNvSpPr>
@@ -4366,81 +5769,81 @@
             <p:ph idx="1"/>
           </p:nvPr>
         </p:nvSpPr>
-        <p:spPr/>
+        <p:spPr bwMode="auto"/>
         <p:txBody>
           <a:bodyPr/>
           <a:lstStyle/>
           <a:p>
             <a:pPr marL="0" indent="0">
               <a:buNone/>
-            </a:pPr>
-            <a:r>
-              <a:rPr lang="ru-RU" b="1" i="0" dirty="0">
+              <a:defRPr/>
+            </a:pPr>
+            <a:r>
+              <a:rPr lang="ru-RU" b="1" i="0">
                 <a:solidFill>
                   <a:srgbClr val="2C2C36"/>
                 </a:solidFill>
-                <a:effectLst/>
                 <a:latin typeface="system-ui"/>
               </a:rPr>
               <a:t>Yandex </a:t>
             </a:r>
             <a:r>
-              <a:rPr lang="ru-RU" b="1" i="0" dirty="0" err="1">
+              <a:rPr lang="ru-RU" b="1" i="0">
                 <a:solidFill>
                   <a:srgbClr val="2C2C36"/>
                 </a:solidFill>
-                <a:effectLst/>
                 <a:latin typeface="system-ui"/>
               </a:rPr>
               <a:t>DataLens</a:t>
             </a:r>
             <a:r>
-              <a:rPr lang="ru-RU" b="1" i="0" dirty="0">
+              <a:rPr lang="ru-RU" b="1" i="0">
                 <a:solidFill>
                   <a:srgbClr val="2C2C36"/>
                 </a:solidFill>
-                <a:effectLst/>
                 <a:latin typeface="system-ui"/>
               </a:rPr>
               <a:t> </a:t>
             </a:r>
             <a:r>
-              <a:rPr lang="ru-RU" b="0" i="0" dirty="0">
+              <a:rPr lang="ru-RU" b="0" i="0">
                 <a:solidFill>
                   <a:srgbClr val="2C2C36"/>
                 </a:solidFill>
-                <a:effectLst/>
                 <a:latin typeface="system-ui"/>
               </a:rPr>
               <a:t>— это мощный инструмент для анализа данных в онлайн-школе. Он позволяет создавать гибкие и информативные отчеты, которые помогают принимать управленческие решения. Предложенные KPI обеспечивают комплексный анализ работы школы, что способствует её развитию и повышению эффективности.</a:t>
             </a:r>
-            <a:endParaRPr lang="ru-RU" dirty="0"/>
+            <a:endParaRPr lang="ru-RU"/>
           </a:p>
         </p:txBody>
       </p:sp>
     </p:spTree>
-    <p:extLst>
-      <p:ext uri="{BB962C8B-B14F-4D97-AF65-F5344CB8AC3E}">
-        <p14:creationId xmlns:p14="http://schemas.microsoft.com/office/powerpoint/2010/main" val="1953493447"/>
-      </p:ext>
-    </p:extLst>
   </p:cSld>
   <p:clrMapOvr>
     <a:masterClrMapping/>
   </p:clrMapOvr>
+  <mc:AlternateContent xmlns:mc="http://schemas.openxmlformats.org/markup-compatibility/2006">
+    <mc:Choice xmlns:p159="http://schemas.microsoft.com/office/powerpoint/2015/09/main" xmlns:p14="http://schemas.microsoft.com/office/powerpoint/2010/main" Requires="p159">
+      <p:transition p14:dur="2000" advClick="1"/>
+    </mc:Choice>
+    <mc:Fallback>
+      <p:transition advClick="1"/>
+    </mc:Fallback>
+  </mc:AlternateContent>
 </p:sld>
 </file>
 
 <file path=ppt/slides/slide2.xml><?xml version="1.0" encoding="utf-8"?>
-<p:sld xmlns:a="http://schemas.openxmlformats.org/drawingml/2006/main" xmlns:r="http://schemas.openxmlformats.org/officeDocument/2006/relationships" xmlns:p="http://schemas.openxmlformats.org/presentationml/2006/main">
-  <p:cSld>
+<p:sld xmlns:a="http://schemas.openxmlformats.org/drawingml/2006/main" xmlns:r="http://schemas.openxmlformats.org/officeDocument/2006/relationships" xmlns:p="http://schemas.openxmlformats.org/presentationml/2006/main" xmlns:m="http://schemas.openxmlformats.org/officeDocument/2006/math" xmlns:w="http://schemas.openxmlformats.org/wordprocessingml/2006/main" xmlns:mc="http://schemas.openxmlformats.org/markup-compatibility/2006" showMasterPhAnim="0" showMasterSp="1" show="1">
+  <p:cSld name="">
     <p:spTree>
       <p:nvGrpSpPr>
         <p:cNvPr id="1" name=""/>
         <p:cNvGrpSpPr/>
         <p:nvPr/>
       </p:nvGrpSpPr>
-      <p:grpSpPr>
+      <p:grpSpPr bwMode="auto">
         <a:xfrm>
           <a:off x="0" y="0"/>
           <a:ext cx="0" cy="0"/>
@@ -4450,13 +5853,7 @@
       </p:grpSpPr>
       <p:sp>
         <p:nvSpPr>
-          <p:cNvPr id="2" name="Заголовок 1">
-            <a:extLst>
-              <a:ext uri="{FF2B5EF4-FFF2-40B4-BE49-F238E27FC236}">
-                <a16:creationId xmlns:a16="http://schemas.microsoft.com/office/drawing/2014/main" id="{AFCC9A32-17C6-2D07-2416-332B53A9A191}"/>
-              </a:ext>
-            </a:extLst>
-          </p:cNvPr>
+          <p:cNvPr id="496882002" name="Заголовок 1"/>
           <p:cNvSpPr>
             <a:spLocks noGrp="1"/>
           </p:cNvSpPr>
@@ -4464,7 +5861,7 @@
             <p:ph type="title"/>
           </p:nvPr>
         </p:nvSpPr>
-        <p:spPr>
+        <p:spPr bwMode="auto">
           <a:xfrm>
             <a:off x="838200" y="0"/>
             <a:ext cx="10515600" cy="1325563"/>
@@ -4474,23 +5871,20 @@
           <a:bodyPr/>
           <a:lstStyle/>
           <a:p>
-            <a:pPr algn="ctr"/>
-            <a:r>
-              <a:rPr lang="ru-RU" dirty="0"/>
+            <a:pPr algn="ctr">
+              <a:defRPr/>
+            </a:pPr>
+            <a:r>
+              <a:rPr lang="ru-RU"/>
               <a:t>Введение</a:t>
             </a:r>
-          </a:p>
-        </p:txBody>
-      </p:sp>
-      <p:sp>
-        <p:nvSpPr>
-          <p:cNvPr id="3" name="Объект 2">
-            <a:extLst>
-              <a:ext uri="{FF2B5EF4-FFF2-40B4-BE49-F238E27FC236}">
-                <a16:creationId xmlns:a16="http://schemas.microsoft.com/office/drawing/2014/main" id="{65BF7B2F-FB20-70F3-7805-4EC07DB39467}"/>
-              </a:ext>
-            </a:extLst>
-          </p:cNvPr>
+            <a:endParaRPr/>
+          </a:p>
+        </p:txBody>
+      </p:sp>
+      <p:sp>
+        <p:nvSpPr>
+          <p:cNvPr id="33383173" name="Объект 2"/>
           <p:cNvSpPr>
             <a:spLocks noGrp="1"/>
           </p:cNvSpPr>
@@ -4498,7 +5892,7 @@
             <p:ph idx="1"/>
           </p:nvPr>
         </p:nvSpPr>
-        <p:spPr>
+        <p:spPr bwMode="auto">
           <a:xfrm>
             <a:off x="997527" y="1486189"/>
             <a:ext cx="10515600" cy="4351338"/>
@@ -4510,77 +5904,70 @@
           <a:p>
             <a:pPr marL="0" indent="0">
               <a:buNone/>
-            </a:pPr>
-            <a:r>
-              <a:rPr lang="ru-RU" b="1" i="0" dirty="0">
-                <a:effectLst/>
+              <a:defRPr/>
+            </a:pPr>
+            <a:r>
+              <a:rPr lang="ru-RU" b="1" i="0">
                 <a:latin typeface="system-ui"/>
               </a:rPr>
               <a:t>Yandex </a:t>
             </a:r>
             <a:r>
-              <a:rPr lang="ru-RU" b="1" i="0" dirty="0" err="1">
-                <a:effectLst/>
+              <a:rPr lang="ru-RU" b="1" i="0">
                 <a:latin typeface="system-ui"/>
               </a:rPr>
               <a:t>DataLens</a:t>
             </a:r>
             <a:r>
-              <a:rPr lang="ru-RU" b="1" i="0" dirty="0">
-                <a:effectLst/>
+              <a:rPr lang="ru-RU" b="1" i="0">
                 <a:latin typeface="system-ui"/>
               </a:rPr>
               <a:t> </a:t>
             </a:r>
             <a:r>
-              <a:rPr lang="ru-RU" b="0" i="0" dirty="0">
+              <a:rPr lang="ru-RU" b="0" i="0">
                 <a:solidFill>
                   <a:srgbClr val="2C2C36"/>
                 </a:solidFill>
-                <a:effectLst/>
                 <a:latin typeface="system-ui"/>
               </a:rPr>
               <a:t>— это облачный сервис для визуализации данных и создания аналитических отчетов. Он позволяет подключаться к различным источникам данных, создавать </a:t>
             </a:r>
             <a:r>
-              <a:rPr lang="ru-RU" b="0" i="0" dirty="0" err="1">
+              <a:rPr lang="ru-RU" b="0" i="0">
                 <a:solidFill>
                   <a:srgbClr val="2C2C36"/>
                 </a:solidFill>
-                <a:effectLst/>
                 <a:latin typeface="system-ui"/>
               </a:rPr>
               <a:t>дашборды</a:t>
             </a:r>
             <a:r>
-              <a:rPr lang="ru-RU" b="0" i="0" dirty="0">
+              <a:rPr lang="ru-RU" b="0" i="0">
                 <a:solidFill>
                   <a:srgbClr val="2C2C36"/>
                 </a:solidFill>
-                <a:effectLst/>
                 <a:latin typeface="system-ui"/>
               </a:rPr>
               <a:t>, проводить анализ и поддерживать принятие управленческих решений.</a:t>
             </a:r>
-            <a:endParaRPr lang="ru-RU" dirty="0"/>
+            <a:endParaRPr lang="ru-RU"/>
           </a:p>
         </p:txBody>
       </p:sp>
       <p:pic>
         <p:nvPicPr>
-          <p:cNvPr id="5" name="Рисунок 4"/>
+          <p:cNvPr id="1766883421" name="Рисунок 4"/>
           <p:cNvPicPr>
             <a:picLocks noChangeAspect="1"/>
           </p:cNvPicPr>
           <p:nvPr/>
         </p:nvPicPr>
         <p:blipFill>
-          <a:blip r:embed="rId2"/>
-          <a:stretch>
-            <a:fillRect/>
-          </a:stretch>
+          <a:blip r:embed="rId3"/>
+          <a:stretch/>
         </p:blipFill>
-        <p:spPr>
+        <p:spPr bwMode="auto">
           <a:xfrm>
             <a:off x="2771774" y="2708737"/>
             <a:ext cx="6358621" cy="3682933"/>
@@ -4591,28 +5978,31 @@
         </p:spPr>
       </p:pic>
     </p:spTree>
-    <p:extLst>
-      <p:ext uri="{BB962C8B-B14F-4D97-AF65-F5344CB8AC3E}">
-        <p14:creationId xmlns:p14="http://schemas.microsoft.com/office/powerpoint/2010/main" val="3065941888"/>
-      </p:ext>
-    </p:extLst>
   </p:cSld>
   <p:clrMapOvr>
     <a:masterClrMapping/>
   </p:clrMapOvr>
+  <mc:AlternateContent xmlns:mc="http://schemas.openxmlformats.org/markup-compatibility/2006">
+    <mc:Choice xmlns:p159="http://schemas.microsoft.com/office/powerpoint/2015/09/main" xmlns:p14="http://schemas.microsoft.com/office/powerpoint/2010/main" Requires="p159">
+      <p:transition p14:dur="2000" advClick="1"/>
+    </mc:Choice>
+    <mc:Fallback>
+      <p:transition advClick="1"/>
+    </mc:Fallback>
+  </mc:AlternateContent>
 </p:sld>
 </file>
 
 <file path=ppt/slides/slide3.xml><?xml version="1.0" encoding="utf-8"?>
-<p:sld xmlns:a="http://schemas.openxmlformats.org/drawingml/2006/main" xmlns:r="http://schemas.openxmlformats.org/officeDocument/2006/relationships" xmlns:p="http://schemas.openxmlformats.org/presentationml/2006/main">
-  <p:cSld>
+<p:sld xmlns:a="http://schemas.openxmlformats.org/drawingml/2006/main" xmlns:r="http://schemas.openxmlformats.org/officeDocument/2006/relationships" xmlns:p="http://schemas.openxmlformats.org/presentationml/2006/main" xmlns:m="http://schemas.openxmlformats.org/officeDocument/2006/math" xmlns:w="http://schemas.openxmlformats.org/wordprocessingml/2006/main" xmlns:mc="http://schemas.openxmlformats.org/markup-compatibility/2006" showMasterPhAnim="0" showMasterSp="1" show="1">
+  <p:cSld name="">
     <p:spTree>
       <p:nvGrpSpPr>
         <p:cNvPr id="1" name=""/>
         <p:cNvGrpSpPr/>
         <p:nvPr/>
       </p:nvGrpSpPr>
-      <p:grpSpPr>
+      <p:grpSpPr bwMode="auto">
         <a:xfrm>
           <a:off x="0" y="0"/>
           <a:ext cx="0" cy="0"/>
@@ -4622,13 +6012,7 @@
       </p:grpSpPr>
       <p:sp>
         <p:nvSpPr>
-          <p:cNvPr id="2" name="Заголовок 1">
-            <a:extLst>
-              <a:ext uri="{FF2B5EF4-FFF2-40B4-BE49-F238E27FC236}">
-                <a16:creationId xmlns:a16="http://schemas.microsoft.com/office/drawing/2014/main" id="{A27BCECB-219E-D9AB-5A6D-FEBC00FA1750}"/>
-              </a:ext>
-            </a:extLst>
-          </p:cNvPr>
+          <p:cNvPr id="1607504264" name="Заголовок 1"/>
           <p:cNvSpPr>
             <a:spLocks noGrp="1"/>
           </p:cNvSpPr>
@@ -4636,7 +6020,7 @@
             <p:ph type="title"/>
           </p:nvPr>
         </p:nvSpPr>
-        <p:spPr>
+        <p:spPr bwMode="auto">
           <a:xfrm>
             <a:off x="838200" y="88034"/>
             <a:ext cx="10515600" cy="1325563"/>
@@ -4646,23 +6030,20 @@
           <a:bodyPr/>
           <a:lstStyle/>
           <a:p>
-            <a:pPr algn="ctr"/>
-            <a:r>
-              <a:rPr lang="ru-RU" dirty="0"/>
+            <a:pPr algn="ctr">
+              <a:defRPr/>
+            </a:pPr>
+            <a:r>
+              <a:rPr lang="ru-RU"/>
               <a:t>Основные характеристики</a:t>
             </a:r>
-          </a:p>
-        </p:txBody>
-      </p:sp>
-      <p:sp>
-        <p:nvSpPr>
-          <p:cNvPr id="3" name="Объект 2">
-            <a:extLst>
-              <a:ext uri="{FF2B5EF4-FFF2-40B4-BE49-F238E27FC236}">
-                <a16:creationId xmlns:a16="http://schemas.microsoft.com/office/drawing/2014/main" id="{438870BC-FB0E-0838-3DE9-B57E518A71E4}"/>
-              </a:ext>
-            </a:extLst>
-          </p:cNvPr>
+            <a:endParaRPr/>
+          </a:p>
+        </p:txBody>
+      </p:sp>
+      <p:sp>
+        <p:nvSpPr>
+          <p:cNvPr id="1461133402" name="Объект 2"/>
           <p:cNvSpPr>
             <a:spLocks noGrp="1"/>
           </p:cNvSpPr>
@@ -4670,7 +6051,7 @@
             <p:ph idx="1"/>
           </p:nvPr>
         </p:nvSpPr>
-        <p:spPr>
+        <p:spPr bwMode="auto">
           <a:xfrm>
             <a:off x="838200" y="1043781"/>
             <a:ext cx="10515600" cy="4351338"/>
@@ -4688,17 +6069,18 @@
                 <a:spcPts val="900"/>
               </a:spcAft>
               <a:buNone/>
-            </a:pPr>
-            <a:r>
-              <a:rPr lang="ru-RU" b="0" i="0" dirty="0">
+              <a:defRPr/>
+            </a:pPr>
+            <a:r>
+              <a:rPr lang="ru-RU" b="0" i="0">
                 <a:solidFill>
                   <a:srgbClr val="2C2C36"/>
                 </a:solidFill>
-                <a:effectLst/>
                 <a:latin typeface="system-ui"/>
               </a:rPr>
               <a:t>Визуализация данных:</a:t>
             </a:r>
+            <a:endParaRPr/>
           </a:p>
           <a:p>
             <a:pPr lvl="1">
@@ -4708,57 +6090,54 @@
               <a:spcAft>
                 <a:spcPts val="900"/>
               </a:spcAft>
-            </a:pPr>
-            <a:r>
-              <a:rPr lang="ru-RU" b="0" i="0" dirty="0">
+              <a:defRPr/>
+            </a:pPr>
+            <a:r>
+              <a:rPr lang="ru-RU" b="0" i="0">
                 <a:solidFill>
                   <a:srgbClr val="2C2C36"/>
                 </a:solidFill>
-                <a:effectLst/>
                 <a:latin typeface="system-ui"/>
               </a:rPr>
               <a:t>Широкий выбор типов диаграмм (графики, столбчатые диаграммы, тепловые </a:t>
             </a:r>
             <a:r>
-              <a:rPr lang="ru-RU" b="0" i="0" dirty="0" smtClean="0">
+              <a:rPr lang="ru-RU" b="0" i="0">
                 <a:solidFill>
                   <a:srgbClr val="2C2C36"/>
                 </a:solidFill>
-                <a:effectLst/>
                 <a:latin typeface="system-ui"/>
               </a:rPr>
               <a:t>карты</a:t>
             </a:r>
             <a:r>
-              <a:rPr lang="en-US" b="0" i="0" dirty="0" smtClean="0">
+              <a:rPr lang="en-US" b="0" i="0">
                 <a:solidFill>
                   <a:srgbClr val="2C2C36"/>
                 </a:solidFill>
-                <a:effectLst/>
                 <a:latin typeface="system-ui"/>
               </a:rPr>
               <a:t> </a:t>
             </a:r>
             <a:r>
-              <a:rPr lang="ru-RU" b="0" i="0" dirty="0" smtClean="0">
+              <a:rPr lang="ru-RU" b="0" i="0">
                 <a:solidFill>
                   <a:srgbClr val="2C2C36"/>
                 </a:solidFill>
-                <a:effectLst/>
                 <a:latin typeface="system-ui"/>
               </a:rPr>
               <a:t>круговые диаграммы, древовидная диаграмма и т.д</a:t>
             </a:r>
             <a:r>
-              <a:rPr lang="ru-RU" b="0" i="0" dirty="0">
+              <a:rPr lang="ru-RU" b="0" i="0">
                 <a:solidFill>
                   <a:srgbClr val="2C2C36"/>
                 </a:solidFill>
-                <a:effectLst/>
                 <a:latin typeface="system-ui"/>
               </a:rPr>
               <a:t>.).</a:t>
             </a:r>
+            <a:endParaRPr/>
           </a:p>
           <a:p>
             <a:pPr lvl="1">
@@ -4768,58 +6147,58 @@
               <a:spcAft>
                 <a:spcPts val="900"/>
               </a:spcAft>
-            </a:pPr>
-            <a:r>
-              <a:rPr lang="ru-RU" b="0" i="0" dirty="0">
+              <a:defRPr/>
+            </a:pPr>
+            <a:r>
+              <a:rPr lang="ru-RU" b="0" i="0">
                 <a:solidFill>
                   <a:srgbClr val="2C2C36"/>
                 </a:solidFill>
-                <a:effectLst/>
                 <a:latin typeface="system-ui"/>
               </a:rPr>
               <a:t>Интерактивные </a:t>
             </a:r>
             <a:r>
-              <a:rPr lang="ru-RU" b="0" i="0" dirty="0" err="1">
+              <a:rPr lang="ru-RU" b="0" i="0">
                 <a:solidFill>
                   <a:srgbClr val="2C2C36"/>
                 </a:solidFill>
-                <a:effectLst/>
                 <a:latin typeface="system-ui"/>
               </a:rPr>
               <a:t>дашборды</a:t>
             </a:r>
             <a:r>
-              <a:rPr lang="ru-RU" b="0" i="0" dirty="0">
+              <a:rPr lang="ru-RU" b="0" i="0">
                 <a:solidFill>
                   <a:srgbClr val="2C2C36"/>
                 </a:solidFill>
-                <a:effectLst/>
                 <a:latin typeface="system-ui"/>
               </a:rPr>
               <a:t> с фильтрами и динамическими параметрами.</a:t>
             </a:r>
-          </a:p>
-          <a:p>
-            <a:endParaRPr lang="ru-RU" dirty="0"/>
+            <a:endParaRPr/>
+          </a:p>
+          <a:p>
+            <a:pPr>
+              <a:defRPr/>
+            </a:pPr>
+            <a:endParaRPr lang="ru-RU"/>
           </a:p>
         </p:txBody>
       </p:sp>
       <p:pic>
         <p:nvPicPr>
-          <p:cNvPr id="4" name="Рисунок 3"/>
+          <p:cNvPr id="2047730356" name="Рисунок 3"/>
           <p:cNvPicPr>
             <a:picLocks noChangeAspect="1"/>
           </p:cNvPicPr>
           <p:nvPr/>
         </p:nvPicPr>
         <p:blipFill>
-          <a:blip r:embed="rId2"/>
-          <a:stretch>
-            <a:fillRect/>
-          </a:stretch>
+          <a:blip r:embed="rId3"/>
+          <a:stretch/>
         </p:blipFill>
-        <p:spPr>
+        <p:spPr bwMode="auto">
           <a:xfrm>
             <a:off x="8303408" y="3494860"/>
             <a:ext cx="3527543" cy="2522935"/>
@@ -4831,19 +6210,17 @@
       </p:pic>
       <p:pic>
         <p:nvPicPr>
-          <p:cNvPr id="6" name="Рисунок 5"/>
+          <p:cNvPr id="1628764171" name="Рисунок 5"/>
           <p:cNvPicPr>
             <a:picLocks noChangeAspect="1"/>
           </p:cNvPicPr>
           <p:nvPr/>
         </p:nvPicPr>
         <p:blipFill>
-          <a:blip r:embed="rId3"/>
-          <a:stretch>
-            <a:fillRect/>
-          </a:stretch>
+          <a:blip r:embed="rId4"/>
+          <a:stretch/>
         </p:blipFill>
-        <p:spPr>
+        <p:spPr bwMode="auto">
           <a:xfrm>
             <a:off x="4565365" y="3491330"/>
             <a:ext cx="3479327" cy="2540866"/>
@@ -4855,22 +6232,20 @@
       </p:pic>
       <p:pic>
         <p:nvPicPr>
-          <p:cNvPr id="8" name="Рисунок 7"/>
+          <p:cNvPr id="2082372035" name="Рисунок 7"/>
           <p:cNvPicPr>
             <a:picLocks noChangeAspect="1"/>
           </p:cNvPicPr>
           <p:nvPr/>
         </p:nvPicPr>
         <p:blipFill>
-          <a:blip r:embed="rId4"/>
-          <a:stretch>
-            <a:fillRect/>
-          </a:stretch>
+          <a:blip r:embed="rId5"/>
+          <a:stretch/>
         </p:blipFill>
-        <p:spPr>
+        <p:spPr bwMode="auto">
           <a:xfrm>
             <a:off x="838200" y="3491330"/>
-            <a:ext cx="3468449" cy="2526465"/>
+            <a:ext cx="3468449" cy="2526464"/>
           </a:xfrm>
           <a:prstGeom prst="rect">
             <a:avLst/>
@@ -4878,34 +6253,31 @@
         </p:spPr>
       </p:pic>
     </p:spTree>
-    <p:extLst>
-      <p:ext uri="{BB962C8B-B14F-4D97-AF65-F5344CB8AC3E}">
-        <p14:creationId xmlns:p14="http://schemas.microsoft.com/office/powerpoint/2010/main" val="4054314293"/>
-      </p:ext>
-    </p:extLst>
   </p:cSld>
   <p:clrMapOvr>
     <a:masterClrMapping/>
   </p:clrMapOvr>
+  <mc:AlternateContent xmlns:mc="http://schemas.openxmlformats.org/markup-compatibility/2006">
+    <mc:Choice xmlns:p159="http://schemas.microsoft.com/office/powerpoint/2015/09/main" xmlns:p14="http://schemas.microsoft.com/office/powerpoint/2010/main" Requires="p159">
+      <p:transition p14:dur="2000" advClick="1"/>
+    </mc:Choice>
+    <mc:Fallback>
+      <p:transition advClick="1"/>
+    </mc:Fallback>
+  </mc:AlternateContent>
 </p:sld>
 </file>
 
 <file path=ppt/slides/slide4.xml><?xml version="1.0" encoding="utf-8"?>
-<p:sld xmlns:a="http://schemas.openxmlformats.org/drawingml/2006/main" xmlns:r="http://schemas.openxmlformats.org/officeDocument/2006/relationships" xmlns:p="http://schemas.openxmlformats.org/presentationml/2006/main">
-  <p:cSld>
+<p:sld xmlns:a="http://schemas.openxmlformats.org/drawingml/2006/main" xmlns:r="http://schemas.openxmlformats.org/officeDocument/2006/relationships" xmlns:p="http://schemas.openxmlformats.org/presentationml/2006/main" xmlns:m="http://schemas.openxmlformats.org/officeDocument/2006/math" xmlns:w="http://schemas.openxmlformats.org/wordprocessingml/2006/main" xmlns:mc="http://schemas.openxmlformats.org/markup-compatibility/2006" showMasterPhAnim="0" showMasterSp="1" show="1">
+  <p:cSld name="">
     <p:spTree>
       <p:nvGrpSpPr>
-        <p:cNvPr id="1" name="">
-          <a:extLst>
-            <a:ext uri="{FF2B5EF4-FFF2-40B4-BE49-F238E27FC236}">
-              <a16:creationId xmlns:a16="http://schemas.microsoft.com/office/drawing/2014/main" id="{57017B53-CD10-5318-36A1-B9A8CF6245DB}"/>
-            </a:ext>
-          </a:extLst>
-        </p:cNvPr>
+        <p:cNvPr id="1" name=""/>
         <p:cNvGrpSpPr/>
         <p:nvPr/>
       </p:nvGrpSpPr>
-      <p:grpSpPr>
+      <p:grpSpPr bwMode="auto">
         <a:xfrm>
           <a:off x="0" y="0"/>
           <a:ext cx="0" cy="0"/>
@@ -4915,13 +6287,7 @@
       </p:grpSpPr>
       <p:sp>
         <p:nvSpPr>
-          <p:cNvPr id="2" name="Заголовок 1">
-            <a:extLst>
-              <a:ext uri="{FF2B5EF4-FFF2-40B4-BE49-F238E27FC236}">
-                <a16:creationId xmlns:a16="http://schemas.microsoft.com/office/drawing/2014/main" id="{08B73117-0C22-35A1-6A20-1B91527DCE9B}"/>
-              </a:ext>
-            </a:extLst>
-          </p:cNvPr>
+          <p:cNvPr id="818380997" name="Заголовок 1"/>
           <p:cNvSpPr>
             <a:spLocks noGrp="1"/>
           </p:cNvSpPr>
@@ -4929,7 +6295,7 @@
             <p:ph type="title"/>
           </p:nvPr>
         </p:nvSpPr>
-        <p:spPr>
+        <p:spPr bwMode="auto">
           <a:xfrm>
             <a:off x="838200" y="88034"/>
             <a:ext cx="10515600" cy="1325563"/>
@@ -4939,42 +6305,42 @@
           <a:bodyPr/>
           <a:lstStyle/>
           <a:p>
-            <a:pPr algn="ctr"/>
-            <a:r>
-              <a:rPr lang="ru-RU" dirty="0"/>
+            <a:pPr algn="ctr">
+              <a:defRPr/>
+            </a:pPr>
+            <a:r>
+              <a:rPr lang="ru-RU"/>
               <a:t>Пример – </a:t>
             </a:r>
             <a:r>
-              <a:rPr lang="en-US" dirty="0" err="1"/>
+              <a:rPr lang="en-US"/>
               <a:t>DataLens</a:t>
             </a:r>
             <a:r>
-              <a:rPr lang="en-US" dirty="0"/>
+              <a:rPr lang="en-US"/>
               <a:t> Demo </a:t>
             </a:r>
             <a:r>
-              <a:rPr lang="en-US" dirty="0" err="1"/>
+              <a:rPr lang="en-US"/>
               <a:t>DashBoard</a:t>
             </a:r>
-            <a:endParaRPr lang="ru-RU" dirty="0"/>
+            <a:endParaRPr lang="ru-RU"/>
           </a:p>
         </p:txBody>
       </p:sp>
       <p:pic>
         <p:nvPicPr>
-          <p:cNvPr id="3" name="Рисунок 2"/>
+          <p:cNvPr id="566954364" name="Рисунок 2"/>
           <p:cNvPicPr>
             <a:picLocks noChangeAspect="1"/>
           </p:cNvPicPr>
           <p:nvPr/>
         </p:nvPicPr>
         <p:blipFill>
-          <a:blip r:embed="rId2"/>
-          <a:stretch>
-            <a:fillRect/>
-          </a:stretch>
+          <a:blip r:embed="rId3"/>
+          <a:stretch/>
         </p:blipFill>
-        <p:spPr>
+        <p:spPr bwMode="auto">
           <a:xfrm>
             <a:off x="838200" y="1438318"/>
             <a:ext cx="10585786" cy="3728550"/>
@@ -4985,34 +6351,31 @@
         </p:spPr>
       </p:pic>
     </p:spTree>
-    <p:extLst>
-      <p:ext uri="{BB962C8B-B14F-4D97-AF65-F5344CB8AC3E}">
-        <p14:creationId xmlns:p14="http://schemas.microsoft.com/office/powerpoint/2010/main" val="733635174"/>
-      </p:ext>
-    </p:extLst>
   </p:cSld>
   <p:clrMapOvr>
     <a:masterClrMapping/>
   </p:clrMapOvr>
+  <mc:AlternateContent xmlns:mc="http://schemas.openxmlformats.org/markup-compatibility/2006">
+    <mc:Choice xmlns:p159="http://schemas.microsoft.com/office/powerpoint/2015/09/main" xmlns:p14="http://schemas.microsoft.com/office/powerpoint/2010/main" Requires="p159">
+      <p:transition p14:dur="2000" advClick="1"/>
+    </mc:Choice>
+    <mc:Fallback>
+      <p:transition advClick="1"/>
+    </mc:Fallback>
+  </mc:AlternateContent>
 </p:sld>
 </file>
 
 <file path=ppt/slides/slide5.xml><?xml version="1.0" encoding="utf-8"?>
-<p:sld xmlns:a="http://schemas.openxmlformats.org/drawingml/2006/main" xmlns:r="http://schemas.openxmlformats.org/officeDocument/2006/relationships" xmlns:p="http://schemas.openxmlformats.org/presentationml/2006/main">
-  <p:cSld>
+<p:sld xmlns:a="http://schemas.openxmlformats.org/drawingml/2006/main" xmlns:r="http://schemas.openxmlformats.org/officeDocument/2006/relationships" xmlns:p="http://schemas.openxmlformats.org/presentationml/2006/main" xmlns:m="http://schemas.openxmlformats.org/officeDocument/2006/math" xmlns:w="http://schemas.openxmlformats.org/wordprocessingml/2006/main" xmlns:mc="http://schemas.openxmlformats.org/markup-compatibility/2006" showMasterPhAnim="0" showMasterSp="1" show="1">
+  <p:cSld name="">
     <p:spTree>
       <p:nvGrpSpPr>
-        <p:cNvPr id="1" name="">
-          <a:extLst>
-            <a:ext uri="{FF2B5EF4-FFF2-40B4-BE49-F238E27FC236}">
-              <a16:creationId xmlns:a16="http://schemas.microsoft.com/office/drawing/2014/main" id="{A0DD30FA-6294-A192-919C-D3C899AC30EF}"/>
-            </a:ext>
-          </a:extLst>
-        </p:cNvPr>
+        <p:cNvPr id="1" name=""/>
         <p:cNvGrpSpPr/>
         <p:nvPr/>
       </p:nvGrpSpPr>
-      <p:grpSpPr>
+      <p:grpSpPr bwMode="auto">
         <a:xfrm>
           <a:off x="0" y="0"/>
           <a:ext cx="0" cy="0"/>
@@ -5022,13 +6385,7 @@
       </p:grpSpPr>
       <p:sp>
         <p:nvSpPr>
-          <p:cNvPr id="2" name="Заголовок 1">
-            <a:extLst>
-              <a:ext uri="{FF2B5EF4-FFF2-40B4-BE49-F238E27FC236}">
-                <a16:creationId xmlns:a16="http://schemas.microsoft.com/office/drawing/2014/main" id="{5CAC2DDC-5832-B4D1-FC8D-5752B0E0BB05}"/>
-              </a:ext>
-            </a:extLst>
-          </p:cNvPr>
+          <p:cNvPr id="976212735" name="Заголовок 1"/>
           <p:cNvSpPr>
             <a:spLocks noGrp="1"/>
           </p:cNvSpPr>
@@ -5036,7 +6393,7 @@
             <p:ph type="title"/>
           </p:nvPr>
         </p:nvSpPr>
-        <p:spPr>
+        <p:spPr bwMode="auto">
           <a:xfrm>
             <a:off x="838200" y="88034"/>
             <a:ext cx="10515600" cy="1325563"/>
@@ -5046,23 +6403,20 @@
           <a:bodyPr/>
           <a:lstStyle/>
           <a:p>
-            <a:pPr algn="ctr"/>
-            <a:r>
-              <a:rPr lang="ru-RU" dirty="0"/>
+            <a:pPr algn="ctr">
+              <a:defRPr/>
+            </a:pPr>
+            <a:r>
+              <a:rPr lang="ru-RU"/>
               <a:t>Основные характеристики</a:t>
             </a:r>
-          </a:p>
-        </p:txBody>
-      </p:sp>
-      <p:sp>
-        <p:nvSpPr>
-          <p:cNvPr id="3" name="Объект 2">
-            <a:extLst>
-              <a:ext uri="{FF2B5EF4-FFF2-40B4-BE49-F238E27FC236}">
-                <a16:creationId xmlns:a16="http://schemas.microsoft.com/office/drawing/2014/main" id="{3E64C493-3247-926C-5263-195F09085B32}"/>
-              </a:ext>
-            </a:extLst>
-          </p:cNvPr>
+            <a:endParaRPr/>
+          </a:p>
+        </p:txBody>
+      </p:sp>
+      <p:sp>
+        <p:nvSpPr>
+          <p:cNvPr id="1348243973" name="Объект 2"/>
           <p:cNvSpPr>
             <a:spLocks noGrp="1"/>
           </p:cNvSpPr>
@@ -5070,7 +6424,7 @@
             <p:ph idx="1"/>
           </p:nvPr>
         </p:nvSpPr>
-        <p:spPr>
+        <p:spPr bwMode="auto">
           <a:xfrm>
             <a:off x="838200" y="1054282"/>
             <a:ext cx="10515600" cy="4351338"/>
@@ -5088,9 +6442,10 @@
                 <a:spcPts val="900"/>
               </a:spcAft>
               <a:buNone/>
-            </a:pPr>
-            <a:r>
-              <a:rPr lang="ru-RU" sz="2800" b="1" dirty="0">
+              <a:defRPr/>
+            </a:pPr>
+            <a:r>
+              <a:rPr lang="ru-RU" sz="2800" b="1">
                 <a:solidFill>
                   <a:srgbClr val="2C2C36"/>
                 </a:solidFill>
@@ -5099,7 +6454,7 @@
               <a:t>Интеграция с источниками данных включает в себя</a:t>
             </a:r>
             <a:r>
-              <a:rPr lang="ru-RU" sz="2800" b="1" dirty="0" smtClean="0">
+              <a:rPr lang="ru-RU" sz="2800" b="1">
                 <a:solidFill>
                   <a:srgbClr val="2C2C36"/>
                 </a:solidFill>
@@ -5107,7 +6462,7 @@
               </a:rPr>
               <a:t>:</a:t>
             </a:r>
-            <a:endParaRPr lang="ru-RU" sz="2800" b="1" dirty="0">
+            <a:endParaRPr lang="ru-RU" sz="2800" b="1">
               <a:solidFill>
                 <a:srgbClr val="2C2C36"/>
               </a:solidFill>
@@ -5122,35 +6477,37 @@
               <a:spcAft>
                 <a:spcPts val="900"/>
               </a:spcAft>
-            </a:pPr>
-            <a:r>
-              <a:rPr lang="ru-RU" sz="2400" dirty="0"/>
+              <a:defRPr/>
+            </a:pPr>
+            <a:r>
+              <a:rPr lang="ru-RU" sz="2400"/>
               <a:t>Возможность подключения к популярным СУБД, таким как </a:t>
             </a:r>
             <a:r>
-              <a:rPr lang="ru-RU" sz="2400" dirty="0" err="1"/>
+              <a:rPr lang="ru-RU" sz="2400"/>
               <a:t>ClickHouse</a:t>
             </a:r>
             <a:r>
-              <a:rPr lang="ru-RU" sz="2400" dirty="0"/>
+              <a:rPr lang="ru-RU" sz="2400"/>
               <a:t>, </a:t>
             </a:r>
             <a:r>
-              <a:rPr lang="ru-RU" sz="2400" dirty="0" err="1"/>
+              <a:rPr lang="ru-RU" sz="2400"/>
               <a:t>PostgreSQL</a:t>
             </a:r>
             <a:r>
-              <a:rPr lang="ru-RU" sz="2400" dirty="0"/>
+              <a:rPr lang="ru-RU" sz="2400"/>
               <a:t>, </a:t>
             </a:r>
             <a:r>
-              <a:rPr lang="ru-RU" sz="2400" dirty="0" err="1"/>
+              <a:rPr lang="ru-RU" sz="2400"/>
               <a:t>MySQL</a:t>
             </a:r>
             <a:r>
-              <a:rPr lang="ru-RU" sz="2400" dirty="0"/>
+              <a:rPr lang="ru-RU" sz="2400"/>
               <a:t> и другим.</a:t>
             </a:r>
+            <a:endParaRPr/>
           </a:p>
           <a:p>
             <a:pPr>
@@ -5160,19 +6517,21 @@
               <a:spcAft>
                 <a:spcPts val="900"/>
               </a:spcAft>
-            </a:pPr>
-            <a:r>
-              <a:rPr lang="ru-RU" sz="2400" dirty="0"/>
+              <a:defRPr/>
+            </a:pPr>
+            <a:r>
+              <a:rPr lang="ru-RU" sz="2400"/>
               <a:t>Экспорт данных из форматов </a:t>
             </a:r>
             <a:r>
-              <a:rPr lang="ru-RU" sz="2400" dirty="0" err="1"/>
+              <a:rPr lang="ru-RU" sz="2400"/>
               <a:t>Excel</a:t>
             </a:r>
             <a:r>
-              <a:rPr lang="ru-RU" sz="2400" dirty="0"/>
+              <a:rPr lang="ru-RU" sz="2400"/>
               <a:t>, CSV и других.</a:t>
             </a:r>
+            <a:endParaRPr/>
           </a:p>
           <a:p>
             <a:pPr>
@@ -5182,46 +6541,48 @@
               <a:spcAft>
                 <a:spcPts val="900"/>
               </a:spcAft>
-            </a:pPr>
-            <a:r>
-              <a:rPr lang="ru-RU" sz="2400" dirty="0"/>
+              <a:defRPr/>
+            </a:pPr>
+            <a:r>
+              <a:rPr lang="ru-RU" sz="2400"/>
               <a:t>Поддержка выполнения SQL-запросов для работы с базами данных.</a:t>
             </a:r>
-          </a:p>
-          <a:p>
-            <a:endParaRPr lang="ru-RU" dirty="0"/>
+            <a:endParaRPr/>
+          </a:p>
+          <a:p>
+            <a:pPr>
+              <a:defRPr/>
+            </a:pPr>
+            <a:endParaRPr lang="ru-RU"/>
           </a:p>
         </p:txBody>
       </p:sp>
     </p:spTree>
-    <p:extLst>
-      <p:ext uri="{BB962C8B-B14F-4D97-AF65-F5344CB8AC3E}">
-        <p14:creationId xmlns:p14="http://schemas.microsoft.com/office/powerpoint/2010/main" val="50690572"/>
-      </p:ext>
-    </p:extLst>
   </p:cSld>
   <p:clrMapOvr>
     <a:masterClrMapping/>
   </p:clrMapOvr>
+  <mc:AlternateContent xmlns:mc="http://schemas.openxmlformats.org/markup-compatibility/2006">
+    <mc:Choice xmlns:p159="http://schemas.microsoft.com/office/powerpoint/2015/09/main" xmlns:p14="http://schemas.microsoft.com/office/powerpoint/2010/main" Requires="p159">
+      <p:transition p14:dur="2000" advClick="1"/>
+    </mc:Choice>
+    <mc:Fallback>
+      <p:transition advClick="1"/>
+    </mc:Fallback>
+  </mc:AlternateContent>
 </p:sld>
 </file>
 
 <file path=ppt/slides/slide6.xml><?xml version="1.0" encoding="utf-8"?>
-<p:sld xmlns:a="http://schemas.openxmlformats.org/drawingml/2006/main" xmlns:r="http://schemas.openxmlformats.org/officeDocument/2006/relationships" xmlns:p="http://schemas.openxmlformats.org/presentationml/2006/main">
-  <p:cSld>
+<p:sld xmlns:a="http://schemas.openxmlformats.org/drawingml/2006/main" xmlns:r="http://schemas.openxmlformats.org/officeDocument/2006/relationships" xmlns:p="http://schemas.openxmlformats.org/presentationml/2006/main" xmlns:m="http://schemas.openxmlformats.org/officeDocument/2006/math" xmlns:w="http://schemas.openxmlformats.org/wordprocessingml/2006/main" xmlns:mc="http://schemas.openxmlformats.org/markup-compatibility/2006" showMasterPhAnim="0" showMasterSp="1" show="1">
+  <p:cSld name="">
     <p:spTree>
       <p:nvGrpSpPr>
-        <p:cNvPr id="1" name="">
-          <a:extLst>
-            <a:ext uri="{FF2B5EF4-FFF2-40B4-BE49-F238E27FC236}">
-              <a16:creationId xmlns:a16="http://schemas.microsoft.com/office/drawing/2014/main" id="{97288503-2460-9F4C-D4E8-42CE50CABA1B}"/>
-            </a:ext>
-          </a:extLst>
-        </p:cNvPr>
+        <p:cNvPr id="1" name=""/>
         <p:cNvGrpSpPr/>
         <p:nvPr/>
       </p:nvGrpSpPr>
-      <p:grpSpPr>
+      <p:grpSpPr bwMode="auto">
         <a:xfrm>
           <a:off x="0" y="0"/>
           <a:ext cx="0" cy="0"/>
@@ -5231,13 +6592,7 @@
       </p:grpSpPr>
       <p:sp>
         <p:nvSpPr>
-          <p:cNvPr id="2" name="Заголовок 1">
-            <a:extLst>
-              <a:ext uri="{FF2B5EF4-FFF2-40B4-BE49-F238E27FC236}">
-                <a16:creationId xmlns:a16="http://schemas.microsoft.com/office/drawing/2014/main" id="{7493FE76-2375-74B9-CF29-6AE7F8E2C4B3}"/>
-              </a:ext>
-            </a:extLst>
-          </p:cNvPr>
+          <p:cNvPr id="1883986360" name="Заголовок 1"/>
           <p:cNvSpPr>
             <a:spLocks noGrp="1"/>
           </p:cNvSpPr>
@@ -5245,7 +6600,7 @@
             <p:ph type="title"/>
           </p:nvPr>
         </p:nvSpPr>
-        <p:spPr>
+        <p:spPr bwMode="auto">
           <a:xfrm>
             <a:off x="838200" y="88035"/>
             <a:ext cx="10515600" cy="1065636"/>
@@ -5255,32 +6610,34 @@
           <a:bodyPr/>
           <a:lstStyle/>
           <a:p>
-            <a:pPr algn="ctr"/>
-            <a:r>
-              <a:rPr lang="ru-RU" dirty="0"/>
+            <a:pPr algn="ctr">
+              <a:defRPr/>
+            </a:pPr>
+            <a:r>
+              <a:rPr lang="ru-RU"/>
               <a:t>Пример – </a:t>
             </a:r>
             <a:r>
-              <a:rPr lang="en-US" dirty="0" err="1"/>
+              <a:rPr lang="en-US"/>
               <a:t>DataLens</a:t>
             </a:r>
             <a:r>
-              <a:rPr lang="en-US" dirty="0"/>
+              <a:rPr lang="en-US"/>
               <a:t> Demo </a:t>
             </a:r>
             <a:r>
-              <a:rPr lang="en-US" dirty="0" err="1"/>
+              <a:rPr lang="en-US"/>
               <a:t>DashBoard</a:t>
             </a:r>
-            <a:endParaRPr lang="ru-RU" dirty="0"/>
-          </a:p>
-        </p:txBody>
-      </p:sp>
-      <p:sp>
-        <p:nvSpPr>
-          <p:cNvPr id="8" name="AutoShape 6" descr="Скриншот описания SQL на уровне чарта"/>
-          <p:cNvSpPr>
-            <a:spLocks noChangeAspect="1" noChangeArrowheads="1"/>
+            <a:endParaRPr lang="ru-RU"/>
+          </a:p>
+        </p:txBody>
+      </p:sp>
+      <p:sp>
+        <p:nvSpPr>
+          <p:cNvPr id="1543422201" name="AutoShape 6" descr="Скриншот описания SQL на уровне чарта"/>
+          <p:cNvSpPr>
+            <a:spLocks noChangeArrowheads="1" noChangeAspect="1"/>
           </p:cNvSpPr>
           <p:nvPr/>
         </p:nvSpPr>
@@ -5293,43 +6650,33 @@
             <a:avLst/>
           </a:prstGeom>
           <a:noFill/>
-          <a:extLst>
-            <a:ext uri="{909E8E84-426E-40DD-AFC4-6F175D3DCCD1}">
-              <a14:hiddenFill xmlns:a14="http://schemas.microsoft.com/office/drawing/2010/main">
-                <a:solidFill>
-                  <a:srgbClr val="FFFFFF"/>
-                </a:solidFill>
-              </a14:hiddenFill>
-            </a:ext>
-          </a:extLst>
         </p:spPr>
         <p:txBody>
           <a:bodyPr vert="horz" wrap="square" lIns="91440" tIns="45720" rIns="91440" bIns="45720" numCol="1" anchor="t" anchorCtr="0" compatLnSpc="1">
-            <a:prstTxWarp prst="textNoShape">
-              <a:avLst/>
-            </a:prstTxWarp>
+            <a:prstTxWarp prst="textNoShape"/>
           </a:bodyPr>
           <a:lstStyle/>
           <a:p>
+            <a:pPr>
+              <a:defRPr/>
+            </a:pPr>
             <a:endParaRPr lang="ru-RU"/>
           </a:p>
         </p:txBody>
       </p:sp>
       <p:pic>
         <p:nvPicPr>
-          <p:cNvPr id="9" name="Рисунок 8"/>
+          <p:cNvPr id="1817521538" name="Рисунок 8"/>
           <p:cNvPicPr>
             <a:picLocks noChangeAspect="1"/>
           </p:cNvPicPr>
           <p:nvPr/>
         </p:nvPicPr>
         <p:blipFill>
-          <a:blip r:embed="rId2"/>
-          <a:stretch>
-            <a:fillRect/>
-          </a:stretch>
+          <a:blip r:embed="rId3"/>
+          <a:stretch/>
         </p:blipFill>
-        <p:spPr>
+        <p:spPr bwMode="auto">
           <a:xfrm>
             <a:off x="1389259" y="904491"/>
             <a:ext cx="9964541" cy="5506218"/>
@@ -5340,34 +6687,31 @@
         </p:spPr>
       </p:pic>
     </p:spTree>
-    <p:extLst>
-      <p:ext uri="{BB962C8B-B14F-4D97-AF65-F5344CB8AC3E}">
-        <p14:creationId xmlns:p14="http://schemas.microsoft.com/office/powerpoint/2010/main" val="70354737"/>
-      </p:ext>
-    </p:extLst>
   </p:cSld>
   <p:clrMapOvr>
     <a:masterClrMapping/>
   </p:clrMapOvr>
+  <mc:AlternateContent xmlns:mc="http://schemas.openxmlformats.org/markup-compatibility/2006">
+    <mc:Choice xmlns:p159="http://schemas.microsoft.com/office/powerpoint/2015/09/main" xmlns:p14="http://schemas.microsoft.com/office/powerpoint/2010/main" Requires="p159">
+      <p:transition p14:dur="2000" advClick="1"/>
+    </mc:Choice>
+    <mc:Fallback>
+      <p:transition advClick="1"/>
+    </mc:Fallback>
+  </mc:AlternateContent>
 </p:sld>
 </file>
 
 <file path=ppt/slides/slide7.xml><?xml version="1.0" encoding="utf-8"?>
-<p:sld xmlns:a="http://schemas.openxmlformats.org/drawingml/2006/main" xmlns:r="http://schemas.openxmlformats.org/officeDocument/2006/relationships" xmlns:p="http://schemas.openxmlformats.org/presentationml/2006/main">
-  <p:cSld>
+<p:sld xmlns:a="http://schemas.openxmlformats.org/drawingml/2006/main" xmlns:r="http://schemas.openxmlformats.org/officeDocument/2006/relationships" xmlns:p="http://schemas.openxmlformats.org/presentationml/2006/main" xmlns:m="http://schemas.openxmlformats.org/officeDocument/2006/math" xmlns:w="http://schemas.openxmlformats.org/wordprocessingml/2006/main" xmlns:mc="http://schemas.openxmlformats.org/markup-compatibility/2006" showMasterPhAnim="0" showMasterSp="1" show="1">
+  <p:cSld name="">
     <p:spTree>
       <p:nvGrpSpPr>
-        <p:cNvPr id="1" name="">
-          <a:extLst>
-            <a:ext uri="{FF2B5EF4-FFF2-40B4-BE49-F238E27FC236}">
-              <a16:creationId xmlns:a16="http://schemas.microsoft.com/office/drawing/2014/main" id="{DE72B2B8-B351-F29C-C2B4-C73F026249FC}"/>
-            </a:ext>
-          </a:extLst>
-        </p:cNvPr>
+        <p:cNvPr id="1" name=""/>
         <p:cNvGrpSpPr/>
         <p:nvPr/>
       </p:nvGrpSpPr>
-      <p:grpSpPr>
+      <p:grpSpPr bwMode="auto">
         <a:xfrm>
           <a:off x="0" y="0"/>
           <a:ext cx="0" cy="0"/>
@@ -5377,13 +6721,7 @@
       </p:grpSpPr>
       <p:sp>
         <p:nvSpPr>
-          <p:cNvPr id="2" name="Заголовок 1">
-            <a:extLst>
-              <a:ext uri="{FF2B5EF4-FFF2-40B4-BE49-F238E27FC236}">
-                <a16:creationId xmlns:a16="http://schemas.microsoft.com/office/drawing/2014/main" id="{D9E4CDD2-093D-2B41-2564-7C7177BBA0E0}"/>
-              </a:ext>
-            </a:extLst>
-          </p:cNvPr>
+          <p:cNvPr id="2118906559" name="Заголовок 1"/>
           <p:cNvSpPr>
             <a:spLocks noGrp="1"/>
           </p:cNvSpPr>
@@ -5391,7 +6729,7 @@
             <p:ph type="title"/>
           </p:nvPr>
         </p:nvSpPr>
-        <p:spPr>
+        <p:spPr bwMode="auto">
           <a:xfrm>
             <a:off x="838200" y="88034"/>
             <a:ext cx="10515600" cy="1325563"/>
@@ -5401,23 +6739,20 @@
           <a:bodyPr/>
           <a:lstStyle/>
           <a:p>
-            <a:pPr algn="ctr"/>
-            <a:r>
-              <a:rPr lang="ru-RU" dirty="0"/>
+            <a:pPr algn="ctr">
+              <a:defRPr/>
+            </a:pPr>
+            <a:r>
+              <a:rPr lang="ru-RU"/>
               <a:t>Основные характеристики</a:t>
             </a:r>
-          </a:p>
-        </p:txBody>
-      </p:sp>
-      <p:sp>
-        <p:nvSpPr>
-          <p:cNvPr id="3" name="Объект 2">
-            <a:extLst>
-              <a:ext uri="{FF2B5EF4-FFF2-40B4-BE49-F238E27FC236}">
-                <a16:creationId xmlns:a16="http://schemas.microsoft.com/office/drawing/2014/main" id="{748D5ADB-BFBB-4749-B9CC-C6578BE70564}"/>
-              </a:ext>
-            </a:extLst>
-          </p:cNvPr>
+            <a:endParaRPr/>
+          </a:p>
+        </p:txBody>
+      </p:sp>
+      <p:sp>
+        <p:nvSpPr>
+          <p:cNvPr id="303450110" name="Объект 2"/>
           <p:cNvSpPr>
             <a:spLocks noGrp="1"/>
           </p:cNvSpPr>
@@ -5425,7 +6760,7 @@
             <p:ph idx="1"/>
           </p:nvPr>
         </p:nvSpPr>
-        <p:spPr>
+        <p:spPr bwMode="auto">
           <a:xfrm>
             <a:off x="838200" y="1042121"/>
             <a:ext cx="10515600" cy="4968153"/>
@@ -5439,123 +6774,150 @@
           <a:p>
             <a:pPr marL="0" indent="0">
               <a:buNone/>
-            </a:pPr>
-            <a:r>
-              <a:rPr lang="ru-RU" b="1" dirty="0"/>
+              <a:defRPr/>
+            </a:pPr>
+            <a:r>
+              <a:rPr lang="ru-RU" b="1"/>
               <a:t>Масштабируемость</a:t>
             </a:r>
-            <a:endParaRPr lang="ru-RU" dirty="0"/>
-          </a:p>
-          <a:p>
-            <a:r>
-              <a:rPr lang="ru-RU" dirty="0"/>
+            <a:endParaRPr lang="ru-RU"/>
+          </a:p>
+          <a:p>
+            <a:pPr>
+              <a:defRPr/>
+            </a:pPr>
+            <a:r>
+              <a:rPr lang="ru-RU"/>
               <a:t>Облачная архитектура обеспечивает обработку больших данных.</a:t>
             </a:r>
-          </a:p>
-          <a:p>
-            <a:r>
-              <a:rPr lang="ru-RU" dirty="0"/>
+            <a:endParaRPr/>
+          </a:p>
+          <a:p>
+            <a:pPr>
+              <a:defRPr/>
+            </a:pPr>
+            <a:r>
+              <a:rPr lang="ru-RU"/>
               <a:t>Подходит для компаний с крупными массивами информации (например, данные студентов, курсов и платежей).</a:t>
             </a:r>
+            <a:endParaRPr/>
           </a:p>
           <a:p>
             <a:pPr marL="0" indent="0">
               <a:buNone/>
-            </a:pPr>
-            <a:r>
-              <a:rPr lang="ru-RU" b="1" dirty="0"/>
+              <a:defRPr/>
+            </a:pPr>
+            <a:r>
+              <a:rPr lang="ru-RU" b="1"/>
               <a:t>П</a:t>
             </a:r>
             <a:r>
-              <a:rPr lang="ru-RU" b="1" dirty="0" smtClean="0"/>
+              <a:rPr lang="ru-RU" b="1"/>
               <a:t>ользовательский </a:t>
             </a:r>
             <a:r>
-              <a:rPr lang="ru-RU" b="1" dirty="0"/>
+              <a:rPr lang="ru-RU" b="1"/>
               <a:t>интерфейс</a:t>
             </a:r>
-            <a:endParaRPr lang="ru-RU" dirty="0"/>
-          </a:p>
-          <a:p>
-            <a:r>
-              <a:rPr lang="ru-RU" dirty="0"/>
+            <a:endParaRPr lang="ru-RU"/>
+          </a:p>
+          <a:p>
+            <a:pPr>
+              <a:defRPr/>
+            </a:pPr>
+            <a:r>
+              <a:rPr lang="ru-RU"/>
               <a:t>Простой и интуитивный интерфейс для аналитиков и менеджеров.</a:t>
             </a:r>
-          </a:p>
-          <a:p>
-            <a:r>
-              <a:rPr lang="ru-RU" dirty="0"/>
+            <a:endParaRPr/>
+          </a:p>
+          <a:p>
+            <a:pPr>
+              <a:defRPr/>
+            </a:pPr>
+            <a:r>
+              <a:rPr lang="ru-RU"/>
               <a:t>Создание базовых отчетов без необходимости глубоких технических знаний.</a:t>
             </a:r>
+            <a:endParaRPr/>
           </a:p>
           <a:p>
             <a:pPr marL="0" indent="0">
               <a:buNone/>
-            </a:pPr>
-            <a:r>
-              <a:rPr lang="ru-RU" b="1" dirty="0"/>
+              <a:defRPr/>
+            </a:pPr>
+            <a:r>
+              <a:rPr lang="ru-RU" b="1"/>
               <a:t>Безопасность</a:t>
             </a:r>
-            <a:endParaRPr lang="ru-RU" dirty="0"/>
-          </a:p>
-          <a:p>
-            <a:r>
-              <a:rPr lang="ru-RU" dirty="0"/>
+            <a:endParaRPr lang="ru-RU"/>
+          </a:p>
+          <a:p>
+            <a:pPr>
+              <a:defRPr/>
+            </a:pPr>
+            <a:r>
+              <a:rPr lang="ru-RU"/>
               <a:t>Встроенные механизмы защиты данных.</a:t>
             </a:r>
-          </a:p>
-          <a:p>
-            <a:r>
-              <a:rPr lang="ru-RU" dirty="0"/>
+            <a:endParaRPr/>
+          </a:p>
+          <a:p>
+            <a:pPr>
+              <a:defRPr/>
+            </a:pPr>
+            <a:r>
+              <a:rPr lang="ru-RU"/>
               <a:t>Гибкое управление правами доступа для разных пользователей.</a:t>
             </a:r>
+            <a:endParaRPr/>
           </a:p>
           <a:p>
             <a:pPr marL="0" indent="0">
               <a:buNone/>
-            </a:pPr>
-            <a:endParaRPr lang="ru-RU" b="0" i="0" dirty="0">
+              <a:defRPr/>
+            </a:pPr>
+            <a:endParaRPr lang="ru-RU" b="0" i="0">
               <a:solidFill>
                 <a:srgbClr val="2C2C36"/>
               </a:solidFill>
-              <a:effectLst/>
               <a:latin typeface="system-ui"/>
             </a:endParaRPr>
           </a:p>
           <a:p>
-            <a:endParaRPr lang="ru-RU" dirty="0"/>
+            <a:pPr>
+              <a:defRPr/>
+            </a:pPr>
+            <a:endParaRPr lang="ru-RU"/>
           </a:p>
         </p:txBody>
       </p:sp>
     </p:spTree>
-    <p:extLst>
-      <p:ext uri="{BB962C8B-B14F-4D97-AF65-F5344CB8AC3E}">
-        <p14:creationId xmlns:p14="http://schemas.microsoft.com/office/powerpoint/2010/main" val="2476674629"/>
-      </p:ext>
-    </p:extLst>
   </p:cSld>
   <p:clrMapOvr>
     <a:masterClrMapping/>
   </p:clrMapOvr>
+  <mc:AlternateContent xmlns:mc="http://schemas.openxmlformats.org/markup-compatibility/2006">
+    <mc:Choice xmlns:p159="http://schemas.microsoft.com/office/powerpoint/2015/09/main" xmlns:p14="http://schemas.microsoft.com/office/powerpoint/2010/main" Requires="p159">
+      <p:transition p14:dur="2000" advClick="1"/>
+    </mc:Choice>
+    <mc:Fallback>
+      <p:transition advClick="1"/>
+    </mc:Fallback>
+  </mc:AlternateContent>
 </p:sld>
 </file>
 
 <file path=ppt/slides/slide8.xml><?xml version="1.0" encoding="utf-8"?>
-<p:sld xmlns:a="http://schemas.openxmlformats.org/drawingml/2006/main" xmlns:r="http://schemas.openxmlformats.org/officeDocument/2006/relationships" xmlns:p="http://schemas.openxmlformats.org/presentationml/2006/main">
-  <p:cSld>
+<p:sld xmlns:a="http://schemas.openxmlformats.org/drawingml/2006/main" xmlns:r="http://schemas.openxmlformats.org/officeDocument/2006/relationships" xmlns:p="http://schemas.openxmlformats.org/presentationml/2006/main" xmlns:m="http://schemas.openxmlformats.org/officeDocument/2006/math" xmlns:w="http://schemas.openxmlformats.org/wordprocessingml/2006/main" xmlns:mc="http://schemas.openxmlformats.org/markup-compatibility/2006" showMasterPhAnim="0" showMasterSp="1" show="1">
+  <p:cSld name="">
     <p:spTree>
       <p:nvGrpSpPr>
-        <p:cNvPr id="1" name="">
-          <a:extLst>
-            <a:ext uri="{FF2B5EF4-FFF2-40B4-BE49-F238E27FC236}">
-              <a16:creationId xmlns:a16="http://schemas.microsoft.com/office/drawing/2014/main" id="{EF15AB91-C648-3168-AA21-7727068B8CB4}"/>
-            </a:ext>
-          </a:extLst>
-        </p:cNvPr>
+        <p:cNvPr id="1" name=""/>
         <p:cNvGrpSpPr/>
         <p:nvPr/>
       </p:nvGrpSpPr>
-      <p:grpSpPr>
+      <p:grpSpPr bwMode="auto">
         <a:xfrm>
           <a:off x="0" y="0"/>
           <a:ext cx="0" cy="0"/>
@@ -5565,13 +6927,7 @@
       </p:grpSpPr>
       <p:sp>
         <p:nvSpPr>
-          <p:cNvPr id="2" name="Заголовок 1">
-            <a:extLst>
-              <a:ext uri="{FF2B5EF4-FFF2-40B4-BE49-F238E27FC236}">
-                <a16:creationId xmlns:a16="http://schemas.microsoft.com/office/drawing/2014/main" id="{877D212E-DB0C-B6B6-A073-B82964634311}"/>
-              </a:ext>
-            </a:extLst>
-          </p:cNvPr>
+          <p:cNvPr id="293159807" name="Заголовок 1"/>
           <p:cNvSpPr>
             <a:spLocks noGrp="1"/>
           </p:cNvSpPr>
@@ -5579,7 +6935,7 @@
             <p:ph type="title"/>
           </p:nvPr>
         </p:nvSpPr>
-        <p:spPr>
+        <p:spPr bwMode="auto">
           <a:xfrm>
             <a:off x="838200" y="88034"/>
             <a:ext cx="10515600" cy="1325563"/>
@@ -5589,47 +6945,44 @@
           <a:bodyPr/>
           <a:lstStyle/>
           <a:p>
-            <a:pPr algn="ctr"/>
-            <a:r>
-              <a:rPr lang="ru-RU" dirty="0"/>
+            <a:pPr algn="ctr">
+              <a:defRPr/>
+            </a:pPr>
+            <a:r>
+              <a:rPr lang="ru-RU"/>
               <a:t>Почему </a:t>
             </a:r>
             <a:r>
-              <a:rPr lang="ru-RU" dirty="0" err="1"/>
+              <a:rPr lang="ru-RU"/>
               <a:t>Yandex</a:t>
             </a:r>
             <a:r>
-              <a:rPr lang="ru-RU" dirty="0"/>
+              <a:rPr lang="ru-RU"/>
               <a:t> </a:t>
             </a:r>
             <a:r>
-              <a:rPr lang="ru-RU" dirty="0" err="1"/>
+              <a:rPr lang="ru-RU"/>
               <a:t>DataLens</a:t>
             </a:r>
             <a:r>
-              <a:rPr lang="ru-RU" dirty="0"/>
+              <a:rPr lang="ru-RU"/>
               <a:t> полезен для «</a:t>
             </a:r>
             <a:r>
-              <a:rPr lang="ru-RU" dirty="0" err="1"/>
+              <a:rPr lang="ru-RU"/>
               <a:t>ТехноАгро</a:t>
             </a:r>
             <a:r>
-              <a:rPr lang="ru-RU" dirty="0"/>
+              <a:rPr lang="ru-RU"/>
               <a:t> Плюс»?</a:t>
             </a:r>
-          </a:p>
-        </p:txBody>
-      </p:sp>
-      <p:sp>
-        <p:nvSpPr>
-          <p:cNvPr id="3" name="Объект 2">
-            <a:extLst>
-              <a:ext uri="{FF2B5EF4-FFF2-40B4-BE49-F238E27FC236}">
-                <a16:creationId xmlns:a16="http://schemas.microsoft.com/office/drawing/2014/main" id="{C5C1499D-C71C-A099-1EA3-475C8CB9A337}"/>
-              </a:ext>
-            </a:extLst>
-          </p:cNvPr>
+            <a:endParaRPr/>
+          </a:p>
+        </p:txBody>
+      </p:sp>
+      <p:sp>
+        <p:nvSpPr>
+          <p:cNvPr id="2100432446" name="Объект 2"/>
           <p:cNvSpPr>
             <a:spLocks noGrp="1"/>
           </p:cNvSpPr>
@@ -5637,7 +6990,7 @@
             <p:ph idx="1"/>
           </p:nvPr>
         </p:nvSpPr>
-        <p:spPr>
+        <p:spPr bwMode="auto">
           <a:xfrm>
             <a:off x="838200" y="1465407"/>
             <a:ext cx="10515600" cy="3373293"/>
@@ -5649,120 +7002,124 @@
           </a:bodyPr>
           <a:lstStyle/>
           <a:p>
-            <a:r>
-              <a:rPr lang="ru-RU" b="1" dirty="0" smtClean="0"/>
+            <a:pPr>
+              <a:defRPr/>
+            </a:pPr>
+            <a:r>
+              <a:rPr lang="ru-RU" b="1"/>
               <a:t>1</a:t>
             </a:r>
             <a:r>
-              <a:rPr lang="ru-RU" b="1" dirty="0"/>
+              <a:rPr lang="ru-RU" b="1"/>
               <a:t>. Анализ продаж и дистрибуции</a:t>
             </a:r>
-            <a:r>
-              <a:rPr lang="ru-RU" dirty="0"/>
-              <a:t/>
-            </a:r>
             <a:br>
-              <a:rPr lang="ru-RU" dirty="0"/>
+              <a:rPr lang="ru-RU"/>
             </a:br>
             <a:r>
-              <a:rPr lang="ru-RU" dirty="0"/>
+              <a:rPr lang="ru-RU"/>
               <a:t>– Отслеживание динамики продаж по регионам, дилерам и моделям техники.</a:t>
             </a:r>
             <a:br>
-              <a:rPr lang="ru-RU" dirty="0"/>
+              <a:rPr lang="ru-RU"/>
             </a:br>
             <a:r>
-              <a:rPr lang="ru-RU" dirty="0"/>
+              <a:rPr lang="ru-RU"/>
               <a:t>– Визуализация данных о спросе для оптимизации складских запасов.</a:t>
             </a:r>
-          </a:p>
-          <a:p>
-            <a:r>
-              <a:rPr lang="ru-RU" b="1" dirty="0"/>
+            <a:endParaRPr/>
+          </a:p>
+          <a:p>
+            <a:pPr>
+              <a:defRPr/>
+            </a:pPr>
+            <a:r>
+              <a:rPr lang="ru-RU" b="1"/>
               <a:t>2. Контроль сервисного обслуживания</a:t>
             </a:r>
-            <a:r>
-              <a:rPr lang="ru-RU" dirty="0"/>
-              <a:t/>
-            </a:r>
             <a:br>
-              <a:rPr lang="ru-RU" dirty="0"/>
+              <a:rPr lang="ru-RU"/>
             </a:br>
             <a:r>
-              <a:rPr lang="ru-RU" dirty="0"/>
+              <a:rPr lang="ru-RU"/>
               <a:t>– Мониторинг обращений в сервисные центры (среднее время ремонта, частота поломок).</a:t>
             </a:r>
             <a:br>
-              <a:rPr lang="ru-RU" dirty="0"/>
+              <a:rPr lang="ru-RU"/>
             </a:br>
             <a:r>
-              <a:rPr lang="ru-RU" dirty="0"/>
+              <a:rPr lang="ru-RU"/>
               <a:t>– Интеграция с CRM для анализа лояльности клиентов.</a:t>
             </a:r>
-          </a:p>
-          <a:p>
-            <a:r>
-              <a:rPr lang="ru-RU" b="1" dirty="0"/>
+            <a:endParaRPr/>
+          </a:p>
+          <a:p>
+            <a:pPr>
+              <a:defRPr/>
+            </a:pPr>
+            <a:r>
+              <a:rPr lang="ru-RU" b="1"/>
               <a:t>3. Удобство для команд</a:t>
             </a:r>
-            <a:r>
-              <a:rPr lang="ru-RU" dirty="0"/>
-              <a:t/>
-            </a:r>
             <a:br>
-              <a:rPr lang="ru-RU" dirty="0"/>
+              <a:rPr lang="ru-RU"/>
             </a:br>
             <a:r>
-              <a:rPr lang="ru-RU" dirty="0"/>
+              <a:rPr lang="ru-RU"/>
               <a:t>– Облачная платформа: доступ к отчетам для удаленных сотрудников и дилеров.</a:t>
             </a:r>
             <a:br>
-              <a:rPr lang="ru-RU" dirty="0"/>
+              <a:rPr lang="ru-RU"/>
             </a:br>
             <a:r>
-              <a:rPr lang="ru-RU" dirty="0"/>
+              <a:rPr lang="ru-RU"/>
               <a:t>– Готовые шаблоны </a:t>
             </a:r>
             <a:r>
-              <a:rPr lang="ru-RU" dirty="0" err="1"/>
+              <a:rPr lang="ru-RU"/>
               <a:t>дашбордов</a:t>
             </a:r>
             <a:r>
-              <a:rPr lang="ru-RU" dirty="0"/>
+              <a:rPr lang="ru-RU"/>
               <a:t> для финансовых и операционных показателей.</a:t>
             </a:r>
+            <a:endParaRPr/>
           </a:p>
           <a:p>
             <a:pPr marL="0" indent="0">
               <a:buNone/>
-            </a:pPr>
-            <a:endParaRPr lang="ru-RU" dirty="0"/>
+              <a:defRPr/>
+            </a:pPr>
+            <a:endParaRPr lang="ru-RU"/>
           </a:p>
         </p:txBody>
       </p:sp>
     </p:spTree>
-    <p:extLst>
-      <p:ext uri="{BB962C8B-B14F-4D97-AF65-F5344CB8AC3E}">
-        <p14:creationId xmlns:p14="http://schemas.microsoft.com/office/powerpoint/2010/main" val="2538879494"/>
-      </p:ext>
-    </p:extLst>
   </p:cSld>
   <p:clrMapOvr>
     <a:masterClrMapping/>
   </p:clrMapOvr>
+  <mc:AlternateContent xmlns:mc="http://schemas.openxmlformats.org/markup-compatibility/2006">
+    <mc:Choice xmlns:p159="http://schemas.microsoft.com/office/powerpoint/2015/09/main" xmlns:p14="http://schemas.microsoft.com/office/powerpoint/2010/main" Requires="p159">
+      <p:transition p14:dur="2000" advClick="1"/>
+    </mc:Choice>
+    <mc:Fallback>
+      <p:transition advClick="1"/>
+    </mc:Fallback>
+  </mc:AlternateContent>
 </p:sld>
 </file>
 
 <file path=ppt/slides/slide9.xml><?xml version="1.0" encoding="utf-8"?>
-<p:sld xmlns:a="http://schemas.openxmlformats.org/drawingml/2006/main" xmlns:r="http://schemas.openxmlformats.org/officeDocument/2006/relationships" xmlns:p="http://schemas.openxmlformats.org/presentationml/2006/main">
-  <p:cSld>
+<p:sld xmlns:a="http://schemas.openxmlformats.org/drawingml/2006/main" xmlns:r="http://schemas.openxmlformats.org/officeDocument/2006/relationships" xmlns:p="http://schemas.openxmlformats.org/presentationml/2006/main" xmlns:m="http://schemas.openxmlformats.org/officeDocument/2006/math" xmlns:w="http://schemas.openxmlformats.org/wordprocessingml/2006/main" xmlns:mc="http://schemas.openxmlformats.org/markup-compatibility/2006" showMasterPhAnim="0" showMasterSp="1" show="1">
+  <p:cSld name="">
     <p:spTree>
       <p:nvGrpSpPr>
         <p:cNvPr id="1" name=""/>
         <p:cNvGrpSpPr/>
         <p:nvPr/>
       </p:nvGrpSpPr>
-      <p:grpSpPr>
+      <p:grpSpPr bwMode="auto">
         <a:xfrm>
           <a:off x="0" y="0"/>
           <a:ext cx="0" cy="0"/>
@@ -5772,13 +7129,7 @@
       </p:grpSpPr>
       <p:sp>
         <p:nvSpPr>
-          <p:cNvPr id="2" name="Заголовок 1">
-            <a:extLst>
-              <a:ext uri="{FF2B5EF4-FFF2-40B4-BE49-F238E27FC236}">
-                <a16:creationId xmlns:a16="http://schemas.microsoft.com/office/drawing/2014/main" id="{5DD1B614-F849-62B6-4F52-61BFAF25BDE4}"/>
-              </a:ext>
-            </a:extLst>
-          </p:cNvPr>
+          <p:cNvPr id="2027391049" name="Заголовок 1"/>
           <p:cNvSpPr>
             <a:spLocks noGrp="1"/>
           </p:cNvSpPr>
@@ -5786,22 +7137,25 @@
             <p:ph type="title"/>
           </p:nvPr>
         </p:nvSpPr>
-        <p:spPr/>
+        <p:spPr bwMode="auto"/>
         <p:txBody>
           <a:bodyPr/>
           <a:lstStyle/>
           <a:p>
-            <a:pPr algn="ctr"/>
-            <a:r>
-              <a:rPr lang="ru-RU" dirty="0"/>
+            <a:pPr algn="ctr">
+              <a:defRPr/>
+            </a:pPr>
+            <a:r>
+              <a:rPr lang="ru-RU"/>
               <a:t>Система ключевых показателей (KPI) для онлайн-школы</a:t>
             </a:r>
-          </a:p>
-        </p:txBody>
-      </p:sp>
-      <p:sp>
-        <p:nvSpPr>
-          <p:cNvPr id="3" name="Объект 2"/>
+            <a:endParaRPr/>
+          </a:p>
+        </p:txBody>
+      </p:sp>
+      <p:sp>
+        <p:nvSpPr>
+          <p:cNvPr id="1521784823" name="Объект 2"/>
           <p:cNvSpPr>
             <a:spLocks noGrp="1"/>
           </p:cNvSpPr>
@@ -5809,7 +7163,7 @@
             <p:ph idx="1"/>
           </p:nvPr>
         </p:nvSpPr>
-        <p:spPr>
+        <p:spPr bwMode="auto">
           <a:xfrm>
             <a:off x="1085850" y="1922174"/>
             <a:ext cx="5210175" cy="4438651"/>
@@ -5821,92 +7175,117 @@
           <a:p>
             <a:pPr marL="0" indent="0">
               <a:buNone/>
-            </a:pPr>
-            <a:r>
-              <a:rPr lang="ru-RU" b="1" dirty="0" smtClean="0"/>
+              <a:defRPr/>
+            </a:pPr>
+            <a:r>
+              <a:rPr lang="ru-RU" b="1"/>
               <a:t>Продажи </a:t>
             </a:r>
             <a:r>
-              <a:rPr lang="ru-RU" b="1" dirty="0"/>
+              <a:rPr lang="ru-RU" b="1"/>
               <a:t>и дистрибуция</a:t>
             </a:r>
-            <a:endParaRPr lang="ru-RU" dirty="0"/>
-          </a:p>
-          <a:p>
-            <a:r>
-              <a:rPr lang="ru-RU" dirty="0"/>
+            <a:endParaRPr lang="ru-RU"/>
+          </a:p>
+          <a:p>
+            <a:pPr>
+              <a:defRPr/>
+            </a:pPr>
+            <a:r>
+              <a:rPr lang="ru-RU"/>
               <a:t>Объем продаж по регионам и дилерам</a:t>
             </a:r>
-          </a:p>
-          <a:p>
-            <a:r>
-              <a:rPr lang="ru-RU" dirty="0"/>
+            <a:endParaRPr/>
+          </a:p>
+          <a:p>
+            <a:pPr>
+              <a:defRPr/>
+            </a:pPr>
+            <a:r>
+              <a:rPr lang="ru-RU"/>
               <a:t>Конверсия входящих заявок в продажи</a:t>
             </a:r>
-          </a:p>
-          <a:p>
-            <a:r>
-              <a:rPr lang="ru-RU" dirty="0"/>
+            <a:endParaRPr/>
+          </a:p>
+          <a:p>
+            <a:pPr>
+              <a:defRPr/>
+            </a:pPr>
+            <a:r>
+              <a:rPr lang="ru-RU"/>
               <a:t>Рентабельность разных линеек техники</a:t>
             </a:r>
+            <a:endParaRPr/>
           </a:p>
           <a:p>
             <a:pPr marL="0" indent="0">
               <a:buNone/>
-            </a:pPr>
-            <a:r>
-              <a:rPr lang="ru-RU" b="1" dirty="0" smtClean="0"/>
+              <a:defRPr/>
+            </a:pPr>
+            <a:r>
+              <a:rPr lang="ru-RU" b="1"/>
               <a:t>Производство </a:t>
             </a:r>
             <a:r>
-              <a:rPr lang="ru-RU" b="1" dirty="0"/>
+              <a:rPr lang="ru-RU" b="1"/>
               <a:t>и логистика</a:t>
             </a:r>
-            <a:endParaRPr lang="ru-RU" dirty="0"/>
-          </a:p>
-          <a:p>
-            <a:r>
-              <a:rPr lang="ru-RU" dirty="0"/>
+            <a:endParaRPr lang="ru-RU"/>
+          </a:p>
+          <a:p>
+            <a:pPr>
+              <a:defRPr/>
+            </a:pPr>
+            <a:r>
+              <a:rPr lang="ru-RU"/>
               <a:t>Производственная себестоимость единицы техники</a:t>
             </a:r>
-          </a:p>
-          <a:p>
-            <a:r>
-              <a:rPr lang="ru-RU" dirty="0"/>
+            <a:endParaRPr/>
+          </a:p>
+          <a:p>
+            <a:pPr>
+              <a:defRPr/>
+            </a:pPr>
+            <a:r>
+              <a:rPr lang="ru-RU"/>
               <a:t>Сроки выполнения заказов</a:t>
             </a:r>
-          </a:p>
-          <a:p>
-            <a:r>
-              <a:rPr lang="ru-RU" dirty="0"/>
+            <a:endParaRPr/>
+          </a:p>
+          <a:p>
+            <a:pPr>
+              <a:defRPr/>
+            </a:pPr>
+            <a:r>
+              <a:rPr lang="ru-RU"/>
               <a:t>Уровень загрузки производственных мощностей</a:t>
             </a:r>
+            <a:endParaRPr/>
           </a:p>
           <a:p>
             <a:pPr marL="0" indent="0">
               <a:buNone/>
-            </a:pPr>
-            <a:endParaRPr lang="ru-RU" dirty="0"/>
+              <a:defRPr/>
+            </a:pPr>
+            <a:endParaRPr lang="ru-RU"/>
           </a:p>
         </p:txBody>
       </p:sp>
       <p:pic>
         <p:nvPicPr>
-          <p:cNvPr id="8" name="Рисунок 7"/>
+          <p:cNvPr id="2058251765" name="Рисунок 7"/>
           <p:cNvPicPr>
             <a:picLocks noChangeAspect="1"/>
           </p:cNvPicPr>
           <p:nvPr/>
         </p:nvPicPr>
         <p:blipFill>
-          <a:blip r:embed="rId2"/>
-          <a:stretch>
-            <a:fillRect/>
-          </a:stretch>
+          <a:blip r:embed="rId3"/>
+          <a:stretch/>
         </p:blipFill>
-        <p:spPr>
+        <p:spPr bwMode="auto">
           <a:xfrm>
-            <a:off x="6296025" y="2507023"/>
+            <a:off x="6296024" y="2507023"/>
             <a:ext cx="5776642" cy="3268951"/>
           </a:xfrm>
           <a:prstGeom prst="rect">
@@ -5915,20 +7294,23 @@
         </p:spPr>
       </p:pic>
     </p:spTree>
-    <p:extLst>
-      <p:ext uri="{BB962C8B-B14F-4D97-AF65-F5344CB8AC3E}">
-        <p14:creationId xmlns:p14="http://schemas.microsoft.com/office/powerpoint/2010/main" val="1189732032"/>
-      </p:ext>
-    </p:extLst>
   </p:cSld>
   <p:clrMapOvr>
     <a:masterClrMapping/>
   </p:clrMapOvr>
+  <mc:AlternateContent xmlns:mc="http://schemas.openxmlformats.org/markup-compatibility/2006">
+    <mc:Choice xmlns:p159="http://schemas.microsoft.com/office/powerpoint/2015/09/main" xmlns:p14="http://schemas.microsoft.com/office/powerpoint/2010/main" Requires="p159">
+      <p:transition p14:dur="2000" advClick="1"/>
+    </mc:Choice>
+    <mc:Fallback>
+      <p:transition advClick="1"/>
+    </mc:Fallback>
+  </mc:AlternateContent>
 </p:sld>
 </file>
 
 <file path=ppt/theme/theme1.xml><?xml version="1.0" encoding="utf-8"?>
-<a:theme xmlns:a="http://schemas.openxmlformats.org/drawingml/2006/main" name="Crop">
+<a:theme xmlns:a="http://schemas.openxmlformats.org/drawingml/2006/main" xmlns:r="http://schemas.openxmlformats.org/officeDocument/2006/relationships" xmlns:p="http://schemas.openxmlformats.org/presentationml/2006/main" name="Crop">
   <a:themeElements>
     <a:clrScheme name="Crop">
       <a:dk1>
@@ -5970,74 +7352,14 @@
     </a:clrScheme>
     <a:fontScheme name="Crop">
       <a:majorFont>
-        <a:latin typeface="Franklin Gothic Book" panose="020B0503020102020204"/>
-        <a:ea typeface=""/>
-        <a:cs typeface=""/>
-        <a:font script="Jpan" typeface="メイリオ"/>
-        <a:font script="Hang" typeface="돋움"/>
-        <a:font script="Hans" typeface="华文楷体"/>
-        <a:font script="Hant" typeface="微軟正黑體"/>
-        <a:font script="Arab" typeface="Tahoma"/>
-        <a:font script="Hebr" typeface="Aharoni"/>
-        <a:font script="Thai" typeface="LilyUPC"/>
-        <a:font script="Ethi" typeface="Nyala"/>
-        <a:font script="Beng" typeface="Vrinda"/>
-        <a:font script="Gujr" typeface="Shruti"/>
-        <a:font script="Khmr" typeface="DaunPenh"/>
-        <a:font script="Knda" typeface="Tunga"/>
-        <a:font script="Guru" typeface="Raavi"/>
-        <a:font script="Cans" typeface="Euphemia"/>
-        <a:font script="Cher" typeface="Plantagenet Cherokee"/>
-        <a:font script="Yiii" typeface="Microsoft Yi Baiti"/>
-        <a:font script="Tibt" typeface="Microsoft Himalaya"/>
-        <a:font script="Thaa" typeface="MV Boli"/>
-        <a:font script="Deva" typeface="Mangal"/>
-        <a:font script="Telu" typeface="Gautami"/>
-        <a:font script="Taml" typeface="Latha"/>
-        <a:font script="Syrc" typeface="Estrangelo Edessa"/>
-        <a:font script="Orya" typeface="Kalinga"/>
-        <a:font script="Mlym" typeface="Kartika"/>
-        <a:font script="Laoo" typeface="DokChampa"/>
-        <a:font script="Sinh" typeface="Iskoola Pota"/>
-        <a:font script="Mong" typeface="Mongolian Baiti"/>
-        <a:font script="Viet" typeface="Tahoma"/>
-        <a:font script="Uigh" typeface="Microsoft Uighur"/>
-        <a:font script="Geor" typeface="Sylfaen"/>
+        <a:latin typeface="Franklin Gothic Book"/>
+        <a:ea typeface="Arial"/>
+        <a:cs typeface="Arial"/>
       </a:majorFont>
       <a:minorFont>
-        <a:latin typeface="Franklin Gothic Book" panose="020B0503020102020204"/>
-        <a:ea typeface=""/>
-        <a:cs typeface=""/>
-        <a:font script="Jpan" typeface="メイリオ"/>
-        <a:font script="Hang" typeface="돋움"/>
-        <a:font script="Hans" typeface="华文楷体"/>
-        <a:font script="Hant" typeface="微軟正黑體"/>
-        <a:font script="Arab" typeface="Tahoma"/>
-        <a:font script="Hebr" typeface="Aharoni"/>
-        <a:font script="Thai" typeface="LilyUPC"/>
-        <a:font script="Ethi" typeface="Nyala"/>
-        <a:font script="Beng" typeface="Vrinda"/>
-        <a:font script="Gujr" typeface="Shruti"/>
-        <a:font script="Khmr" typeface="DaunPenh"/>
-        <a:font script="Knda" typeface="Tunga"/>
-        <a:font script="Guru" typeface="Raavi"/>
-        <a:font script="Cans" typeface="Euphemia"/>
-        <a:font script="Cher" typeface="Plantagenet Cherokee"/>
-        <a:font script="Yiii" typeface="Microsoft Yi Baiti"/>
-        <a:font script="Tibt" typeface="Microsoft Himalaya"/>
-        <a:font script="Thaa" typeface="MV Boli"/>
-        <a:font script="Deva" typeface="Mangal"/>
-        <a:font script="Telu" typeface="Gautami"/>
-        <a:font script="Taml" typeface="Latha"/>
-        <a:font script="Syrc" typeface="Estrangelo Edessa"/>
-        <a:font script="Orya" typeface="Kalinga"/>
-        <a:font script="Mlym" typeface="Kartika"/>
-        <a:font script="Laoo" typeface="DokChampa"/>
-        <a:font script="Sinh" typeface="Iskoola Pota"/>
-        <a:font script="Mong" typeface="Mongolian Baiti"/>
-        <a:font script="Viet" typeface="Tahoma"/>
-        <a:font script="Uigh" typeface="Microsoft Uighur"/>
-        <a:font script="Geor" typeface="Sylfaen"/>
+        <a:latin typeface="Franklin Gothic Book"/>
+        <a:ea typeface="Arial"/>
+        <a:cs typeface="Arial"/>
       </a:minorFont>
     </a:fontScheme>
     <a:fmtScheme name="Crop">
@@ -6045,7 +7367,7 @@
         <a:solidFill>
           <a:schemeClr val="phClr"/>
         </a:solidFill>
-        <a:gradFill rotWithShape="1">
+        <a:gradFill>
           <a:gsLst>
             <a:gs pos="0">
               <a:schemeClr val="phClr">
@@ -6071,7 +7393,7 @@
           </a:gsLst>
           <a:lin ang="5400000" scaled="0"/>
         </a:gradFill>
-        <a:gradFill rotWithShape="1">
+        <a:gradFill>
           <a:gsLst>
             <a:gs pos="0">
               <a:schemeClr val="phClr">
@@ -6120,14 +7442,26 @@
       </a:lnStyleLst>
       <a:effectStyleLst>
         <a:effectStyle>
-          <a:effectLst/>
-        </a:effectStyle>
-        <a:effectStyle>
-          <a:effectLst/>
+          <a:effectLst>
+            <a:outerShdw blurRad="40000" dist="20000" dir="5400000" rotWithShape="0">
+              <a:srgbClr val="000000">
+                <a:alpha val="38000"/>
+              </a:srgbClr>
+            </a:outerShdw>
+          </a:effectLst>
         </a:effectStyle>
         <a:effectStyle>
           <a:effectLst>
-            <a:outerShdw blurRad="57150" dist="19050" dir="5400000" algn="ctr" rotWithShape="0">
+            <a:outerShdw blurRad="40000" dist="23000" dir="5400000" rotWithShape="0">
+              <a:srgbClr val="000000">
+                <a:alpha val="35000"/>
+              </a:srgbClr>
+            </a:outerShdw>
+          </a:effectLst>
+        </a:effectStyle>
+        <a:effectStyle>
+          <a:effectLst>
+            <a:outerShdw blurRad="40000" dist="23000" dir="5400000" rotWithShape="0">
               <a:srgbClr val="000000">
                 <a:alpha val="35000"/>
               </a:srgbClr>
@@ -6145,7 +7479,7 @@
             <a:satMod val="170000"/>
           </a:schemeClr>
         </a:solidFill>
-        <a:gradFill rotWithShape="1">
+        <a:gradFill>
           <a:gsLst>
             <a:gs pos="0">
               <a:schemeClr val="phClr">
@@ -6176,11 +7510,209 @@
     </a:fmtScheme>
   </a:themeElements>
   <a:objectDefaults/>
-  <a:extraClrSchemeLst/>
-  <a:extLst>
-    <a:ext uri="{05A4C25C-085E-4340-85A3-A5531E510DB2}">
-      <thm15:themeFamily xmlns:thm15="http://schemas.microsoft.com/office/thememl/2012/main" name="Crop" id="{EC9488ED-E761-4D60-9AC4-764D1FE2C171}" vid="{CE19780C-D67D-4C13-9DE9-A52BC3BA51B4}"/>
-    </a:ext>
-  </a:extLst>
+</a:theme>
+</file>
+
+<file path=ppt/theme/theme2.xml><?xml version="1.0" encoding="utf-8"?>
+<a:theme xmlns:a="http://schemas.openxmlformats.org/drawingml/2006/main" xmlns:r="http://schemas.openxmlformats.org/officeDocument/2006/relationships" xmlns:p="http://schemas.openxmlformats.org/presentationml/2006/main" name="Crop">
+  <a:themeElements>
+    <a:clrScheme name="Crop">
+      <a:dk1>
+        <a:sysClr val="windowText" lastClr="000000"/>
+      </a:dk1>
+      <a:lt1>
+        <a:sysClr val="window" lastClr="FFFFFF"/>
+      </a:lt1>
+      <a:dk2>
+        <a:srgbClr val="191B0E"/>
+      </a:dk2>
+      <a:lt2>
+        <a:srgbClr val="EFEDE3"/>
+      </a:lt2>
+      <a:accent1>
+        <a:srgbClr val="8C8D86"/>
+      </a:accent1>
+      <a:accent2>
+        <a:srgbClr val="E6C069"/>
+      </a:accent2>
+      <a:accent3>
+        <a:srgbClr val="897B61"/>
+      </a:accent3>
+      <a:accent4>
+        <a:srgbClr val="8DAB8E"/>
+      </a:accent4>
+      <a:accent5>
+        <a:srgbClr val="77A2BB"/>
+      </a:accent5>
+      <a:accent6>
+        <a:srgbClr val="E28394"/>
+      </a:accent6>
+      <a:hlink>
+        <a:srgbClr val="77A2BB"/>
+      </a:hlink>
+      <a:folHlink>
+        <a:srgbClr val="957A99"/>
+      </a:folHlink>
+    </a:clrScheme>
+    <a:fontScheme name="">
+      <a:majorFont>
+        <a:latin typeface="Franklin Gothic Book"/>
+        <a:ea typeface="Arial"/>
+        <a:cs typeface="Arial"/>
+      </a:majorFont>
+      <a:minorFont>
+        <a:latin typeface="Franklin Gothic Book"/>
+        <a:ea typeface="Arial"/>
+        <a:cs typeface="Arial"/>
+      </a:minorFont>
+    </a:fontScheme>
+    <a:fmtScheme name="Crop">
+      <a:fillStyleLst>
+        <a:solidFill>
+          <a:schemeClr val="phClr"/>
+        </a:solidFill>
+        <a:gradFill>
+          <a:gsLst>
+            <a:gs pos="0">
+              <a:schemeClr val="phClr">
+                <a:tint val="67000"/>
+                <a:satMod val="105000"/>
+                <a:lumMod val="110000"/>
+              </a:schemeClr>
+            </a:gs>
+            <a:gs pos="50000">
+              <a:schemeClr val="phClr">
+                <a:tint val="73000"/>
+                <a:satMod val="103000"/>
+                <a:lumMod val="105000"/>
+              </a:schemeClr>
+            </a:gs>
+            <a:gs pos="100000">
+              <a:schemeClr val="phClr">
+                <a:tint val="81000"/>
+                <a:satMod val="109000"/>
+                <a:lumMod val="105000"/>
+              </a:schemeClr>
+            </a:gs>
+          </a:gsLst>
+          <a:lin ang="5400000" scaled="0"/>
+        </a:gradFill>
+        <a:gradFill>
+          <a:gsLst>
+            <a:gs pos="0">
+              <a:schemeClr val="phClr">
+                <a:tint val="94000"/>
+                <a:satMod val="103000"/>
+                <a:lumMod val="102000"/>
+              </a:schemeClr>
+            </a:gs>
+            <a:gs pos="50000">
+              <a:schemeClr val="phClr">
+                <a:shade val="100000"/>
+                <a:satMod val="110000"/>
+                <a:lumMod val="100000"/>
+              </a:schemeClr>
+            </a:gs>
+            <a:gs pos="100000">
+              <a:schemeClr val="phClr">
+                <a:shade val="78000"/>
+                <a:satMod val="120000"/>
+                <a:lumMod val="99000"/>
+              </a:schemeClr>
+            </a:gs>
+          </a:gsLst>
+          <a:lin ang="5400000" scaled="0"/>
+        </a:gradFill>
+      </a:fillStyleLst>
+      <a:lnStyleLst>
+        <a:ln w="6350" cap="flat" cmpd="sng" algn="in">
+          <a:solidFill>
+            <a:schemeClr val="phClr"/>
+          </a:solidFill>
+          <a:prstDash val="solid"/>
+        </a:ln>
+        <a:ln w="34925" cap="flat" cmpd="sng" algn="in">
+          <a:solidFill>
+            <a:schemeClr val="phClr"/>
+          </a:solidFill>
+          <a:prstDash val="solid"/>
+        </a:ln>
+        <a:ln w="19050" cap="flat" cmpd="sng" algn="in">
+          <a:solidFill>
+            <a:schemeClr val="phClr"/>
+          </a:solidFill>
+          <a:prstDash val="solid"/>
+        </a:ln>
+      </a:lnStyleLst>
+      <a:effectStyleLst>
+        <a:effectStyle>
+          <a:effectLst>
+            <a:outerShdw blurRad="40000" dist="20000" dir="5400000" rotWithShape="0">
+              <a:srgbClr val="000000">
+                <a:alpha val="38000"/>
+              </a:srgbClr>
+            </a:outerShdw>
+          </a:effectLst>
+        </a:effectStyle>
+        <a:effectStyle>
+          <a:effectLst>
+            <a:outerShdw blurRad="40000" dist="23000" dir="5400000" rotWithShape="0">
+              <a:srgbClr val="000000">
+                <a:alpha val="35000"/>
+              </a:srgbClr>
+            </a:outerShdw>
+          </a:effectLst>
+        </a:effectStyle>
+        <a:effectStyle>
+          <a:effectLst>
+            <a:outerShdw blurRad="40000" dist="23000" dir="5400000" rotWithShape="0">
+              <a:srgbClr val="000000">
+                <a:alpha val="35000"/>
+              </a:srgbClr>
+            </a:outerShdw>
+          </a:effectLst>
+        </a:effectStyle>
+      </a:effectStyleLst>
+      <a:bgFillStyleLst>
+        <a:solidFill>
+          <a:schemeClr val="phClr"/>
+        </a:solidFill>
+        <a:solidFill>
+          <a:schemeClr val="phClr">
+            <a:tint val="95000"/>
+            <a:satMod val="170000"/>
+          </a:schemeClr>
+        </a:solidFill>
+        <a:gradFill>
+          <a:gsLst>
+            <a:gs pos="0">
+              <a:schemeClr val="phClr">
+                <a:tint val="93000"/>
+                <a:shade val="98000"/>
+                <a:satMod val="150000"/>
+                <a:lumMod val="102000"/>
+              </a:schemeClr>
+            </a:gs>
+            <a:gs pos="50000">
+              <a:schemeClr val="phClr">
+                <a:tint val="98000"/>
+                <a:shade val="90000"/>
+                <a:satMod val="130000"/>
+                <a:lumMod val="103000"/>
+              </a:schemeClr>
+            </a:gs>
+            <a:gs pos="100000">
+              <a:schemeClr val="phClr">
+                <a:shade val="63000"/>
+                <a:satMod val="120000"/>
+              </a:schemeClr>
+            </a:gs>
+          </a:gsLst>
+          <a:lin ang="5400000" scaled="0"/>
+        </a:gradFill>
+      </a:bgFillStyleLst>
+    </a:fmtScheme>
+  </a:themeElements>
+  <a:objectDefaults/>
 </a:theme>
 </file>